--- a/ppt/ch3.pptx
+++ b/ppt/ch3.pptx
@@ -5,7 +5,7 @@
     <p:sldMasterId id="2147483648" r:id="rId1"/>
   </p:sldMasterIdLst>
   <p:notesMasterIdLst>
-    <p:notesMasterId r:id="rId24"/>
+    <p:notesMasterId r:id="rId28"/>
   </p:notesMasterIdLst>
   <p:sldIdLst>
     <p:sldId id="294" r:id="rId2"/>
@@ -16,20 +16,24 @@
     <p:sldId id="300" r:id="rId7"/>
     <p:sldId id="301" r:id="rId8"/>
     <p:sldId id="302" r:id="rId9"/>
-    <p:sldId id="303" r:id="rId10"/>
-    <p:sldId id="305" r:id="rId11"/>
-    <p:sldId id="304" r:id="rId12"/>
-    <p:sldId id="306" r:id="rId13"/>
-    <p:sldId id="307" r:id="rId14"/>
-    <p:sldId id="308" r:id="rId15"/>
-    <p:sldId id="309" r:id="rId16"/>
-    <p:sldId id="310" r:id="rId17"/>
-    <p:sldId id="311" r:id="rId18"/>
-    <p:sldId id="312" r:id="rId19"/>
-    <p:sldId id="314" r:id="rId20"/>
-    <p:sldId id="315" r:id="rId21"/>
-    <p:sldId id="316" r:id="rId22"/>
-    <p:sldId id="317" r:id="rId23"/>
+    <p:sldId id="319" r:id="rId10"/>
+    <p:sldId id="318" r:id="rId11"/>
+    <p:sldId id="303" r:id="rId12"/>
+    <p:sldId id="305" r:id="rId13"/>
+    <p:sldId id="304" r:id="rId14"/>
+    <p:sldId id="306" r:id="rId15"/>
+    <p:sldId id="307" r:id="rId16"/>
+    <p:sldId id="308" r:id="rId17"/>
+    <p:sldId id="309" r:id="rId18"/>
+    <p:sldId id="310" r:id="rId19"/>
+    <p:sldId id="311" r:id="rId20"/>
+    <p:sldId id="312" r:id="rId21"/>
+    <p:sldId id="314" r:id="rId22"/>
+    <p:sldId id="320" r:id="rId23"/>
+    <p:sldId id="315" r:id="rId24"/>
+    <p:sldId id="316" r:id="rId25"/>
+    <p:sldId id="321" r:id="rId26"/>
+    <p:sldId id="317" r:id="rId27"/>
   </p:sldIdLst>
   <p:sldSz cx="12192000" cy="6858000"/>
   <p:notesSz cx="6858000" cy="9144000"/>
@@ -259,7 +263,7 @@
           <a:p>
             <a:fld id="{5478C870-B0E4-4138-B7B4-433F2E14F878}" type="datetimeFigureOut">
               <a:rPr lang="zh-CN" altLang="en-US" smtClean="0"/>
-              <a:t>2018/9/29</a:t>
+              <a:t>2018/10/9</a:t>
             </a:fld>
             <a:endParaRPr lang="zh-CN" altLang="en-US"/>
           </a:p>
@@ -571,60 +575,6 @@
           <a:bodyPr/>
           <a:lstStyle/>
           <a:p>
-            <a:r>
-              <a:rPr lang="en-US" altLang="zh-CN" dirty="0" smtClean="0"/>
-              <a:t>Android</a:t>
-            </a:r>
-            <a:r>
-              <a:rPr lang="zh-CN" altLang="en-US" dirty="0" smtClean="0"/>
-              <a:t>提供两套强大的事件处理机制：</a:t>
-            </a:r>
-            <a:endParaRPr lang="en-US" altLang="zh-CN" dirty="0" smtClean="0"/>
-          </a:p>
-          <a:p>
-            <a:pPr marL="171450" indent="-171450">
-              <a:buFont typeface="Wingdings" panose="05000000000000000000" pitchFamily="2" charset="2"/>
-              <a:buChar char="Ø"/>
-            </a:pPr>
-            <a:r>
-              <a:rPr lang="zh-CN" altLang="en-US" dirty="0" smtClean="0"/>
-              <a:t>基于监听的事件处理：为</a:t>
-            </a:r>
-            <a:r>
-              <a:rPr lang="en-US" altLang="zh-CN" dirty="0" smtClean="0"/>
-              <a:t>Android</a:t>
-            </a:r>
-            <a:r>
-              <a:rPr lang="zh-CN" altLang="en-US" dirty="0" smtClean="0"/>
-              <a:t>界面组件绑定特定的事件监听器。</a:t>
-            </a:r>
-            <a:endParaRPr lang="en-US" altLang="zh-CN" dirty="0" smtClean="0"/>
-          </a:p>
-          <a:p>
-            <a:pPr marL="171450" indent="-171450">
-              <a:buFont typeface="Wingdings" panose="05000000000000000000" pitchFamily="2" charset="2"/>
-              <a:buChar char="Ø"/>
-            </a:pPr>
-            <a:r>
-              <a:rPr lang="zh-CN" altLang="en-US" dirty="0" smtClean="0"/>
-              <a:t>基于回调的事件处理：重写</a:t>
-            </a:r>
-            <a:r>
-              <a:rPr lang="en-US" altLang="zh-CN" dirty="0" smtClean="0"/>
-              <a:t>Android</a:t>
-            </a:r>
-            <a:r>
-              <a:rPr lang="zh-CN" altLang="en-US" dirty="0" smtClean="0"/>
-              <a:t>组件特定的回调方法或者重写</a:t>
-            </a:r>
-            <a:r>
-              <a:rPr lang="en-US" altLang="zh-CN" dirty="0" smtClean="0"/>
-              <a:t>Activity</a:t>
-            </a:r>
-            <a:r>
-              <a:rPr lang="zh-CN" altLang="en-US" dirty="0" smtClean="0"/>
-              <a:t>的回调方法。</a:t>
-            </a:r>
             <a:endParaRPr lang="zh-CN" altLang="en-US" dirty="0"/>
           </a:p>
         </p:txBody>
@@ -646,7 +596,7 @@
           <a:p>
             <a:fld id="{678D3716-3079-41B6-8951-92C177AE559C}" type="slidenum">
               <a:rPr lang="zh-CN" altLang="en-US" smtClean="0"/>
-              <a:t>3</a:t>
+              <a:t>2</a:t>
             </a:fld>
             <a:endParaRPr lang="zh-CN" altLang="en-US"/>
           </a:p>
@@ -655,7 +605,7 @@
     </p:spTree>
     <p:extLst>
       <p:ext uri="{BB962C8B-B14F-4D97-AF65-F5344CB8AC3E}">
-        <p14:creationId xmlns:p14="http://schemas.microsoft.com/office/powerpoint/2010/main" val="280983482"/>
+        <p14:creationId xmlns:p14="http://schemas.microsoft.com/office/powerpoint/2010/main" val="61073853"/>
       </p:ext>
     </p:extLst>
   </p:cSld>
@@ -739,7 +689,7 @@
     </p:spTree>
     <p:extLst>
       <p:ext uri="{BB962C8B-B14F-4D97-AF65-F5344CB8AC3E}">
-        <p14:creationId xmlns:p14="http://schemas.microsoft.com/office/powerpoint/2010/main" val="3074719109"/>
+        <p14:creationId xmlns:p14="http://schemas.microsoft.com/office/powerpoint/2010/main" val="2175232176"/>
       </p:ext>
     </p:extLst>
   </p:cSld>
@@ -795,6 +745,182 @@
           <a:p>
             <a:r>
               <a:rPr lang="zh-CN" altLang="en-US" dirty="0" smtClean="0"/>
+              <a:t>基于回调的事件处理更适合于应付那种事件处理逻辑比较固定的</a:t>
+            </a:r>
+            <a:r>
+              <a:rPr lang="en-US" altLang="zh-CN" dirty="0" smtClean="0"/>
+              <a:t>View</a:t>
+            </a:r>
+            <a:endParaRPr lang="zh-CN" altLang="en-US" dirty="0"/>
+          </a:p>
+        </p:txBody>
+      </p:sp>
+      <p:sp>
+        <p:nvSpPr>
+          <p:cNvPr id="4" name="灯片编号占位符 3"/>
+          <p:cNvSpPr>
+            <a:spLocks noGrp="1"/>
+          </p:cNvSpPr>
+          <p:nvPr>
+            <p:ph type="sldNum" sz="quarter" idx="10"/>
+          </p:nvPr>
+        </p:nvSpPr>
+        <p:spPr/>
+        <p:txBody>
+          <a:bodyPr/>
+          <a:lstStyle/>
+          <a:p>
+            <a:fld id="{678D3716-3079-41B6-8951-92C177AE559C}" type="slidenum">
+              <a:rPr lang="zh-CN" altLang="en-US" smtClean="0"/>
+              <a:t>15</a:t>
+            </a:fld>
+            <a:endParaRPr lang="zh-CN" altLang="en-US"/>
+          </a:p>
+        </p:txBody>
+      </p:sp>
+    </p:spTree>
+    <p:extLst>
+      <p:ext uri="{BB962C8B-B14F-4D97-AF65-F5344CB8AC3E}">
+        <p14:creationId xmlns:p14="http://schemas.microsoft.com/office/powerpoint/2010/main" val="4021056059"/>
+      </p:ext>
+    </p:extLst>
+  </p:cSld>
+  <p:clrMapOvr>
+    <a:masterClrMapping/>
+  </p:clrMapOvr>
+</p:notes>
+</file>
+
+<file path=ppt/notesSlides/notesSlide12.xml><?xml version="1.0" encoding="utf-8"?>
+<p:notes xmlns:a="http://schemas.openxmlformats.org/drawingml/2006/main" xmlns:r="http://schemas.openxmlformats.org/officeDocument/2006/relationships" xmlns:p="http://schemas.openxmlformats.org/presentationml/2006/main">
+  <p:cSld>
+    <p:spTree>
+      <p:nvGrpSpPr>
+        <p:cNvPr id="1" name=""/>
+        <p:cNvGrpSpPr/>
+        <p:nvPr/>
+      </p:nvGrpSpPr>
+      <p:grpSpPr>
+        <a:xfrm>
+          <a:off x="0" y="0"/>
+          <a:ext cx="0" cy="0"/>
+          <a:chOff x="0" y="0"/>
+          <a:chExt cx="0" cy="0"/>
+        </a:xfrm>
+      </p:grpSpPr>
+      <p:sp>
+        <p:nvSpPr>
+          <p:cNvPr id="2" name="幻灯片图像占位符 1"/>
+          <p:cNvSpPr>
+            <a:spLocks noGrp="1" noRot="1" noChangeAspect="1"/>
+          </p:cNvSpPr>
+          <p:nvPr>
+            <p:ph type="sldImg"/>
+          </p:nvPr>
+        </p:nvSpPr>
+        <p:spPr/>
+      </p:sp>
+      <p:sp>
+        <p:nvSpPr>
+          <p:cNvPr id="3" name="备注占位符 2"/>
+          <p:cNvSpPr>
+            <a:spLocks noGrp="1"/>
+          </p:cNvSpPr>
+          <p:nvPr>
+            <p:ph type="body" idx="1"/>
+          </p:nvPr>
+        </p:nvSpPr>
+        <p:spPr/>
+        <p:txBody>
+          <a:bodyPr/>
+          <a:lstStyle/>
+          <a:p>
+            <a:endParaRPr lang="zh-CN" altLang="en-US" dirty="0"/>
+          </a:p>
+        </p:txBody>
+      </p:sp>
+      <p:sp>
+        <p:nvSpPr>
+          <p:cNvPr id="4" name="灯片编号占位符 3"/>
+          <p:cNvSpPr>
+            <a:spLocks noGrp="1"/>
+          </p:cNvSpPr>
+          <p:nvPr>
+            <p:ph type="sldNum" sz="quarter" idx="10"/>
+          </p:nvPr>
+        </p:nvSpPr>
+        <p:spPr/>
+        <p:txBody>
+          <a:bodyPr/>
+          <a:lstStyle/>
+          <a:p>
+            <a:fld id="{678D3716-3079-41B6-8951-92C177AE559C}" type="slidenum">
+              <a:rPr lang="zh-CN" altLang="en-US" smtClean="0"/>
+              <a:t>16</a:t>
+            </a:fld>
+            <a:endParaRPr lang="zh-CN" altLang="en-US"/>
+          </a:p>
+        </p:txBody>
+      </p:sp>
+    </p:spTree>
+    <p:extLst>
+      <p:ext uri="{BB962C8B-B14F-4D97-AF65-F5344CB8AC3E}">
+        <p14:creationId xmlns:p14="http://schemas.microsoft.com/office/powerpoint/2010/main" val="3074719109"/>
+      </p:ext>
+    </p:extLst>
+  </p:cSld>
+  <p:clrMapOvr>
+    <a:masterClrMapping/>
+  </p:clrMapOvr>
+</p:notes>
+</file>
+
+<file path=ppt/notesSlides/notesSlide13.xml><?xml version="1.0" encoding="utf-8"?>
+<p:notes xmlns:a="http://schemas.openxmlformats.org/drawingml/2006/main" xmlns:r="http://schemas.openxmlformats.org/officeDocument/2006/relationships" xmlns:p="http://schemas.openxmlformats.org/presentationml/2006/main">
+  <p:cSld>
+    <p:spTree>
+      <p:nvGrpSpPr>
+        <p:cNvPr id="1" name=""/>
+        <p:cNvGrpSpPr/>
+        <p:nvPr/>
+      </p:nvGrpSpPr>
+      <p:grpSpPr>
+        <a:xfrm>
+          <a:off x="0" y="0"/>
+          <a:ext cx="0" cy="0"/>
+          <a:chOff x="0" y="0"/>
+          <a:chExt cx="0" cy="0"/>
+        </a:xfrm>
+      </p:grpSpPr>
+      <p:sp>
+        <p:nvSpPr>
+          <p:cNvPr id="2" name="幻灯片图像占位符 1"/>
+          <p:cNvSpPr>
+            <a:spLocks noGrp="1" noRot="1" noChangeAspect="1"/>
+          </p:cNvSpPr>
+          <p:nvPr>
+            <p:ph type="sldImg"/>
+          </p:nvPr>
+        </p:nvSpPr>
+        <p:spPr/>
+      </p:sp>
+      <p:sp>
+        <p:nvSpPr>
+          <p:cNvPr id="3" name="备注占位符 2"/>
+          <p:cNvSpPr>
+            <a:spLocks noGrp="1"/>
+          </p:cNvSpPr>
+          <p:nvPr>
+            <p:ph type="body" idx="1"/>
+          </p:nvPr>
+        </p:nvSpPr>
+        <p:spPr/>
+        <p:txBody>
+          <a:bodyPr/>
+          <a:lstStyle/>
+          <a:p>
+            <a:r>
+              <a:rPr lang="zh-CN" altLang="en-US" dirty="0" smtClean="0"/>
               <a:t>为解决操作</a:t>
             </a:r>
             <a:r>
@@ -926,7 +1052,7 @@
           <a:p>
             <a:fld id="{678D3716-3079-41B6-8951-92C177AE559C}" type="slidenum">
               <a:rPr lang="zh-CN" altLang="en-US" smtClean="0"/>
-              <a:t>17</a:t>
+              <a:t>19</a:t>
             </a:fld>
             <a:endParaRPr lang="zh-CN" altLang="en-US"/>
           </a:p>
@@ -945,7 +1071,7 @@
 </p:notes>
 </file>
 
-<file path=ppt/notesSlides/notesSlide12.xml><?xml version="1.0" encoding="utf-8"?>
+<file path=ppt/notesSlides/notesSlide14.xml><?xml version="1.0" encoding="utf-8"?>
 <p:notes xmlns:a="http://schemas.openxmlformats.org/drawingml/2006/main" xmlns:r="http://schemas.openxmlformats.org/officeDocument/2006/relationships" xmlns:p="http://schemas.openxmlformats.org/presentationml/2006/main">
   <p:cSld>
     <p:spTree>
@@ -1010,7 +1136,7 @@
           <a:p>
             <a:fld id="{678D3716-3079-41B6-8951-92C177AE559C}" type="slidenum">
               <a:rPr lang="zh-CN" altLang="en-US" smtClean="0"/>
-              <a:t>18</a:t>
+              <a:t>20</a:t>
             </a:fld>
             <a:endParaRPr lang="zh-CN" altLang="en-US"/>
           </a:p>
@@ -1029,7 +1155,7 @@
 </p:notes>
 </file>
 
-<file path=ppt/notesSlides/notesSlide13.xml><?xml version="1.0" encoding="utf-8"?>
+<file path=ppt/notesSlides/notesSlide15.xml><?xml version="1.0" encoding="utf-8"?>
 <p:notes xmlns:a="http://schemas.openxmlformats.org/drawingml/2006/main" xmlns:r="http://schemas.openxmlformats.org/officeDocument/2006/relationships" xmlns:p="http://schemas.openxmlformats.org/presentationml/2006/main">
   <p:cSld>
     <p:spTree>
@@ -1094,7 +1220,7 @@
           <a:p>
             <a:fld id="{678D3716-3079-41B6-8951-92C177AE559C}" type="slidenum">
               <a:rPr lang="zh-CN" altLang="en-US" smtClean="0"/>
-              <a:t>20</a:t>
+              <a:t>21</a:t>
             </a:fld>
             <a:endParaRPr lang="zh-CN" altLang="en-US"/>
           </a:p>
@@ -1103,7 +1229,7 @@
     </p:spTree>
     <p:extLst>
       <p:ext uri="{BB962C8B-B14F-4D97-AF65-F5344CB8AC3E}">
-        <p14:creationId xmlns:p14="http://schemas.microsoft.com/office/powerpoint/2010/main" val="654463841"/>
+        <p14:creationId xmlns:p14="http://schemas.microsoft.com/office/powerpoint/2010/main" val="711109815"/>
       </p:ext>
     </p:extLst>
   </p:cSld>
@@ -1113,7 +1239,7 @@
 </p:notes>
 </file>
 
-<file path=ppt/notesSlides/notesSlide14.xml><?xml version="1.0" encoding="utf-8"?>
+<file path=ppt/notesSlides/notesSlide16.xml><?xml version="1.0" encoding="utf-8"?>
 <p:notes xmlns:a="http://schemas.openxmlformats.org/drawingml/2006/main" xmlns:r="http://schemas.openxmlformats.org/officeDocument/2006/relationships" xmlns:p="http://schemas.openxmlformats.org/presentationml/2006/main">
   <p:cSld>
     <p:spTree>
@@ -1157,6 +1283,174 @@
           <a:bodyPr/>
           <a:lstStyle/>
           <a:p>
+            <a:endParaRPr lang="zh-CN" altLang="en-US" dirty="0"/>
+          </a:p>
+        </p:txBody>
+      </p:sp>
+      <p:sp>
+        <p:nvSpPr>
+          <p:cNvPr id="4" name="灯片编号占位符 3"/>
+          <p:cNvSpPr>
+            <a:spLocks noGrp="1"/>
+          </p:cNvSpPr>
+          <p:nvPr>
+            <p:ph type="sldNum" sz="quarter" idx="10"/>
+          </p:nvPr>
+        </p:nvSpPr>
+        <p:spPr/>
+        <p:txBody>
+          <a:bodyPr/>
+          <a:lstStyle/>
+          <a:p>
+            <a:fld id="{678D3716-3079-41B6-8951-92C177AE559C}" type="slidenum">
+              <a:rPr lang="zh-CN" altLang="en-US" smtClean="0"/>
+              <a:t>22</a:t>
+            </a:fld>
+            <a:endParaRPr lang="zh-CN" altLang="en-US"/>
+          </a:p>
+        </p:txBody>
+      </p:sp>
+    </p:spTree>
+    <p:extLst>
+      <p:ext uri="{BB962C8B-B14F-4D97-AF65-F5344CB8AC3E}">
+        <p14:creationId xmlns:p14="http://schemas.microsoft.com/office/powerpoint/2010/main" val="2067621030"/>
+      </p:ext>
+    </p:extLst>
+  </p:cSld>
+  <p:clrMapOvr>
+    <a:masterClrMapping/>
+  </p:clrMapOvr>
+</p:notes>
+</file>
+
+<file path=ppt/notesSlides/notesSlide17.xml><?xml version="1.0" encoding="utf-8"?>
+<p:notes xmlns:a="http://schemas.openxmlformats.org/drawingml/2006/main" xmlns:r="http://schemas.openxmlformats.org/officeDocument/2006/relationships" xmlns:p="http://schemas.openxmlformats.org/presentationml/2006/main">
+  <p:cSld>
+    <p:spTree>
+      <p:nvGrpSpPr>
+        <p:cNvPr id="1" name=""/>
+        <p:cNvGrpSpPr/>
+        <p:nvPr/>
+      </p:nvGrpSpPr>
+      <p:grpSpPr>
+        <a:xfrm>
+          <a:off x="0" y="0"/>
+          <a:ext cx="0" cy="0"/>
+          <a:chOff x="0" y="0"/>
+          <a:chExt cx="0" cy="0"/>
+        </a:xfrm>
+      </p:grpSpPr>
+      <p:sp>
+        <p:nvSpPr>
+          <p:cNvPr id="2" name="幻灯片图像占位符 1"/>
+          <p:cNvSpPr>
+            <a:spLocks noGrp="1" noRot="1" noChangeAspect="1"/>
+          </p:cNvSpPr>
+          <p:nvPr>
+            <p:ph type="sldImg"/>
+          </p:nvPr>
+        </p:nvSpPr>
+        <p:spPr/>
+      </p:sp>
+      <p:sp>
+        <p:nvSpPr>
+          <p:cNvPr id="3" name="备注占位符 2"/>
+          <p:cNvSpPr>
+            <a:spLocks noGrp="1"/>
+          </p:cNvSpPr>
+          <p:nvPr>
+            <p:ph type="body" idx="1"/>
+          </p:nvPr>
+        </p:nvSpPr>
+        <p:spPr/>
+        <p:txBody>
+          <a:bodyPr/>
+          <a:lstStyle/>
+          <a:p>
+            <a:endParaRPr lang="zh-CN" altLang="en-US" dirty="0"/>
+          </a:p>
+        </p:txBody>
+      </p:sp>
+      <p:sp>
+        <p:nvSpPr>
+          <p:cNvPr id="4" name="灯片编号占位符 3"/>
+          <p:cNvSpPr>
+            <a:spLocks noGrp="1"/>
+          </p:cNvSpPr>
+          <p:nvPr>
+            <p:ph type="sldNum" sz="quarter" idx="10"/>
+          </p:nvPr>
+        </p:nvSpPr>
+        <p:spPr/>
+        <p:txBody>
+          <a:bodyPr/>
+          <a:lstStyle/>
+          <a:p>
+            <a:fld id="{678D3716-3079-41B6-8951-92C177AE559C}" type="slidenum">
+              <a:rPr lang="zh-CN" altLang="en-US" smtClean="0"/>
+              <a:t>23</a:t>
+            </a:fld>
+            <a:endParaRPr lang="zh-CN" altLang="en-US"/>
+          </a:p>
+        </p:txBody>
+      </p:sp>
+    </p:spTree>
+    <p:extLst>
+      <p:ext uri="{BB962C8B-B14F-4D97-AF65-F5344CB8AC3E}">
+        <p14:creationId xmlns:p14="http://schemas.microsoft.com/office/powerpoint/2010/main" val="654463841"/>
+      </p:ext>
+    </p:extLst>
+  </p:cSld>
+  <p:clrMapOvr>
+    <a:masterClrMapping/>
+  </p:clrMapOvr>
+</p:notes>
+</file>
+
+<file path=ppt/notesSlides/notesSlide18.xml><?xml version="1.0" encoding="utf-8"?>
+<p:notes xmlns:a="http://schemas.openxmlformats.org/drawingml/2006/main" xmlns:r="http://schemas.openxmlformats.org/officeDocument/2006/relationships" xmlns:p="http://schemas.openxmlformats.org/presentationml/2006/main">
+  <p:cSld>
+    <p:spTree>
+      <p:nvGrpSpPr>
+        <p:cNvPr id="1" name=""/>
+        <p:cNvGrpSpPr/>
+        <p:nvPr/>
+      </p:nvGrpSpPr>
+      <p:grpSpPr>
+        <a:xfrm>
+          <a:off x="0" y="0"/>
+          <a:ext cx="0" cy="0"/>
+          <a:chOff x="0" y="0"/>
+          <a:chExt cx="0" cy="0"/>
+        </a:xfrm>
+      </p:grpSpPr>
+      <p:sp>
+        <p:nvSpPr>
+          <p:cNvPr id="2" name="幻灯片图像占位符 1"/>
+          <p:cNvSpPr>
+            <a:spLocks noGrp="1" noRot="1" noChangeAspect="1"/>
+          </p:cNvSpPr>
+          <p:nvPr>
+            <p:ph type="sldImg"/>
+          </p:nvPr>
+        </p:nvSpPr>
+        <p:spPr/>
+      </p:sp>
+      <p:sp>
+        <p:nvSpPr>
+          <p:cNvPr id="3" name="备注占位符 2"/>
+          <p:cNvSpPr>
+            <a:spLocks noGrp="1"/>
+          </p:cNvSpPr>
+          <p:nvPr>
+            <p:ph type="body" idx="1"/>
+          </p:nvPr>
+        </p:nvSpPr>
+        <p:spPr/>
+        <p:txBody>
+          <a:bodyPr/>
+          <a:lstStyle/>
+          <a:p>
             <a:r>
               <a:rPr lang="zh-CN" altLang="en-US" sz="1200" kern="1200" dirty="0" smtClean="0">
                 <a:solidFill>
@@ -1224,7 +1518,7 @@
           <a:p>
             <a:fld id="{678D3716-3079-41B6-8951-92C177AE559C}" type="slidenum">
               <a:rPr lang="zh-CN" altLang="en-US" smtClean="0"/>
-              <a:t>21</a:t>
+              <a:t>24</a:t>
             </a:fld>
             <a:endParaRPr lang="zh-CN" altLang="en-US"/>
           </a:p>
@@ -1234,6 +1528,90 @@
     <p:extLst>
       <p:ext uri="{BB962C8B-B14F-4D97-AF65-F5344CB8AC3E}">
         <p14:creationId xmlns:p14="http://schemas.microsoft.com/office/powerpoint/2010/main" val="964417900"/>
+      </p:ext>
+    </p:extLst>
+  </p:cSld>
+  <p:clrMapOvr>
+    <a:masterClrMapping/>
+  </p:clrMapOvr>
+</p:notes>
+</file>
+
+<file path=ppt/notesSlides/notesSlide19.xml><?xml version="1.0" encoding="utf-8"?>
+<p:notes xmlns:a="http://schemas.openxmlformats.org/drawingml/2006/main" xmlns:r="http://schemas.openxmlformats.org/officeDocument/2006/relationships" xmlns:p="http://schemas.openxmlformats.org/presentationml/2006/main">
+  <p:cSld>
+    <p:spTree>
+      <p:nvGrpSpPr>
+        <p:cNvPr id="1" name=""/>
+        <p:cNvGrpSpPr/>
+        <p:nvPr/>
+      </p:nvGrpSpPr>
+      <p:grpSpPr>
+        <a:xfrm>
+          <a:off x="0" y="0"/>
+          <a:ext cx="0" cy="0"/>
+          <a:chOff x="0" y="0"/>
+          <a:chExt cx="0" cy="0"/>
+        </a:xfrm>
+      </p:grpSpPr>
+      <p:sp>
+        <p:nvSpPr>
+          <p:cNvPr id="2" name="幻灯片图像占位符 1"/>
+          <p:cNvSpPr>
+            <a:spLocks noGrp="1" noRot="1" noChangeAspect="1"/>
+          </p:cNvSpPr>
+          <p:nvPr>
+            <p:ph type="sldImg"/>
+          </p:nvPr>
+        </p:nvSpPr>
+        <p:spPr/>
+      </p:sp>
+      <p:sp>
+        <p:nvSpPr>
+          <p:cNvPr id="3" name="备注占位符 2"/>
+          <p:cNvSpPr>
+            <a:spLocks noGrp="1"/>
+          </p:cNvSpPr>
+          <p:nvPr>
+            <p:ph type="body" idx="1"/>
+          </p:nvPr>
+        </p:nvSpPr>
+        <p:spPr/>
+        <p:txBody>
+          <a:bodyPr/>
+          <a:lstStyle/>
+          <a:p>
+            <a:endParaRPr lang="zh-CN" altLang="en-US" dirty="0"/>
+          </a:p>
+        </p:txBody>
+      </p:sp>
+      <p:sp>
+        <p:nvSpPr>
+          <p:cNvPr id="4" name="灯片编号占位符 3"/>
+          <p:cNvSpPr>
+            <a:spLocks noGrp="1"/>
+          </p:cNvSpPr>
+          <p:nvPr>
+            <p:ph type="sldNum" sz="quarter" idx="10"/>
+          </p:nvPr>
+        </p:nvSpPr>
+        <p:spPr/>
+        <p:txBody>
+          <a:bodyPr/>
+          <a:lstStyle/>
+          <a:p>
+            <a:fld id="{678D3716-3079-41B6-8951-92C177AE559C}" type="slidenum">
+              <a:rPr lang="zh-CN" altLang="en-US" smtClean="0"/>
+              <a:t>26</a:t>
+            </a:fld>
+            <a:endParaRPr lang="zh-CN" altLang="en-US"/>
+          </a:p>
+        </p:txBody>
+      </p:sp>
+    </p:spTree>
+    <p:extLst>
+      <p:ext uri="{BB962C8B-B14F-4D97-AF65-F5344CB8AC3E}">
+        <p14:creationId xmlns:p14="http://schemas.microsoft.com/office/powerpoint/2010/main" val="1592777422"/>
       </p:ext>
     </p:extLst>
   </p:cSld>
@@ -1288,8 +1666,58 @@
           <a:lstStyle/>
           <a:p>
             <a:r>
+              <a:rPr lang="en-US" altLang="zh-CN" dirty="0" smtClean="0"/>
+              <a:t>Android</a:t>
+            </a:r>
+            <a:r>
               <a:rPr lang="zh-CN" altLang="en-US" dirty="0" smtClean="0"/>
-              <a:t>基于监听的事件处理是一种更“面向对象”的事件处理</a:t>
+              <a:t>提供两套强大的事件处理机制：</a:t>
+            </a:r>
+            <a:endParaRPr lang="en-US" altLang="zh-CN" dirty="0" smtClean="0"/>
+          </a:p>
+          <a:p>
+            <a:pPr marL="171450" indent="-171450">
+              <a:buFont typeface="Wingdings" panose="05000000000000000000" pitchFamily="2" charset="2"/>
+              <a:buChar char="Ø"/>
+            </a:pPr>
+            <a:r>
+              <a:rPr lang="zh-CN" altLang="en-US" dirty="0" smtClean="0"/>
+              <a:t>基于监听的事件处理：为</a:t>
+            </a:r>
+            <a:r>
+              <a:rPr lang="en-US" altLang="zh-CN" dirty="0" smtClean="0"/>
+              <a:t>Android</a:t>
+            </a:r>
+            <a:r>
+              <a:rPr lang="zh-CN" altLang="en-US" dirty="0" smtClean="0"/>
+              <a:t>界面组件绑定特定的事件监听器。</a:t>
+            </a:r>
+            <a:endParaRPr lang="en-US" altLang="zh-CN" dirty="0" smtClean="0"/>
+          </a:p>
+          <a:p>
+            <a:pPr marL="171450" indent="-171450">
+              <a:buFont typeface="Wingdings" panose="05000000000000000000" pitchFamily="2" charset="2"/>
+              <a:buChar char="Ø"/>
+            </a:pPr>
+            <a:r>
+              <a:rPr lang="zh-CN" altLang="en-US" dirty="0" smtClean="0"/>
+              <a:t>基于回调的事件处理：重写</a:t>
+            </a:r>
+            <a:r>
+              <a:rPr lang="en-US" altLang="zh-CN" dirty="0" smtClean="0"/>
+              <a:t>Android</a:t>
+            </a:r>
+            <a:r>
+              <a:rPr lang="zh-CN" altLang="en-US" dirty="0" smtClean="0"/>
+              <a:t>组件特定的回调方法或者重写</a:t>
+            </a:r>
+            <a:r>
+              <a:rPr lang="en-US" altLang="zh-CN" dirty="0" smtClean="0"/>
+              <a:t>Activity</a:t>
+            </a:r>
+            <a:r>
+              <a:rPr lang="zh-CN" altLang="en-US" dirty="0" smtClean="0"/>
+              <a:t>的回调方法。</a:t>
             </a:r>
             <a:endParaRPr lang="zh-CN" altLang="en-US" dirty="0"/>
           </a:p>
@@ -1312,7 +1740,7 @@
           <a:p>
             <a:fld id="{678D3716-3079-41B6-8951-92C177AE559C}" type="slidenum">
               <a:rPr lang="zh-CN" altLang="en-US" smtClean="0"/>
-              <a:t>4</a:t>
+              <a:t>3</a:t>
             </a:fld>
             <a:endParaRPr lang="zh-CN" altLang="en-US"/>
           </a:p>
@@ -1321,7 +1749,7 @@
     </p:spTree>
     <p:extLst>
       <p:ext uri="{BB962C8B-B14F-4D97-AF65-F5344CB8AC3E}">
-        <p14:creationId xmlns:p14="http://schemas.microsoft.com/office/powerpoint/2010/main" val="3543675413"/>
+        <p14:creationId xmlns:p14="http://schemas.microsoft.com/office/powerpoint/2010/main" val="280983482"/>
       </p:ext>
     </p:extLst>
   </p:cSld>
@@ -1376,6 +1804,94 @@
           <a:lstStyle/>
           <a:p>
             <a:r>
+              <a:rPr lang="zh-CN" altLang="en-US" dirty="0" smtClean="0"/>
+              <a:t>基于监听的事件处理是一种更“面向对象”的事件处理</a:t>
+            </a:r>
+            <a:endParaRPr lang="zh-CN" altLang="en-US" dirty="0"/>
+          </a:p>
+        </p:txBody>
+      </p:sp>
+      <p:sp>
+        <p:nvSpPr>
+          <p:cNvPr id="4" name="灯片编号占位符 3"/>
+          <p:cNvSpPr>
+            <a:spLocks noGrp="1"/>
+          </p:cNvSpPr>
+          <p:nvPr>
+            <p:ph type="sldNum" sz="quarter" idx="10"/>
+          </p:nvPr>
+        </p:nvSpPr>
+        <p:spPr/>
+        <p:txBody>
+          <a:bodyPr/>
+          <a:lstStyle/>
+          <a:p>
+            <a:fld id="{678D3716-3079-41B6-8951-92C177AE559C}" type="slidenum">
+              <a:rPr lang="zh-CN" altLang="en-US" smtClean="0"/>
+              <a:t>4</a:t>
+            </a:fld>
+            <a:endParaRPr lang="zh-CN" altLang="en-US"/>
+          </a:p>
+        </p:txBody>
+      </p:sp>
+    </p:spTree>
+    <p:extLst>
+      <p:ext uri="{BB962C8B-B14F-4D97-AF65-F5344CB8AC3E}">
+        <p14:creationId xmlns:p14="http://schemas.microsoft.com/office/powerpoint/2010/main" val="3543675413"/>
+      </p:ext>
+    </p:extLst>
+  </p:cSld>
+  <p:clrMapOvr>
+    <a:masterClrMapping/>
+  </p:clrMapOvr>
+</p:notes>
+</file>
+
+<file path=ppt/notesSlides/notesSlide4.xml><?xml version="1.0" encoding="utf-8"?>
+<p:notes xmlns:a="http://schemas.openxmlformats.org/drawingml/2006/main" xmlns:r="http://schemas.openxmlformats.org/officeDocument/2006/relationships" xmlns:p="http://schemas.openxmlformats.org/presentationml/2006/main">
+  <p:cSld>
+    <p:spTree>
+      <p:nvGrpSpPr>
+        <p:cNvPr id="1" name=""/>
+        <p:cNvGrpSpPr/>
+        <p:nvPr/>
+      </p:nvGrpSpPr>
+      <p:grpSpPr>
+        <a:xfrm>
+          <a:off x="0" y="0"/>
+          <a:ext cx="0" cy="0"/>
+          <a:chOff x="0" y="0"/>
+          <a:chExt cx="0" cy="0"/>
+        </a:xfrm>
+      </p:grpSpPr>
+      <p:sp>
+        <p:nvSpPr>
+          <p:cNvPr id="2" name="幻灯片图像占位符 1"/>
+          <p:cNvSpPr>
+            <a:spLocks noGrp="1" noRot="1" noChangeAspect="1"/>
+          </p:cNvSpPr>
+          <p:nvPr>
+            <p:ph type="sldImg"/>
+          </p:nvPr>
+        </p:nvSpPr>
+        <p:spPr/>
+      </p:sp>
+      <p:sp>
+        <p:nvSpPr>
+          <p:cNvPr id="3" name="备注占位符 2"/>
+          <p:cNvSpPr>
+            <a:spLocks noGrp="1"/>
+          </p:cNvSpPr>
+          <p:nvPr>
+            <p:ph type="body" idx="1"/>
+          </p:nvPr>
+        </p:nvSpPr>
+        <p:spPr/>
+        <p:txBody>
+          <a:bodyPr/>
+          <a:lstStyle/>
+          <a:p>
+            <a:r>
               <a:rPr lang="en-US" altLang="zh-CN" dirty="0" smtClean="0"/>
               <a:t>Android</a:t>
             </a:r>
@@ -1431,7 +1947,7 @@
 </p:notes>
 </file>
 
-<file path=ppt/notesSlides/notesSlide4.xml><?xml version="1.0" encoding="utf-8"?>
+<file path=ppt/notesSlides/notesSlide5.xml><?xml version="1.0" encoding="utf-8"?>
 <p:notes xmlns:a="http://schemas.openxmlformats.org/drawingml/2006/main" xmlns:r="http://schemas.openxmlformats.org/officeDocument/2006/relationships" xmlns:p="http://schemas.openxmlformats.org/presentationml/2006/main">
   <p:cSld>
     <p:spTree>
@@ -1515,207 +2031,6 @@
 </p:notes>
 </file>
 
-<file path=ppt/notesSlides/notesSlide5.xml><?xml version="1.0" encoding="utf-8"?>
-<p:notes xmlns:a="http://schemas.openxmlformats.org/drawingml/2006/main" xmlns:r="http://schemas.openxmlformats.org/officeDocument/2006/relationships" xmlns:p="http://schemas.openxmlformats.org/presentationml/2006/main">
-  <p:cSld>
-    <p:spTree>
-      <p:nvGrpSpPr>
-        <p:cNvPr id="1" name=""/>
-        <p:cNvGrpSpPr/>
-        <p:nvPr/>
-      </p:nvGrpSpPr>
-      <p:grpSpPr>
-        <a:xfrm>
-          <a:off x="0" y="0"/>
-          <a:ext cx="0" cy="0"/>
-          <a:chOff x="0" y="0"/>
-          <a:chExt cx="0" cy="0"/>
-        </a:xfrm>
-      </p:grpSpPr>
-      <p:sp>
-        <p:nvSpPr>
-          <p:cNvPr id="2" name="幻灯片图像占位符 1"/>
-          <p:cNvSpPr>
-            <a:spLocks noGrp="1" noRot="1" noChangeAspect="1"/>
-          </p:cNvSpPr>
-          <p:nvPr>
-            <p:ph type="sldImg"/>
-          </p:nvPr>
-        </p:nvSpPr>
-        <p:spPr/>
-      </p:sp>
-      <p:sp>
-        <p:nvSpPr>
-          <p:cNvPr id="3" name="备注占位符 2"/>
-          <p:cNvSpPr>
-            <a:spLocks noGrp="1"/>
-          </p:cNvSpPr>
-          <p:nvPr>
-            <p:ph type="body" idx="1"/>
-          </p:nvPr>
-        </p:nvSpPr>
-        <p:spPr/>
-        <p:txBody>
-          <a:bodyPr/>
-          <a:lstStyle/>
-          <a:p>
-            <a:r>
-              <a:rPr lang="zh-CN" altLang="en-US" dirty="0" smtClean="0"/>
-              <a:t>使用外部类定义事件监听器的形式比较少见，主要有如下两个原因：</a:t>
-            </a:r>
-            <a:endParaRPr lang="en-US" altLang="zh-CN" dirty="0" smtClean="0"/>
-          </a:p>
-          <a:p>
-            <a:pPr marL="171450" indent="-171450">
-              <a:buFont typeface="Wingdings" panose="05000000000000000000" pitchFamily="2" charset="2"/>
-              <a:buChar char="Ø"/>
-            </a:pPr>
-            <a:r>
-              <a:rPr lang="zh-CN" altLang="en-US" dirty="0" smtClean="0"/>
-              <a:t>事件监听器通常属于特定的</a:t>
-            </a:r>
-            <a:r>
-              <a:rPr lang="en-US" altLang="zh-CN" dirty="0" smtClean="0"/>
-              <a:t>GUI</a:t>
-            </a:r>
-            <a:r>
-              <a:rPr lang="zh-CN" altLang="en-US" dirty="0" smtClean="0"/>
-              <a:t>界面，定义成外部类不利于提高程序的内聚性；</a:t>
-            </a:r>
-            <a:endParaRPr lang="en-US" altLang="zh-CN" dirty="0" smtClean="0"/>
-          </a:p>
-          <a:p>
-            <a:pPr marL="171450" indent="-171450">
-              <a:buFont typeface="Wingdings" panose="05000000000000000000" pitchFamily="2" charset="2"/>
-              <a:buChar char="Ø"/>
-            </a:pPr>
-            <a:r>
-              <a:rPr lang="zh-CN" altLang="en-US" dirty="0" smtClean="0"/>
-              <a:t>外部类形式的事件监听器不能自由访问创建</a:t>
-            </a:r>
-            <a:r>
-              <a:rPr lang="en-US" altLang="zh-CN" dirty="0" smtClean="0"/>
-              <a:t>GUI</a:t>
-            </a:r>
-            <a:r>
-              <a:rPr lang="zh-CN" altLang="en-US" dirty="0" smtClean="0"/>
-              <a:t>界面的类中的组件，编程不够简洁。</a:t>
-            </a:r>
-            <a:endParaRPr lang="en-US" altLang="zh-CN" dirty="0" smtClean="0"/>
-          </a:p>
-          <a:p>
-            <a:pPr marL="0" indent="0">
-              <a:buFont typeface="Wingdings" panose="05000000000000000000" pitchFamily="2" charset="2"/>
-              <a:buNone/>
-            </a:pPr>
-            <a:r>
-              <a:rPr lang="zh-CN" altLang="en-US" dirty="0" smtClean="0"/>
-              <a:t>使用</a:t>
-            </a:r>
-            <a:r>
-              <a:rPr lang="en-US" altLang="zh-CN" dirty="0" smtClean="0">
-                <a:solidFill>
-                  <a:schemeClr val="bg1"/>
-                </a:solidFill>
-                <a:latin typeface="微软雅黑" panose="020B0503020204020204" pitchFamily="34" charset="-122"/>
-                <a:ea typeface="微软雅黑" panose="020B0503020204020204" pitchFamily="34" charset="-122"/>
-              </a:rPr>
-              <a:t>Activity</a:t>
-            </a:r>
-            <a:r>
-              <a:rPr lang="zh-CN" altLang="en-US" dirty="0" smtClean="0">
-                <a:solidFill>
-                  <a:schemeClr val="bg1"/>
-                </a:solidFill>
-                <a:latin typeface="微软雅黑" panose="020B0503020204020204" pitchFamily="34" charset="-122"/>
-                <a:ea typeface="微软雅黑" panose="020B0503020204020204" pitchFamily="34" charset="-122"/>
-              </a:rPr>
-              <a:t>本身作为事件监听器类的两个缺点：</a:t>
-            </a:r>
-            <a:endParaRPr lang="en-US" altLang="zh-CN" dirty="0" smtClean="0">
-              <a:solidFill>
-                <a:schemeClr val="bg1"/>
-              </a:solidFill>
-              <a:latin typeface="微软雅黑" panose="020B0503020204020204" pitchFamily="34" charset="-122"/>
-              <a:ea typeface="微软雅黑" panose="020B0503020204020204" pitchFamily="34" charset="-122"/>
-            </a:endParaRPr>
-          </a:p>
-          <a:p>
-            <a:pPr marL="228600" indent="-228600">
-              <a:buFont typeface="Wingdings" panose="05000000000000000000" pitchFamily="2" charset="2"/>
-              <a:buChar char="Ø"/>
-            </a:pPr>
-            <a:r>
-              <a:rPr lang="zh-CN" altLang="en-US" dirty="0" smtClean="0"/>
-              <a:t>这种形式可能造成程序结构混乱，</a:t>
-            </a:r>
-            <a:r>
-              <a:rPr lang="en-US" altLang="zh-CN" dirty="0" smtClean="0"/>
-              <a:t>Activity</a:t>
-            </a:r>
-            <a:r>
-              <a:rPr lang="zh-CN" altLang="en-US" dirty="0" smtClean="0"/>
-              <a:t>的主要职责应该是完成界面初始化工作，但此时还需包含事件处理器的方法，从而引起混乱。</a:t>
-            </a:r>
-            <a:endParaRPr lang="en-US" altLang="zh-CN" dirty="0" smtClean="0"/>
-          </a:p>
-          <a:p>
-            <a:pPr marL="228600" indent="-228600">
-              <a:buFont typeface="Wingdings" panose="05000000000000000000" pitchFamily="2" charset="2"/>
-              <a:buChar char="Ø"/>
-            </a:pPr>
-            <a:r>
-              <a:rPr lang="zh-CN" altLang="en-US" dirty="0" smtClean="0"/>
-              <a:t>如果</a:t>
-            </a:r>
-            <a:r>
-              <a:rPr lang="en-US" altLang="zh-CN" dirty="0" smtClean="0"/>
-              <a:t>Activity</a:t>
-            </a:r>
-            <a:r>
-              <a:rPr lang="zh-CN" altLang="en-US" dirty="0" smtClean="0"/>
-              <a:t>界面类需要实现监听器接口，让人感觉比较怪异。</a:t>
-            </a:r>
-            <a:endParaRPr lang="zh-CN" altLang="en-US" dirty="0"/>
-          </a:p>
-        </p:txBody>
-      </p:sp>
-      <p:sp>
-        <p:nvSpPr>
-          <p:cNvPr id="4" name="灯片编号占位符 3"/>
-          <p:cNvSpPr>
-            <a:spLocks noGrp="1"/>
-          </p:cNvSpPr>
-          <p:nvPr>
-            <p:ph type="sldNum" sz="quarter" idx="10"/>
-          </p:nvPr>
-        </p:nvSpPr>
-        <p:spPr/>
-        <p:txBody>
-          <a:bodyPr/>
-          <a:lstStyle/>
-          <a:p>
-            <a:fld id="{678D3716-3079-41B6-8951-92C177AE559C}" type="slidenum">
-              <a:rPr lang="zh-CN" altLang="en-US" smtClean="0"/>
-              <a:t>9</a:t>
-            </a:fld>
-            <a:endParaRPr lang="zh-CN" altLang="en-US"/>
-          </a:p>
-        </p:txBody>
-      </p:sp>
-    </p:spTree>
-    <p:extLst>
-      <p:ext uri="{BB962C8B-B14F-4D97-AF65-F5344CB8AC3E}">
-        <p14:creationId xmlns:p14="http://schemas.microsoft.com/office/powerpoint/2010/main" val="875801603"/>
-      </p:ext>
-    </p:extLst>
-  </p:cSld>
-  <p:clrMapOvr>
-    <a:masterClrMapping/>
-  </p:clrMapOvr>
-</p:notes>
-</file>
-
 <file path=ppt/notesSlides/notesSlide6.xml><?xml version="1.0" encoding="utf-8"?>
 <p:notes xmlns:a="http://schemas.openxmlformats.org/drawingml/2006/main" xmlns:r="http://schemas.openxmlformats.org/officeDocument/2006/relationships" xmlns:p="http://schemas.openxmlformats.org/presentationml/2006/main">
   <p:cSld>
@@ -1790,7 +2105,7 @@
     </p:spTree>
     <p:extLst>
       <p:ext uri="{BB962C8B-B14F-4D97-AF65-F5344CB8AC3E}">
-        <p14:creationId xmlns:p14="http://schemas.microsoft.com/office/powerpoint/2010/main" val="1076569753"/>
+        <p14:creationId xmlns:p14="http://schemas.microsoft.com/office/powerpoint/2010/main" val="1773789892"/>
       </p:ext>
     </p:extLst>
   </p:cSld>
@@ -1844,6 +2159,123 @@
           <a:bodyPr/>
           <a:lstStyle/>
           <a:p>
+            <a:r>
+              <a:rPr lang="zh-CN" altLang="en-US" dirty="0" smtClean="0"/>
+              <a:t>使用外部类定义事件监听器的形式比较少见，主要有如下两个原因：</a:t>
+            </a:r>
+            <a:endParaRPr lang="en-US" altLang="zh-CN" dirty="0" smtClean="0"/>
+          </a:p>
+          <a:p>
+            <a:pPr marL="171450" indent="-171450">
+              <a:buFont typeface="Wingdings" panose="05000000000000000000" pitchFamily="2" charset="2"/>
+              <a:buChar char="Ø"/>
+            </a:pPr>
+            <a:r>
+              <a:rPr lang="zh-CN" altLang="en-US" dirty="0" smtClean="0"/>
+              <a:t>事件监听器通常属于特定的</a:t>
+            </a:r>
+            <a:r>
+              <a:rPr lang="en-US" altLang="zh-CN" dirty="0" smtClean="0"/>
+              <a:t>GUI</a:t>
+            </a:r>
+            <a:r>
+              <a:rPr lang="zh-CN" altLang="en-US" dirty="0" smtClean="0"/>
+              <a:t>界面，定义成外部类不利于提高程序的内聚性；</a:t>
+            </a:r>
+            <a:endParaRPr lang="en-US" altLang="zh-CN" dirty="0" smtClean="0"/>
+          </a:p>
+          <a:p>
+            <a:pPr marL="171450" indent="-171450">
+              <a:buFont typeface="Wingdings" panose="05000000000000000000" pitchFamily="2" charset="2"/>
+              <a:buChar char="Ø"/>
+            </a:pPr>
+            <a:r>
+              <a:rPr lang="zh-CN" altLang="en-US" dirty="0" smtClean="0"/>
+              <a:t>外部类形式的事件监听器不能自由访问创建</a:t>
+            </a:r>
+            <a:r>
+              <a:rPr lang="en-US" altLang="zh-CN" dirty="0" smtClean="0"/>
+              <a:t>GUI</a:t>
+            </a:r>
+            <a:r>
+              <a:rPr lang="zh-CN" altLang="en-US" dirty="0" smtClean="0"/>
+              <a:t>界面的类中的组件，编程不够简洁。</a:t>
+            </a:r>
+            <a:endParaRPr lang="en-US" altLang="zh-CN" dirty="0" smtClean="0"/>
+          </a:p>
+          <a:p>
+            <a:pPr marL="0" indent="0">
+              <a:buFont typeface="Wingdings" panose="05000000000000000000" pitchFamily="2" charset="2"/>
+              <a:buNone/>
+            </a:pPr>
+            <a:r>
+              <a:rPr lang="zh-CN" altLang="en-US" dirty="0" smtClean="0"/>
+              <a:t>使用</a:t>
+            </a:r>
+            <a:r>
+              <a:rPr lang="en-US" altLang="zh-CN" dirty="0" smtClean="0">
+                <a:solidFill>
+                  <a:schemeClr val="bg1"/>
+                </a:solidFill>
+                <a:latin typeface="微软雅黑" panose="020B0503020204020204" pitchFamily="34" charset="-122"/>
+                <a:ea typeface="微软雅黑" panose="020B0503020204020204" pitchFamily="34" charset="-122"/>
+              </a:rPr>
+              <a:t>Activity</a:t>
+            </a:r>
+            <a:r>
+              <a:rPr lang="zh-CN" altLang="en-US" dirty="0" smtClean="0">
+                <a:solidFill>
+                  <a:schemeClr val="bg1"/>
+                </a:solidFill>
+                <a:latin typeface="微软雅黑" panose="020B0503020204020204" pitchFamily="34" charset="-122"/>
+                <a:ea typeface="微软雅黑" panose="020B0503020204020204" pitchFamily="34" charset="-122"/>
+              </a:rPr>
+              <a:t>本身作为事件监听器类的两个缺点：</a:t>
+            </a:r>
+            <a:endParaRPr lang="en-US" altLang="zh-CN" dirty="0" smtClean="0">
+              <a:solidFill>
+                <a:schemeClr val="bg1"/>
+              </a:solidFill>
+              <a:latin typeface="微软雅黑" panose="020B0503020204020204" pitchFamily="34" charset="-122"/>
+              <a:ea typeface="微软雅黑" panose="020B0503020204020204" pitchFamily="34" charset="-122"/>
+            </a:endParaRPr>
+          </a:p>
+          <a:p>
+            <a:pPr marL="228600" indent="-228600">
+              <a:buFont typeface="Wingdings" panose="05000000000000000000" pitchFamily="2" charset="2"/>
+              <a:buChar char="Ø"/>
+            </a:pPr>
+            <a:r>
+              <a:rPr lang="zh-CN" altLang="en-US" dirty="0" smtClean="0"/>
+              <a:t>这种形式可能造成程序结构混乱，</a:t>
+            </a:r>
+            <a:r>
+              <a:rPr lang="en-US" altLang="zh-CN" dirty="0" smtClean="0"/>
+              <a:t>Activity</a:t>
+            </a:r>
+            <a:r>
+              <a:rPr lang="zh-CN" altLang="en-US" dirty="0" smtClean="0"/>
+              <a:t>的主要职责应该是完成界面初始化工作，但此时还需包含事件处理器的方法，从而引起混乱。</a:t>
+            </a:r>
+            <a:endParaRPr lang="en-US" altLang="zh-CN" dirty="0" smtClean="0"/>
+          </a:p>
+          <a:p>
+            <a:pPr marL="228600" indent="-228600">
+              <a:buFont typeface="Wingdings" panose="05000000000000000000" pitchFamily="2" charset="2"/>
+              <a:buChar char="Ø"/>
+            </a:pPr>
+            <a:r>
+              <a:rPr lang="zh-CN" altLang="en-US" dirty="0" smtClean="0"/>
+              <a:t>如果</a:t>
+            </a:r>
+            <a:r>
+              <a:rPr lang="en-US" altLang="zh-CN" dirty="0" smtClean="0"/>
+              <a:t>Activity</a:t>
+            </a:r>
+            <a:r>
+              <a:rPr lang="zh-CN" altLang="en-US" dirty="0" smtClean="0"/>
+              <a:t>界面类需要实现监听器接口，让人感觉比较怪异。</a:t>
+            </a:r>
             <a:endParaRPr lang="zh-CN" altLang="en-US" dirty="0"/>
           </a:p>
         </p:txBody>
@@ -1874,7 +2306,7 @@
     </p:spTree>
     <p:extLst>
       <p:ext uri="{BB962C8B-B14F-4D97-AF65-F5344CB8AC3E}">
-        <p14:creationId xmlns:p14="http://schemas.microsoft.com/office/powerpoint/2010/main" val="780126344"/>
+        <p14:creationId xmlns:p14="http://schemas.microsoft.com/office/powerpoint/2010/main" val="875801603"/>
       </p:ext>
     </p:extLst>
   </p:cSld>
@@ -1958,7 +2390,7 @@
     </p:spTree>
     <p:extLst>
       <p:ext uri="{BB962C8B-B14F-4D97-AF65-F5344CB8AC3E}">
-        <p14:creationId xmlns:p14="http://schemas.microsoft.com/office/powerpoint/2010/main" val="2175232176"/>
+        <p14:creationId xmlns:p14="http://schemas.microsoft.com/office/powerpoint/2010/main" val="1076569753"/>
       </p:ext>
     </p:extLst>
   </p:cSld>
@@ -2012,14 +2444,6 @@
           <a:bodyPr/>
           <a:lstStyle/>
           <a:p>
-            <a:r>
-              <a:rPr lang="zh-CN" altLang="en-US" dirty="0" smtClean="0"/>
-              <a:t>基于回调的事件处理更适合于应付那种事件处理逻辑比较固定的</a:t>
-            </a:r>
-            <a:r>
-              <a:rPr lang="en-US" altLang="zh-CN" dirty="0" smtClean="0"/>
-              <a:t>View</a:t>
-            </a:r>
             <a:endParaRPr lang="zh-CN" altLang="en-US" dirty="0"/>
           </a:p>
         </p:txBody>
@@ -2050,7 +2474,7 @@
     </p:spTree>
     <p:extLst>
       <p:ext uri="{BB962C8B-B14F-4D97-AF65-F5344CB8AC3E}">
-        <p14:creationId xmlns:p14="http://schemas.microsoft.com/office/powerpoint/2010/main" val="4021056059"/>
+        <p14:creationId xmlns:p14="http://schemas.microsoft.com/office/powerpoint/2010/main" val="780126344"/>
       </p:ext>
     </p:extLst>
   </p:cSld>
@@ -2201,7 +2625,7 @@
               <a:pPr>
                 <a:defRPr/>
               </a:pPr>
-              <a:t>2018/9/29</a:t>
+              <a:t>2018/10/9</a:t>
             </a:fld>
             <a:endParaRPr lang="zh-CN" altLang="en-US"/>
           </a:p>
@@ -2393,7 +2817,7 @@
               <a:pPr>
                 <a:defRPr/>
               </a:pPr>
-              <a:t>2018/9/29</a:t>
+              <a:t>2018/10/9</a:t>
             </a:fld>
             <a:endParaRPr lang="zh-CN" altLang="en-US"/>
           </a:p>
@@ -2595,7 +3019,7 @@
               <a:pPr>
                 <a:defRPr/>
               </a:pPr>
-              <a:t>2018/9/29</a:t>
+              <a:t>2018/10/9</a:t>
             </a:fld>
             <a:endParaRPr lang="zh-CN" altLang="en-US"/>
           </a:p>
@@ -2787,7 +3211,7 @@
               <a:pPr>
                 <a:defRPr/>
               </a:pPr>
-              <a:t>2018/9/29</a:t>
+              <a:t>2018/10/9</a:t>
             </a:fld>
             <a:endParaRPr lang="zh-CN" altLang="en-US"/>
           </a:p>
@@ -3055,7 +3479,7 @@
               <a:pPr>
                 <a:defRPr/>
               </a:pPr>
-              <a:t>2018/9/29</a:t>
+              <a:t>2018/10/9</a:t>
             </a:fld>
             <a:endParaRPr lang="zh-CN" altLang="en-US"/>
           </a:p>
@@ -3309,7 +3733,7 @@
               <a:pPr>
                 <a:defRPr/>
               </a:pPr>
-              <a:t>2018/9/29</a:t>
+              <a:t>2018/10/9</a:t>
             </a:fld>
             <a:endParaRPr lang="zh-CN" altLang="en-US"/>
           </a:p>
@@ -3698,7 +4122,7 @@
               <a:pPr>
                 <a:defRPr/>
               </a:pPr>
-              <a:t>2018/9/29</a:t>
+              <a:t>2018/10/9</a:t>
             </a:fld>
             <a:endParaRPr lang="zh-CN" altLang="en-US"/>
           </a:p>
@@ -3838,7 +4262,7 @@
               <a:pPr>
                 <a:defRPr/>
               </a:pPr>
-              <a:t>2018/9/29</a:t>
+              <a:t>2018/10/9</a:t>
             </a:fld>
             <a:endParaRPr lang="zh-CN" altLang="en-US"/>
           </a:p>
@@ -3955,7 +4379,7 @@
               <a:pPr>
                 <a:defRPr/>
               </a:pPr>
-              <a:t>2018/9/29</a:t>
+              <a:t>2018/10/9</a:t>
             </a:fld>
             <a:endParaRPr lang="zh-CN" altLang="en-US"/>
           </a:p>
@@ -4254,7 +4678,7 @@
               <a:pPr>
                 <a:defRPr/>
               </a:pPr>
-              <a:t>2018/9/29</a:t>
+              <a:t>2018/10/9</a:t>
             </a:fld>
             <a:endParaRPr lang="zh-CN" altLang="en-US"/>
           </a:p>
@@ -4532,7 +4956,7 @@
               <a:pPr>
                 <a:defRPr/>
               </a:pPr>
-              <a:t>2018/9/29</a:t>
+              <a:t>2018/10/9</a:t>
             </a:fld>
             <a:endParaRPr lang="zh-CN" altLang="en-US"/>
           </a:p>
@@ -4795,7 +5219,7 @@
               <a:pPr>
                 <a:defRPr/>
               </a:pPr>
-              <a:t>2018/9/29</a:t>
+              <a:t>2018/10/9</a:t>
             </a:fld>
             <a:endParaRPr lang="zh-CN" altLang="en-US"/>
           </a:p>
@@ -6073,7 +6497,7 @@
           </a:ln>
           <a:extLst>
             <a:ext uri="{91240B29-F687-4f45-9708-019B960494DF}">
-              <a14:hiddenLine xmlns:a14="http://schemas.microsoft.com/office/drawing/2010/main" xmlns="" w="12700" cap="flat" cmpd="sng">
+              <a14:hiddenLine xmlns="" xmlns:a14="http://schemas.microsoft.com/office/drawing/2010/main" w="12700" cap="flat" cmpd="sng">
                 <a:solidFill>
                   <a:srgbClr val="42719B"/>
                 </a:solidFill>
@@ -6210,6 +6634,887 @@
 </file>
 
 <file path=ppt/slides/slide10.xml><?xml version="1.0" encoding="utf-8"?>
+<p:sld xmlns:a="http://schemas.openxmlformats.org/drawingml/2006/main" xmlns:r="http://schemas.openxmlformats.org/officeDocument/2006/relationships" xmlns:p="http://schemas.openxmlformats.org/presentationml/2006/main">
+  <p:cSld>
+    <p:spTree>
+      <p:nvGrpSpPr>
+        <p:cNvPr id="1" name=""/>
+        <p:cNvGrpSpPr/>
+        <p:nvPr/>
+      </p:nvGrpSpPr>
+      <p:grpSpPr>
+        <a:xfrm>
+          <a:off x="0" y="0"/>
+          <a:ext cx="0" cy="0"/>
+          <a:chOff x="0" y="0"/>
+          <a:chExt cx="0" cy="0"/>
+        </a:xfrm>
+      </p:grpSpPr>
+      <p:sp>
+        <p:nvSpPr>
+          <p:cNvPr id="2" name="标题 1"/>
+          <p:cNvSpPr>
+            <a:spLocks noGrp="1"/>
+          </p:cNvSpPr>
+          <p:nvPr>
+            <p:ph type="title"/>
+          </p:nvPr>
+        </p:nvSpPr>
+        <p:spPr/>
+        <p:txBody>
+          <a:bodyPr/>
+          <a:lstStyle/>
+          <a:p>
+            <a:r>
+              <a:rPr lang="en-US" altLang="zh-CN" dirty="0">
+                <a:solidFill>
+                  <a:schemeClr val="bg1"/>
+                </a:solidFill>
+                <a:ea typeface="方正大黑简体" panose="02010601030101010101"/>
+              </a:rPr>
+              <a:t>3.2.2 </a:t>
+            </a:r>
+            <a:r>
+              <a:rPr lang="zh-CN" altLang="en-US" dirty="0">
+                <a:solidFill>
+                  <a:schemeClr val="bg1"/>
+                </a:solidFill>
+                <a:ea typeface="方正大黑简体" panose="02010601030101010101"/>
+              </a:rPr>
+              <a:t>事件和事件</a:t>
+            </a:r>
+            <a:r>
+              <a:rPr lang="zh-CN" altLang="en-US" dirty="0" smtClean="0">
+                <a:solidFill>
+                  <a:schemeClr val="bg1"/>
+                </a:solidFill>
+                <a:ea typeface="方正大黑简体" panose="02010601030101010101"/>
+              </a:rPr>
+              <a:t>监听器</a:t>
+            </a:r>
+            <a:endParaRPr lang="zh-CN" altLang="en-US" dirty="0"/>
+          </a:p>
+        </p:txBody>
+      </p:sp>
+      <p:pic>
+        <p:nvPicPr>
+          <p:cNvPr id="6" name="图片 5"/>
+          <p:cNvPicPr>
+            <a:picLocks noChangeAspect="1"/>
+          </p:cNvPicPr>
+          <p:nvPr/>
+        </p:nvPicPr>
+        <p:blipFill>
+          <a:blip r:embed="rId3">
+            <a:extLst>
+              <a:ext uri="{28A0092B-C50C-407E-A947-70E740481C1C}">
+                <a14:useLocalDpi xmlns:a14="http://schemas.microsoft.com/office/drawing/2010/main" val="0"/>
+              </a:ext>
+            </a:extLst>
+          </a:blip>
+          <a:stretch>
+            <a:fillRect/>
+          </a:stretch>
+        </p:blipFill>
+        <p:spPr>
+          <a:xfrm>
+            <a:off x="2941857" y="1690688"/>
+            <a:ext cx="4155133" cy="4543857"/>
+          </a:xfrm>
+          <a:prstGeom prst="rect">
+            <a:avLst/>
+          </a:prstGeom>
+        </p:spPr>
+      </p:pic>
+      <p:grpSp>
+        <p:nvGrpSpPr>
+          <p:cNvPr id="11" name="组合 10"/>
+          <p:cNvGrpSpPr/>
+          <p:nvPr/>
+        </p:nvGrpSpPr>
+        <p:grpSpPr>
+          <a:xfrm>
+            <a:off x="609168" y="1416182"/>
+            <a:ext cx="2279505" cy="4818363"/>
+            <a:chOff x="609168" y="1416182"/>
+            <a:chExt cx="2565694" cy="4818363"/>
+          </a:xfrm>
+        </p:grpSpPr>
+        <p:pic>
+          <p:nvPicPr>
+            <p:cNvPr id="4" name="图片 3"/>
+            <p:cNvPicPr>
+              <a:picLocks noChangeAspect="1"/>
+            </p:cNvPicPr>
+            <p:nvPr/>
+          </p:nvPicPr>
+          <p:blipFill>
+            <a:blip r:embed="rId4">
+              <a:extLst>
+                <a:ext uri="{28A0092B-C50C-407E-A947-70E740481C1C}">
+                  <a14:useLocalDpi xmlns:a14="http://schemas.microsoft.com/office/drawing/2010/main" val="0"/>
+                </a:ext>
+              </a:extLst>
+            </a:blip>
+            <a:stretch>
+              <a:fillRect/>
+            </a:stretch>
+          </p:blipFill>
+          <p:spPr>
+            <a:xfrm>
+              <a:off x="1111769" y="1690688"/>
+              <a:ext cx="2026227" cy="2226685"/>
+            </a:xfrm>
+            <a:prstGeom prst="rect">
+              <a:avLst/>
+            </a:prstGeom>
+          </p:spPr>
+        </p:pic>
+        <p:sp>
+          <p:nvSpPr>
+            <p:cNvPr id="5" name="矩形 12"/>
+            <p:cNvSpPr>
+              <a:spLocks noChangeArrowheads="1"/>
+            </p:cNvSpPr>
+            <p:nvPr/>
+          </p:nvSpPr>
+          <p:spPr bwMode="auto">
+            <a:xfrm>
+              <a:off x="807094" y="1416182"/>
+              <a:ext cx="1801028" cy="369332"/>
+            </a:xfrm>
+            <a:prstGeom prst="rect">
+              <a:avLst/>
+            </a:prstGeom>
+            <a:noFill/>
+            <a:ln w="9525">
+              <a:noFill/>
+              <a:miter lim="800000"/>
+              <a:headEnd/>
+              <a:tailEnd/>
+            </a:ln>
+          </p:spPr>
+          <p:txBody>
+            <a:bodyPr wrap="square">
+              <a:spAutoFit/>
+            </a:bodyPr>
+            <a:lstStyle/>
+            <a:p>
+              <a:r>
+                <a:rPr lang="zh-CN" altLang="en-US" dirty="0" smtClean="0">
+                  <a:solidFill>
+                    <a:schemeClr val="bg1"/>
+                  </a:solidFill>
+                  <a:latin typeface="Calibri" pitchFamily="34" charset="0"/>
+                  <a:ea typeface="微软雅黑" pitchFamily="34" charset="-122"/>
+                </a:rPr>
+                <a:t>多加一些小飞机</a:t>
+              </a:r>
+              <a:endParaRPr lang="zh-CN" altLang="en-US" dirty="0">
+                <a:solidFill>
+                  <a:schemeClr val="bg1"/>
+                </a:solidFill>
+                <a:latin typeface="Calibri" pitchFamily="34" charset="0"/>
+                <a:ea typeface="微软雅黑" pitchFamily="34" charset="-122"/>
+              </a:endParaRPr>
+            </a:p>
+          </p:txBody>
+        </p:sp>
+        <p:pic>
+          <p:nvPicPr>
+            <p:cNvPr id="8" name="图片 7"/>
+            <p:cNvPicPr>
+              <a:picLocks noChangeAspect="1"/>
+            </p:cNvPicPr>
+            <p:nvPr/>
+          </p:nvPicPr>
+          <p:blipFill>
+            <a:blip r:embed="rId5">
+              <a:extLst>
+                <a:ext uri="{28A0092B-C50C-407E-A947-70E740481C1C}">
+                  <a14:useLocalDpi xmlns:a14="http://schemas.microsoft.com/office/drawing/2010/main" val="0"/>
+                </a:ext>
+              </a:extLst>
+            </a:blip>
+            <a:stretch>
+              <a:fillRect/>
+            </a:stretch>
+          </p:blipFill>
+          <p:spPr>
+            <a:xfrm>
+              <a:off x="1111769" y="3917373"/>
+              <a:ext cx="2063093" cy="2317172"/>
+            </a:xfrm>
+            <a:prstGeom prst="rect">
+              <a:avLst/>
+            </a:prstGeom>
+          </p:spPr>
+        </p:pic>
+        <p:sp>
+          <p:nvSpPr>
+            <p:cNvPr id="9" name="矩形 12"/>
+            <p:cNvSpPr>
+              <a:spLocks noChangeArrowheads="1"/>
+            </p:cNvSpPr>
+            <p:nvPr/>
+          </p:nvSpPr>
+          <p:spPr bwMode="auto">
+            <a:xfrm>
+              <a:off x="609168" y="4029951"/>
+              <a:ext cx="1801028" cy="369332"/>
+            </a:xfrm>
+            <a:prstGeom prst="rect">
+              <a:avLst/>
+            </a:prstGeom>
+            <a:noFill/>
+            <a:ln w="9525">
+              <a:noFill/>
+              <a:miter lim="800000"/>
+              <a:headEnd/>
+              <a:tailEnd/>
+            </a:ln>
+          </p:spPr>
+          <p:txBody>
+            <a:bodyPr wrap="square">
+              <a:spAutoFit/>
+            </a:bodyPr>
+            <a:lstStyle/>
+            <a:p>
+              <a:r>
+                <a:rPr lang="zh-CN" altLang="en-US" dirty="0" smtClean="0">
+                  <a:solidFill>
+                    <a:schemeClr val="bg1"/>
+                  </a:solidFill>
+                  <a:latin typeface="Calibri" pitchFamily="34" charset="0"/>
+                  <a:ea typeface="微软雅黑" pitchFamily="34" charset="-122"/>
+                </a:rPr>
+                <a:t>加旋转的效果</a:t>
+              </a:r>
+              <a:endParaRPr lang="zh-CN" altLang="en-US" dirty="0">
+                <a:solidFill>
+                  <a:schemeClr val="bg1"/>
+                </a:solidFill>
+                <a:latin typeface="Calibri" pitchFamily="34" charset="0"/>
+                <a:ea typeface="微软雅黑" pitchFamily="34" charset="-122"/>
+              </a:endParaRPr>
+            </a:p>
+          </p:txBody>
+        </p:sp>
+      </p:grpSp>
+      <p:pic>
+        <p:nvPicPr>
+          <p:cNvPr id="10" name="图片 9"/>
+          <p:cNvPicPr>
+            <a:picLocks noChangeAspect="1"/>
+          </p:cNvPicPr>
+          <p:nvPr/>
+        </p:nvPicPr>
+        <p:blipFill>
+          <a:blip r:embed="rId6">
+            <a:extLst>
+              <a:ext uri="{28A0092B-C50C-407E-A947-70E740481C1C}">
+                <a14:useLocalDpi xmlns:a14="http://schemas.microsoft.com/office/drawing/2010/main" val="0"/>
+              </a:ext>
+            </a:extLst>
+          </a:blip>
+          <a:stretch>
+            <a:fillRect/>
+          </a:stretch>
+        </p:blipFill>
+        <p:spPr>
+          <a:xfrm>
+            <a:off x="6972300" y="1690687"/>
+            <a:ext cx="4187541" cy="4543858"/>
+          </a:xfrm>
+          <a:prstGeom prst="rect">
+            <a:avLst/>
+          </a:prstGeom>
+        </p:spPr>
+      </p:pic>
+    </p:spTree>
+    <p:extLst>
+      <p:ext uri="{BB962C8B-B14F-4D97-AF65-F5344CB8AC3E}">
+        <p14:creationId xmlns:p14="http://schemas.microsoft.com/office/powerpoint/2010/main" val="836362352"/>
+      </p:ext>
+    </p:extLst>
+  </p:cSld>
+  <p:clrMapOvr>
+    <a:masterClrMapping/>
+  </p:clrMapOvr>
+</p:sld>
+</file>
+
+<file path=ppt/slides/slide11.xml><?xml version="1.0" encoding="utf-8"?>
+<p:sld xmlns:a="http://schemas.openxmlformats.org/drawingml/2006/main" xmlns:r="http://schemas.openxmlformats.org/officeDocument/2006/relationships" xmlns:p="http://schemas.openxmlformats.org/presentationml/2006/main">
+  <p:cSld>
+    <p:spTree>
+      <p:nvGrpSpPr>
+        <p:cNvPr id="1" name=""/>
+        <p:cNvGrpSpPr/>
+        <p:nvPr/>
+      </p:nvGrpSpPr>
+      <p:grpSpPr>
+        <a:xfrm>
+          <a:off x="0" y="0"/>
+          <a:ext cx="0" cy="0"/>
+          <a:chOff x="0" y="0"/>
+          <a:chExt cx="0" cy="0"/>
+        </a:xfrm>
+      </p:grpSpPr>
+      <p:sp>
+        <p:nvSpPr>
+          <p:cNvPr id="23" name="矩形 22"/>
+          <p:cNvSpPr/>
+          <p:nvPr/>
+        </p:nvSpPr>
+        <p:spPr>
+          <a:xfrm>
+            <a:off x="81752" y="488215"/>
+            <a:ext cx="5442516" cy="707886"/>
+          </a:xfrm>
+          <a:prstGeom prst="rect">
+            <a:avLst/>
+          </a:prstGeom>
+          <a:ln>
+            <a:noFill/>
+          </a:ln>
+        </p:spPr>
+        <p:style>
+          <a:lnRef idx="1">
+            <a:schemeClr val="accent1"/>
+          </a:lnRef>
+          <a:fillRef idx="0">
+            <a:schemeClr val="accent1"/>
+          </a:fillRef>
+          <a:effectRef idx="0">
+            <a:schemeClr val="accent1"/>
+          </a:effectRef>
+          <a:fontRef idx="minor">
+            <a:schemeClr val="tx1"/>
+          </a:fontRef>
+        </p:style>
+        <p:txBody>
+          <a:bodyPr wrap="none">
+            <a:spAutoFit/>
+          </a:bodyPr>
+          <a:lstStyle/>
+          <a:p>
+            <a:pPr algn="ctr" fontAlgn="auto">
+              <a:spcBef>
+                <a:spcPts val="0"/>
+              </a:spcBef>
+              <a:spcAft>
+                <a:spcPts val="0"/>
+              </a:spcAft>
+              <a:defRPr/>
+            </a:pPr>
+            <a:r>
+              <a:rPr lang="en-US" altLang="zh-CN" sz="4000" dirty="0" smtClean="0">
+                <a:solidFill>
+                  <a:schemeClr val="bg1"/>
+                </a:solidFill>
+                <a:ea typeface="方正大黑简体" panose="02010601030101010101"/>
+              </a:rPr>
+              <a:t>3.2.2 </a:t>
+            </a:r>
+            <a:r>
+              <a:rPr lang="zh-CN" altLang="en-US" sz="4000" dirty="0" smtClean="0">
+                <a:solidFill>
+                  <a:schemeClr val="bg1"/>
+                </a:solidFill>
+                <a:ea typeface="方正大黑简体" panose="02010601030101010101"/>
+              </a:rPr>
+              <a:t>事件和时间监听器</a:t>
+            </a:r>
+            <a:endParaRPr lang="zh-CN" altLang="en-US" sz="4000" dirty="0">
+              <a:solidFill>
+                <a:schemeClr val="bg1"/>
+              </a:solidFill>
+              <a:ea typeface="方正大黑简体" panose="02010601030101010101"/>
+            </a:endParaRPr>
+          </a:p>
+        </p:txBody>
+      </p:sp>
+      <p:cxnSp>
+        <p:nvCxnSpPr>
+          <p:cNvPr id="25" name="直接连接符 24"/>
+          <p:cNvCxnSpPr/>
+          <p:nvPr/>
+        </p:nvCxnSpPr>
+        <p:spPr>
+          <a:xfrm>
+            <a:off x="0" y="446088"/>
+            <a:ext cx="3321050" cy="0"/>
+          </a:xfrm>
+          <a:prstGeom prst="line">
+            <a:avLst/>
+          </a:prstGeom>
+          <a:ln>
+            <a:solidFill>
+              <a:schemeClr val="bg1"/>
+            </a:solidFill>
+          </a:ln>
+        </p:spPr>
+        <p:style>
+          <a:lnRef idx="1">
+            <a:schemeClr val="accent1"/>
+          </a:lnRef>
+          <a:fillRef idx="0">
+            <a:schemeClr val="accent1"/>
+          </a:fillRef>
+          <a:effectRef idx="0">
+            <a:schemeClr val="accent1"/>
+          </a:effectRef>
+          <a:fontRef idx="minor">
+            <a:schemeClr val="tx1"/>
+          </a:fontRef>
+        </p:style>
+      </p:cxnSp>
+      <p:cxnSp>
+        <p:nvCxnSpPr>
+          <p:cNvPr id="26" name="直接连接符 25"/>
+          <p:cNvCxnSpPr/>
+          <p:nvPr/>
+        </p:nvCxnSpPr>
+        <p:spPr>
+          <a:xfrm>
+            <a:off x="0" y="1271588"/>
+            <a:ext cx="11591925" cy="0"/>
+          </a:xfrm>
+          <a:prstGeom prst="line">
+            <a:avLst/>
+          </a:prstGeom>
+          <a:ln>
+            <a:solidFill>
+              <a:schemeClr val="bg1"/>
+            </a:solidFill>
+          </a:ln>
+        </p:spPr>
+        <p:style>
+          <a:lnRef idx="1">
+            <a:schemeClr val="accent1"/>
+          </a:lnRef>
+          <a:fillRef idx="0">
+            <a:schemeClr val="accent1"/>
+          </a:fillRef>
+          <a:effectRef idx="0">
+            <a:schemeClr val="accent1"/>
+          </a:effectRef>
+          <a:fontRef idx="minor">
+            <a:schemeClr val="tx1"/>
+          </a:fontRef>
+        </p:style>
+      </p:cxnSp>
+      <p:sp>
+        <p:nvSpPr>
+          <p:cNvPr id="18" name="文本框 56"/>
+          <p:cNvSpPr txBox="1">
+            <a:spLocks noChangeArrowheads="1"/>
+          </p:cNvSpPr>
+          <p:nvPr/>
+        </p:nvSpPr>
+        <p:spPr bwMode="auto">
+          <a:xfrm>
+            <a:off x="354084" y="2017887"/>
+            <a:ext cx="3518912" cy="400110"/>
+          </a:xfrm>
+          <a:prstGeom prst="rect">
+            <a:avLst/>
+          </a:prstGeom>
+          <a:noFill/>
+          <a:ln w="9525">
+            <a:noFill/>
+            <a:miter lim="800000"/>
+            <a:headEnd/>
+            <a:tailEnd/>
+          </a:ln>
+        </p:spPr>
+        <p:txBody>
+          <a:bodyPr wrap="none">
+            <a:spAutoFit/>
+          </a:bodyPr>
+          <a:lstStyle/>
+          <a:p>
+            <a:r>
+              <a:rPr lang="zh-CN" altLang="en-US" sz="2000" dirty="0" smtClean="0">
+                <a:solidFill>
+                  <a:srgbClr val="FE5A3E"/>
+                </a:solidFill>
+                <a:latin typeface="微软雅黑" pitchFamily="34" charset="-122"/>
+                <a:ea typeface="微软雅黑" pitchFamily="34" charset="-122"/>
+              </a:rPr>
+              <a:t>实现事件监听器的几种形式：</a:t>
+            </a:r>
+            <a:endParaRPr lang="zh-CN" altLang="en-US" sz="2000" dirty="0">
+              <a:solidFill>
+                <a:srgbClr val="FE5A3E"/>
+              </a:solidFill>
+              <a:latin typeface="微软雅黑" pitchFamily="34" charset="-122"/>
+              <a:ea typeface="微软雅黑" pitchFamily="34" charset="-122"/>
+            </a:endParaRPr>
+          </a:p>
+        </p:txBody>
+      </p:sp>
+      <p:grpSp>
+        <p:nvGrpSpPr>
+          <p:cNvPr id="19" name="组合 18"/>
+          <p:cNvGrpSpPr/>
+          <p:nvPr/>
+        </p:nvGrpSpPr>
+        <p:grpSpPr>
+          <a:xfrm>
+            <a:off x="713726" y="2701080"/>
+            <a:ext cx="10627374" cy="3281114"/>
+            <a:chOff x="7204560" y="3196387"/>
+            <a:chExt cx="4421050" cy="1090190"/>
+          </a:xfrm>
+        </p:grpSpPr>
+        <p:sp>
+          <p:nvSpPr>
+            <p:cNvPr id="20" name="矩形 19"/>
+            <p:cNvSpPr/>
+            <p:nvPr/>
+          </p:nvSpPr>
+          <p:spPr bwMode="auto">
+            <a:xfrm>
+              <a:off x="7204560" y="3196387"/>
+              <a:ext cx="4421050" cy="1025070"/>
+            </a:xfrm>
+            <a:prstGeom prst="rect">
+              <a:avLst/>
+            </a:prstGeom>
+            <a:solidFill>
+              <a:schemeClr val="bg1">
+                <a:alpha val="40000"/>
+              </a:schemeClr>
+            </a:solidFill>
+            <a:ln>
+              <a:noFill/>
+            </a:ln>
+          </p:spPr>
+          <p:style>
+            <a:lnRef idx="2">
+              <a:schemeClr val="accent1">
+                <a:shade val="50000"/>
+              </a:schemeClr>
+            </a:lnRef>
+            <a:fillRef idx="1">
+              <a:schemeClr val="accent1"/>
+            </a:fillRef>
+            <a:effectRef idx="0">
+              <a:schemeClr val="accent1"/>
+            </a:effectRef>
+            <a:fontRef idx="minor">
+              <a:schemeClr val="lt1"/>
+            </a:fontRef>
+          </p:style>
+          <p:txBody>
+            <a:bodyPr anchor="ctr"/>
+            <a:lstStyle/>
+            <a:p>
+              <a:pPr algn="ctr" fontAlgn="auto">
+                <a:spcBef>
+                  <a:spcPts val="0"/>
+                </a:spcBef>
+                <a:spcAft>
+                  <a:spcPts val="0"/>
+                </a:spcAft>
+                <a:defRPr/>
+              </a:pPr>
+              <a:endParaRPr lang="zh-CN" altLang="en-US"/>
+            </a:p>
+          </p:txBody>
+        </p:sp>
+        <p:sp>
+          <p:nvSpPr>
+            <p:cNvPr id="21" name="文本框 20"/>
+            <p:cNvSpPr txBox="1"/>
+            <p:nvPr/>
+          </p:nvSpPr>
+          <p:spPr bwMode="auto">
+            <a:xfrm>
+              <a:off x="7212182" y="3289656"/>
+              <a:ext cx="4413428" cy="996921"/>
+            </a:xfrm>
+            <a:prstGeom prst="rect">
+              <a:avLst/>
+            </a:prstGeom>
+            <a:noFill/>
+          </p:spPr>
+          <p:txBody>
+            <a:bodyPr wrap="square">
+              <a:spAutoFit/>
+            </a:bodyPr>
+            <a:lstStyle/>
+            <a:p>
+              <a:pPr marL="285750" indent="-285750" fontAlgn="auto">
+                <a:spcBef>
+                  <a:spcPts val="0"/>
+                </a:spcBef>
+                <a:spcAft>
+                  <a:spcPts val="0"/>
+                </a:spcAft>
+                <a:buClr>
+                  <a:schemeClr val="bg1"/>
+                </a:buClr>
+                <a:buFont typeface="Wingdings" panose="05000000000000000000" pitchFamily="2" charset="2"/>
+                <a:buChar char="Ø"/>
+                <a:defRPr/>
+              </a:pPr>
+              <a:r>
+                <a:rPr lang="zh-CN" altLang="en-US" dirty="0" smtClean="0">
+                  <a:solidFill>
+                    <a:schemeClr val="bg1"/>
+                  </a:solidFill>
+                  <a:latin typeface="微软雅黑" panose="020B0503020204020204" pitchFamily="34" charset="-122"/>
+                  <a:ea typeface="微软雅黑" panose="020B0503020204020204" pitchFamily="34" charset="-122"/>
+                </a:rPr>
+                <a:t>内部类形式：将事件监听器定义成当前类的内部类；使用内部类可以在当前类中复用该监听器类；因为监听器类是外部类的内部类，所以可以自由访问外部类的所有界面组件。</a:t>
+              </a:r>
+              <a:endParaRPr lang="en-US" altLang="zh-CN" dirty="0" smtClean="0">
+                <a:solidFill>
+                  <a:schemeClr val="bg1"/>
+                </a:solidFill>
+                <a:latin typeface="微软雅黑" panose="020B0503020204020204" pitchFamily="34" charset="-122"/>
+                <a:ea typeface="微软雅黑" panose="020B0503020204020204" pitchFamily="34" charset="-122"/>
+              </a:endParaRPr>
+            </a:p>
+            <a:p>
+              <a:pPr fontAlgn="auto">
+                <a:spcBef>
+                  <a:spcPts val="0"/>
+                </a:spcBef>
+                <a:spcAft>
+                  <a:spcPts val="0"/>
+                </a:spcAft>
+                <a:buClr>
+                  <a:schemeClr val="bg1"/>
+                </a:buClr>
+                <a:defRPr/>
+              </a:pPr>
+              <a:endParaRPr lang="en-US" altLang="zh-CN" dirty="0" smtClean="0">
+                <a:solidFill>
+                  <a:schemeClr val="bg1"/>
+                </a:solidFill>
+                <a:latin typeface="微软雅黑" panose="020B0503020204020204" pitchFamily="34" charset="-122"/>
+                <a:ea typeface="微软雅黑" panose="020B0503020204020204" pitchFamily="34" charset="-122"/>
+              </a:endParaRPr>
+            </a:p>
+            <a:p>
+              <a:pPr marL="285750" indent="-285750" fontAlgn="auto">
+                <a:spcBef>
+                  <a:spcPts val="0"/>
+                </a:spcBef>
+                <a:spcAft>
+                  <a:spcPts val="0"/>
+                </a:spcAft>
+                <a:buClr>
+                  <a:schemeClr val="bg1"/>
+                </a:buClr>
+                <a:buFont typeface="Wingdings" panose="05000000000000000000" pitchFamily="2" charset="2"/>
+                <a:buChar char="Ø"/>
+                <a:defRPr/>
+              </a:pPr>
+              <a:r>
+                <a:rPr lang="zh-CN" altLang="en-US" dirty="0" smtClean="0">
+                  <a:solidFill>
+                    <a:schemeClr val="bg1"/>
+                  </a:solidFill>
+                  <a:latin typeface="微软雅黑" panose="020B0503020204020204" pitchFamily="34" charset="-122"/>
+                  <a:ea typeface="微软雅黑" panose="020B0503020204020204" pitchFamily="34" charset="-122"/>
+                </a:rPr>
+                <a:t>外部类形式：将事件监听器定义成一个外部类（如果某个事件监听器被多个</a:t>
+              </a:r>
+              <a:r>
+                <a:rPr lang="en-US" altLang="zh-CN" dirty="0" smtClean="0">
+                  <a:solidFill>
+                    <a:schemeClr val="bg1"/>
+                  </a:solidFill>
+                  <a:latin typeface="微软雅黑" panose="020B0503020204020204" pitchFamily="34" charset="-122"/>
+                  <a:ea typeface="微软雅黑" panose="020B0503020204020204" pitchFamily="34" charset="-122"/>
+                </a:rPr>
+                <a:t>GUI</a:t>
+              </a:r>
+              <a:r>
+                <a:rPr lang="zh-CN" altLang="en-US" dirty="0" smtClean="0">
+                  <a:solidFill>
+                    <a:schemeClr val="bg1"/>
+                  </a:solidFill>
+                  <a:latin typeface="微软雅黑" panose="020B0503020204020204" pitchFamily="34" charset="-122"/>
+                  <a:ea typeface="微软雅黑" panose="020B0503020204020204" pitchFamily="34" charset="-122"/>
+                </a:rPr>
+                <a:t>界面所共享，而且主要是完成某种业务逻辑的实现）。</a:t>
+              </a:r>
+              <a:endParaRPr lang="en-US" altLang="zh-CN" dirty="0" smtClean="0">
+                <a:solidFill>
+                  <a:schemeClr val="bg1"/>
+                </a:solidFill>
+                <a:latin typeface="微软雅黑" panose="020B0503020204020204" pitchFamily="34" charset="-122"/>
+                <a:ea typeface="微软雅黑" panose="020B0503020204020204" pitchFamily="34" charset="-122"/>
+              </a:endParaRPr>
+            </a:p>
+            <a:p>
+              <a:pPr fontAlgn="auto">
+                <a:spcBef>
+                  <a:spcPts val="0"/>
+                </a:spcBef>
+                <a:spcAft>
+                  <a:spcPts val="0"/>
+                </a:spcAft>
+                <a:buClr>
+                  <a:schemeClr val="bg1"/>
+                </a:buClr>
+                <a:defRPr/>
+              </a:pPr>
+              <a:endParaRPr lang="en-US" altLang="zh-CN" dirty="0" smtClean="0">
+                <a:solidFill>
+                  <a:schemeClr val="bg1"/>
+                </a:solidFill>
+                <a:latin typeface="微软雅黑" panose="020B0503020204020204" pitchFamily="34" charset="-122"/>
+                <a:ea typeface="微软雅黑" panose="020B0503020204020204" pitchFamily="34" charset="-122"/>
+              </a:endParaRPr>
+            </a:p>
+            <a:p>
+              <a:pPr marL="285750" indent="-285750" fontAlgn="auto">
+                <a:spcBef>
+                  <a:spcPts val="0"/>
+                </a:spcBef>
+                <a:spcAft>
+                  <a:spcPts val="0"/>
+                </a:spcAft>
+                <a:buClr>
+                  <a:schemeClr val="bg1"/>
+                </a:buClr>
+                <a:buFont typeface="Wingdings" panose="05000000000000000000" pitchFamily="2" charset="2"/>
+                <a:buChar char="Ø"/>
+                <a:defRPr/>
+              </a:pPr>
+              <a:r>
+                <a:rPr lang="en-US" altLang="zh-CN" dirty="0" smtClean="0">
+                  <a:solidFill>
+                    <a:schemeClr val="bg1"/>
+                  </a:solidFill>
+                  <a:latin typeface="微软雅黑" panose="020B0503020204020204" pitchFamily="34" charset="-122"/>
+                  <a:ea typeface="微软雅黑" panose="020B0503020204020204" pitchFamily="34" charset="-122"/>
+                </a:rPr>
+                <a:t>Activity</a:t>
+              </a:r>
+              <a:r>
+                <a:rPr lang="zh-CN" altLang="en-US" dirty="0" smtClean="0">
+                  <a:solidFill>
+                    <a:schemeClr val="bg1"/>
+                  </a:solidFill>
+                  <a:latin typeface="微软雅黑" panose="020B0503020204020204" pitchFamily="34" charset="-122"/>
+                  <a:ea typeface="微软雅黑" panose="020B0503020204020204" pitchFamily="34" charset="-122"/>
+                </a:rPr>
+                <a:t>本身作为事件监听器类：让</a:t>
+              </a:r>
+              <a:r>
+                <a:rPr lang="en-US" altLang="zh-CN" dirty="0" smtClean="0">
+                  <a:solidFill>
+                    <a:schemeClr val="bg1"/>
+                  </a:solidFill>
+                  <a:latin typeface="微软雅黑" panose="020B0503020204020204" pitchFamily="34" charset="-122"/>
+                  <a:ea typeface="微软雅黑" panose="020B0503020204020204" pitchFamily="34" charset="-122"/>
+                </a:rPr>
+                <a:t>Activity</a:t>
+              </a:r>
+              <a:r>
+                <a:rPr lang="zh-CN" altLang="en-US" dirty="0" smtClean="0">
+                  <a:solidFill>
+                    <a:schemeClr val="bg1"/>
+                  </a:solidFill>
+                  <a:latin typeface="微软雅黑" panose="020B0503020204020204" pitchFamily="34" charset="-122"/>
+                  <a:ea typeface="微软雅黑" panose="020B0503020204020204" pitchFamily="34" charset="-122"/>
+                </a:rPr>
+                <a:t>本身实现监听器接口，并实现事件处理方法。</a:t>
+              </a:r>
+              <a:endParaRPr lang="en-US" altLang="zh-CN" dirty="0" smtClean="0">
+                <a:solidFill>
+                  <a:schemeClr val="bg1"/>
+                </a:solidFill>
+                <a:latin typeface="微软雅黑" panose="020B0503020204020204" pitchFamily="34" charset="-122"/>
+                <a:ea typeface="微软雅黑" panose="020B0503020204020204" pitchFamily="34" charset="-122"/>
+              </a:endParaRPr>
+            </a:p>
+            <a:p>
+              <a:pPr fontAlgn="auto">
+                <a:spcBef>
+                  <a:spcPts val="0"/>
+                </a:spcBef>
+                <a:spcAft>
+                  <a:spcPts val="0"/>
+                </a:spcAft>
+                <a:buClr>
+                  <a:schemeClr val="bg1"/>
+                </a:buClr>
+                <a:defRPr/>
+              </a:pPr>
+              <a:endParaRPr lang="en-US" altLang="zh-CN" dirty="0" smtClean="0">
+                <a:solidFill>
+                  <a:schemeClr val="bg1"/>
+                </a:solidFill>
+                <a:latin typeface="微软雅黑" panose="020B0503020204020204" pitchFamily="34" charset="-122"/>
+                <a:ea typeface="微软雅黑" panose="020B0503020204020204" pitchFamily="34" charset="-122"/>
+              </a:endParaRPr>
+            </a:p>
+            <a:p>
+              <a:pPr marL="285750" indent="-285750" fontAlgn="auto">
+                <a:spcBef>
+                  <a:spcPts val="0"/>
+                </a:spcBef>
+                <a:spcAft>
+                  <a:spcPts val="0"/>
+                </a:spcAft>
+                <a:buClr>
+                  <a:schemeClr val="bg1"/>
+                </a:buClr>
+                <a:buFont typeface="Wingdings" panose="05000000000000000000" pitchFamily="2" charset="2"/>
+                <a:buChar char="Ø"/>
+                <a:defRPr/>
+              </a:pPr>
+              <a:r>
+                <a:rPr lang="zh-CN" altLang="en-US" dirty="0" smtClean="0">
+                  <a:solidFill>
+                    <a:schemeClr val="bg1"/>
+                  </a:solidFill>
+                  <a:latin typeface="微软雅黑" panose="020B0503020204020204" pitchFamily="34" charset="-122"/>
+                  <a:ea typeface="微软雅黑" panose="020B0503020204020204" pitchFamily="34" charset="-122"/>
+                </a:rPr>
+                <a:t>匿名内部类形式：使用匿名内部类创建事件监听器。</a:t>
+              </a:r>
+              <a:endParaRPr lang="en-US" altLang="zh-CN" dirty="0" smtClean="0">
+                <a:solidFill>
+                  <a:schemeClr val="bg1"/>
+                </a:solidFill>
+                <a:latin typeface="微软雅黑" panose="020B0503020204020204" pitchFamily="34" charset="-122"/>
+                <a:ea typeface="微软雅黑" panose="020B0503020204020204" pitchFamily="34" charset="-122"/>
+              </a:endParaRPr>
+            </a:p>
+          </p:txBody>
+        </p:sp>
+      </p:grpSp>
+    </p:spTree>
+    <p:extLst>
+      <p:ext uri="{BB962C8B-B14F-4D97-AF65-F5344CB8AC3E}">
+        <p14:creationId xmlns:p14="http://schemas.microsoft.com/office/powerpoint/2010/main" val="3672201674"/>
+      </p:ext>
+    </p:extLst>
+  </p:cSld>
+  <p:clrMapOvr>
+    <a:masterClrMapping/>
+  </p:clrMapOvr>
+  <p:timing>
+    <p:tnLst>
+      <p:par>
+        <p:cTn id="1" dur="indefinite" restart="never" nodeType="tmRoot"/>
+      </p:par>
+    </p:tnLst>
+  </p:timing>
+</p:sld>
+</file>
+
+<file path=ppt/slides/slide12.xml><?xml version="1.0" encoding="utf-8"?>
 <p:sld xmlns:a="http://schemas.openxmlformats.org/drawingml/2006/main" xmlns:r="http://schemas.openxmlformats.org/officeDocument/2006/relationships" xmlns:p="http://schemas.openxmlformats.org/presentationml/2006/main">
   <p:cSld>
     <p:spTree>
@@ -6518,7 +7823,7 @@
 </p:sld>
 </file>
 
-<file path=ppt/slides/slide11.xml><?xml version="1.0" encoding="utf-8"?>
+<file path=ppt/slides/slide13.xml><?xml version="1.0" encoding="utf-8"?>
 <p:sld xmlns:a="http://schemas.openxmlformats.org/drawingml/2006/main" xmlns:r="http://schemas.openxmlformats.org/officeDocument/2006/relationships" xmlns:p="http://schemas.openxmlformats.org/presentationml/2006/main">
   <p:cSld>
     <p:spTree>
@@ -7512,7 +8817,7 @@
 </p:sld>
 </file>
 
-<file path=ppt/slides/slide12.xml><?xml version="1.0" encoding="utf-8"?>
+<file path=ppt/slides/slide14.xml><?xml version="1.0" encoding="utf-8"?>
 <p:sld xmlns:a="http://schemas.openxmlformats.org/drawingml/2006/main" xmlns:r="http://schemas.openxmlformats.org/officeDocument/2006/relationships" xmlns:p="http://schemas.openxmlformats.org/presentationml/2006/main">
   <p:cSld>
     <p:spTree>
@@ -9167,7 +10472,7 @@
 </p:sld>
 </file>
 
-<file path=ppt/slides/slide13.xml><?xml version="1.0" encoding="utf-8"?>
+<file path=ppt/slides/slide15.xml><?xml version="1.0" encoding="utf-8"?>
 <p:sld xmlns:a="http://schemas.openxmlformats.org/drawingml/2006/main" xmlns:r="http://schemas.openxmlformats.org/officeDocument/2006/relationships" xmlns:p="http://schemas.openxmlformats.org/presentationml/2006/main">
   <p:cSld>
     <p:spTree>
@@ -10410,7 +11715,7 @@
 </p:sld>
 </file>
 
-<file path=ppt/slides/slide14.xml><?xml version="1.0" encoding="utf-8"?>
+<file path=ppt/slides/slide16.xml><?xml version="1.0" encoding="utf-8"?>
 <p:sld xmlns:a="http://schemas.openxmlformats.org/drawingml/2006/main" xmlns:r="http://schemas.openxmlformats.org/officeDocument/2006/relationships" xmlns:p="http://schemas.openxmlformats.org/presentationml/2006/main">
   <p:cSld>
     <p:spTree>
@@ -10729,7 +12034,7 @@
 </p:sld>
 </file>
 
-<file path=ppt/slides/slide15.xml><?xml version="1.0" encoding="utf-8"?>
+<file path=ppt/slides/slide17.xml><?xml version="1.0" encoding="utf-8"?>
 <p:sld xmlns:a="http://schemas.openxmlformats.org/drawingml/2006/main" xmlns:r="http://schemas.openxmlformats.org/officeDocument/2006/relationships" xmlns:p="http://schemas.openxmlformats.org/presentationml/2006/main">
   <p:cSld>
     <p:spTree>
@@ -13175,7 +14480,7 @@
             <a:effectLst/>
             <a:extLst>
               <a:ext uri="{91240B29-F687-4f45-9708-019B960494DF}">
-                <a14:hiddenLine xmlns:a14="http://schemas.microsoft.com/office/drawing/2010/main" xmlns="" w="9525">
+                <a14:hiddenLine xmlns="" xmlns:a14="http://schemas.microsoft.com/office/drawing/2010/main" w="9525">
                   <a:solidFill>
                     <a:schemeClr val="tx1"/>
                   </a:solidFill>
@@ -13185,7 +14490,7 @@
                 </a14:hiddenLine>
               </a:ext>
               <a:ext uri="{AF507438-7753-43e0-B8FC-AC1667EBCBE1}">
-                <a14:hiddenEffects xmlns:a14="http://schemas.microsoft.com/office/drawing/2010/main" xmlns="">
+                <a14:hiddenEffects xmlns="" xmlns:a14="http://schemas.microsoft.com/office/drawing/2010/main">
                   <a:effectLst>
                     <a:outerShdw dist="35921" dir="2700000" algn="ctr" rotWithShape="0">
                       <a:schemeClr val="bg2"/>
@@ -14020,7 +15325,7 @@
 </p:sld>
 </file>
 
-<file path=ppt/slides/slide16.xml><?xml version="1.0" encoding="utf-8"?>
+<file path=ppt/slides/slide18.xml><?xml version="1.0" encoding="utf-8"?>
 <p:sld xmlns:a="http://schemas.openxmlformats.org/drawingml/2006/main" xmlns:r="http://schemas.openxmlformats.org/officeDocument/2006/relationships" xmlns:p="http://schemas.openxmlformats.org/presentationml/2006/main">
   <p:cSld>
     <p:spTree>
@@ -14761,7 +16066,7 @@
 </p:sld>
 </file>
 
-<file path=ppt/slides/slide17.xml><?xml version="1.0" encoding="utf-8"?>
+<file path=ppt/slides/slide19.xml><?xml version="1.0" encoding="utf-8"?>
 <p:sld xmlns:a="http://schemas.openxmlformats.org/drawingml/2006/main" xmlns:r="http://schemas.openxmlformats.org/officeDocument/2006/relationships" xmlns:p="http://schemas.openxmlformats.org/presentationml/2006/main">
   <p:cSld>
     <p:spTree>
@@ -15080,2418 +16385,6 @@
 </p:sld>
 </file>
 
-<file path=ppt/slides/slide18.xml><?xml version="1.0" encoding="utf-8"?>
-<p:sld xmlns:a="http://schemas.openxmlformats.org/drawingml/2006/main" xmlns:r="http://schemas.openxmlformats.org/officeDocument/2006/relationships" xmlns:p="http://schemas.openxmlformats.org/presentationml/2006/main">
-  <p:cSld>
-    <p:spTree>
-      <p:nvGrpSpPr>
-        <p:cNvPr id="1" name=""/>
-        <p:cNvGrpSpPr/>
-        <p:nvPr/>
-      </p:nvGrpSpPr>
-      <p:grpSpPr>
-        <a:xfrm>
-          <a:off x="0" y="0"/>
-          <a:ext cx="0" cy="0"/>
-          <a:chOff x="0" y="0"/>
-          <a:chExt cx="0" cy="0"/>
-        </a:xfrm>
-      </p:grpSpPr>
-      <p:grpSp>
-        <p:nvGrpSpPr>
-          <p:cNvPr id="27650" name="组合 2"/>
-          <p:cNvGrpSpPr>
-            <a:grpSpLocks/>
-          </p:cNvGrpSpPr>
-          <p:nvPr/>
-        </p:nvGrpSpPr>
-        <p:grpSpPr bwMode="auto">
-          <a:xfrm rot="19703203">
-            <a:off x="9255339" y="1877721"/>
-            <a:ext cx="2673350" cy="2911475"/>
-            <a:chOff x="1241059" y="2517781"/>
-            <a:chExt cx="2672976" cy="2911264"/>
-          </a:xfrm>
-        </p:grpSpPr>
-        <p:sp>
-          <p:nvSpPr>
-            <p:cNvPr id="37" name="任意多边形 36"/>
-            <p:cNvSpPr/>
-            <p:nvPr/>
-          </p:nvSpPr>
-          <p:spPr>
-            <a:xfrm rot="16200000">
-              <a:off x="517956" y="3240884"/>
-              <a:ext cx="2911264" cy="1465058"/>
-            </a:xfrm>
-            <a:custGeom>
-              <a:avLst/>
-              <a:gdLst>
-                <a:gd name="connsiteX0" fmla="*/ 2911264 w 2911264"/>
-                <a:gd name="connsiteY0" fmla="*/ 1455632 h 1465464"/>
-                <a:gd name="connsiteX1" fmla="*/ 2910768 w 2911264"/>
-                <a:gd name="connsiteY1" fmla="*/ 1465464 h 1465464"/>
-                <a:gd name="connsiteX2" fmla="*/ 497 w 2911264"/>
-                <a:gd name="connsiteY2" fmla="*/ 1465464 h 1465464"/>
-                <a:gd name="connsiteX3" fmla="*/ 0 w 2911264"/>
-                <a:gd name="connsiteY3" fmla="*/ 1455632 h 1465464"/>
-                <a:gd name="connsiteX4" fmla="*/ 1455632 w 2911264"/>
-                <a:gd name="connsiteY4" fmla="*/ 0 h 1465464"/>
-                <a:gd name="connsiteX5" fmla="*/ 2911264 w 2911264"/>
-                <a:gd name="connsiteY5" fmla="*/ 1455632 h 1465464"/>
-              </a:gdLst>
-              <a:ahLst/>
-              <a:cxnLst>
-                <a:cxn ang="0">
-                  <a:pos x="connsiteX0" y="connsiteY0"/>
-                </a:cxn>
-                <a:cxn ang="0">
-                  <a:pos x="connsiteX1" y="connsiteY1"/>
-                </a:cxn>
-                <a:cxn ang="0">
-                  <a:pos x="connsiteX2" y="connsiteY2"/>
-                </a:cxn>
-                <a:cxn ang="0">
-                  <a:pos x="connsiteX3" y="connsiteY3"/>
-                </a:cxn>
-                <a:cxn ang="0">
-                  <a:pos x="connsiteX4" y="connsiteY4"/>
-                </a:cxn>
-                <a:cxn ang="0">
-                  <a:pos x="connsiteX5" y="connsiteY5"/>
-                </a:cxn>
-              </a:cxnLst>
-              <a:rect l="l" t="t" r="r" b="b"/>
-              <a:pathLst>
-                <a:path w="2911264" h="1465464">
-                  <a:moveTo>
-                    <a:pt x="2911264" y="1455632"/>
-                  </a:moveTo>
-                  <a:lnTo>
-                    <a:pt x="2910768" y="1465464"/>
-                  </a:lnTo>
-                  <a:lnTo>
-                    <a:pt x="497" y="1465464"/>
-                  </a:lnTo>
-                  <a:lnTo>
-                    <a:pt x="0" y="1455632"/>
-                  </a:lnTo>
-                  <a:cubicBezTo>
-                    <a:pt x="0" y="651709"/>
-                    <a:pt x="651709" y="0"/>
-                    <a:pt x="1455632" y="0"/>
-                  </a:cubicBezTo>
-                  <a:cubicBezTo>
-                    <a:pt x="2259555" y="0"/>
-                    <a:pt x="2911264" y="651709"/>
-                    <a:pt x="2911264" y="1455632"/>
-                  </a:cubicBezTo>
-                  <a:close/>
-                </a:path>
-              </a:pathLst>
-            </a:custGeom>
-            <a:solidFill>
-              <a:schemeClr val="bg1">
-                <a:alpha val="40000"/>
-              </a:schemeClr>
-            </a:solidFill>
-            <a:ln>
-              <a:noFill/>
-            </a:ln>
-          </p:spPr>
-          <p:style>
-            <a:lnRef idx="2">
-              <a:schemeClr val="accent1">
-                <a:shade val="50000"/>
-              </a:schemeClr>
-            </a:lnRef>
-            <a:fillRef idx="1">
-              <a:schemeClr val="accent1"/>
-            </a:fillRef>
-            <a:effectRef idx="0">
-              <a:schemeClr val="accent1"/>
-            </a:effectRef>
-            <a:fontRef idx="minor">
-              <a:schemeClr val="lt1"/>
-            </a:fontRef>
-          </p:style>
-          <p:txBody>
-            <a:bodyPr anchor="ctr"/>
-            <a:lstStyle/>
-            <a:p>
-              <a:pPr algn="ctr" fontAlgn="auto">
-                <a:spcBef>
-                  <a:spcPts val="0"/>
-                </a:spcBef>
-                <a:spcAft>
-                  <a:spcPts val="0"/>
-                </a:spcAft>
-                <a:defRPr/>
-              </a:pPr>
-              <a:endParaRPr lang="zh-CN" altLang="en-US"/>
-            </a:p>
-          </p:txBody>
-        </p:sp>
-        <p:sp>
-          <p:nvSpPr>
-            <p:cNvPr id="10" name="空心弧 9"/>
-            <p:cNvSpPr/>
-            <p:nvPr/>
-          </p:nvSpPr>
-          <p:spPr>
-            <a:xfrm rot="5400000">
-              <a:off x="1467164" y="2790100"/>
-              <a:ext cx="2446160" cy="2447583"/>
-            </a:xfrm>
-            <a:prstGeom prst="blockArc">
-              <a:avLst>
-                <a:gd name="adj1" fmla="val 10800000"/>
-                <a:gd name="adj2" fmla="val 22215"/>
-                <a:gd name="adj3" fmla="val 12002"/>
-              </a:avLst>
-            </a:prstGeom>
-            <a:solidFill>
-              <a:srgbClr val="FE5A3E"/>
-            </a:solidFill>
-            <a:ln>
-              <a:noFill/>
-            </a:ln>
-          </p:spPr>
-          <p:style>
-            <a:lnRef idx="2">
-              <a:schemeClr val="accent1">
-                <a:shade val="50000"/>
-              </a:schemeClr>
-            </a:lnRef>
-            <a:fillRef idx="1">
-              <a:schemeClr val="accent1"/>
-            </a:fillRef>
-            <a:effectRef idx="0">
-              <a:schemeClr val="accent1"/>
-            </a:effectRef>
-            <a:fontRef idx="minor">
-              <a:schemeClr val="lt1"/>
-            </a:fontRef>
-          </p:style>
-          <p:txBody>
-            <a:bodyPr anchor="ctr"/>
-            <a:lstStyle/>
-            <a:p>
-              <a:pPr algn="ctr" fontAlgn="auto">
-                <a:spcBef>
-                  <a:spcPts val="0"/>
-                </a:spcBef>
-                <a:spcAft>
-                  <a:spcPts val="0"/>
-                </a:spcAft>
-                <a:defRPr/>
-              </a:pPr>
-              <a:endParaRPr lang="zh-CN" altLang="en-US">
-                <a:solidFill>
-                  <a:schemeClr val="tx1"/>
-                </a:solidFill>
-              </a:endParaRPr>
-            </a:p>
-          </p:txBody>
-        </p:sp>
-        <p:sp>
-          <p:nvSpPr>
-            <p:cNvPr id="27685" name="文本框 11"/>
-            <p:cNvSpPr txBox="1">
-              <a:spLocks noChangeArrowheads="1"/>
-            </p:cNvSpPr>
-            <p:nvPr/>
-          </p:nvSpPr>
-          <p:spPr bwMode="auto">
-            <a:xfrm>
-              <a:off x="1795748" y="3127732"/>
-              <a:ext cx="1352312" cy="1861913"/>
-            </a:xfrm>
-            <a:prstGeom prst="rect">
-              <a:avLst/>
-            </a:prstGeom>
-            <a:noFill/>
-            <a:ln w="9525">
-              <a:noFill/>
-              <a:miter lim="800000"/>
-              <a:headEnd/>
-              <a:tailEnd/>
-            </a:ln>
-          </p:spPr>
-          <p:txBody>
-            <a:bodyPr wrap="square">
-              <a:spAutoFit/>
-            </a:bodyPr>
-            <a:lstStyle/>
-            <a:p>
-              <a:r>
-                <a:rPr lang="zh-CN" altLang="en-US" sz="11500" b="1" dirty="0" smtClean="0">
-                  <a:solidFill>
-                    <a:schemeClr val="bg1"/>
-                  </a:solidFill>
-                  <a:latin typeface="Broadway"/>
-                  <a:ea typeface="微软雅黑" pitchFamily="34" charset="-122"/>
-                </a:rPr>
-                <a:t>？</a:t>
-              </a:r>
-              <a:endParaRPr lang="zh-CN" altLang="en-US" sz="11500" b="1" dirty="0">
-                <a:solidFill>
-                  <a:schemeClr val="bg1"/>
-                </a:solidFill>
-                <a:latin typeface="Broadway"/>
-                <a:ea typeface="微软雅黑" pitchFamily="34" charset="-122"/>
-              </a:endParaRPr>
-            </a:p>
-          </p:txBody>
-        </p:sp>
-      </p:grpSp>
-      <p:grpSp>
-        <p:nvGrpSpPr>
-          <p:cNvPr id="27652" name="组合 40"/>
-          <p:cNvGrpSpPr>
-            <a:grpSpLocks/>
-          </p:cNvGrpSpPr>
-          <p:nvPr/>
-        </p:nvGrpSpPr>
-        <p:grpSpPr bwMode="auto">
-          <a:xfrm>
-            <a:off x="256507" y="362711"/>
-            <a:ext cx="11418887" cy="1322388"/>
-            <a:chOff x="200997" y="571383"/>
-            <a:chExt cx="11418853" cy="1321951"/>
-          </a:xfrm>
-        </p:grpSpPr>
-        <p:sp>
-          <p:nvSpPr>
-            <p:cNvPr id="42" name="矩形 41"/>
-            <p:cNvSpPr/>
-            <p:nvPr/>
-          </p:nvSpPr>
-          <p:spPr>
-            <a:xfrm>
-              <a:off x="2553665" y="1341067"/>
-              <a:ext cx="9066185" cy="552267"/>
-            </a:xfrm>
-            <a:prstGeom prst="rect">
-              <a:avLst/>
-            </a:prstGeom>
-            <a:solidFill>
-              <a:schemeClr val="bg1">
-                <a:alpha val="40000"/>
-              </a:schemeClr>
-            </a:solidFill>
-            <a:ln>
-              <a:noFill/>
-            </a:ln>
-          </p:spPr>
-          <p:style>
-            <a:lnRef idx="2">
-              <a:schemeClr val="accent1">
-                <a:shade val="50000"/>
-              </a:schemeClr>
-            </a:lnRef>
-            <a:fillRef idx="1">
-              <a:schemeClr val="accent1"/>
-            </a:fillRef>
-            <a:effectRef idx="0">
-              <a:schemeClr val="accent1"/>
-            </a:effectRef>
-            <a:fontRef idx="minor">
-              <a:schemeClr val="lt1"/>
-            </a:fontRef>
-          </p:style>
-          <p:txBody>
-            <a:bodyPr anchor="ctr"/>
-            <a:lstStyle/>
-            <a:p>
-              <a:pPr algn="ctr" fontAlgn="auto">
-                <a:spcBef>
-                  <a:spcPts val="0"/>
-                </a:spcBef>
-                <a:spcAft>
-                  <a:spcPts val="0"/>
-                </a:spcAft>
-                <a:defRPr/>
-              </a:pPr>
-              <a:endParaRPr lang="zh-CN" altLang="en-US"/>
-            </a:p>
-          </p:txBody>
-        </p:sp>
-        <p:sp>
-          <p:nvSpPr>
-            <p:cNvPr id="27654" name="文本框 42"/>
-            <p:cNvSpPr txBox="1">
-              <a:spLocks noChangeArrowheads="1"/>
-            </p:cNvSpPr>
-            <p:nvPr/>
-          </p:nvSpPr>
-          <p:spPr bwMode="auto">
-            <a:xfrm>
-              <a:off x="2971329" y="571383"/>
-              <a:ext cx="4020640" cy="769187"/>
-            </a:xfrm>
-            <a:prstGeom prst="rect">
-              <a:avLst/>
-            </a:prstGeom>
-            <a:noFill/>
-            <a:ln w="9525">
-              <a:noFill/>
-              <a:miter lim="800000"/>
-              <a:headEnd/>
-              <a:tailEnd/>
-            </a:ln>
-          </p:spPr>
-          <p:txBody>
-            <a:bodyPr wrap="none">
-              <a:spAutoFit/>
-            </a:bodyPr>
-            <a:lstStyle/>
-            <a:p>
-              <a:r>
-                <a:rPr lang="en-US" altLang="zh-CN" sz="4400" dirty="0" smtClean="0">
-                  <a:solidFill>
-                    <a:schemeClr val="bg1"/>
-                  </a:solidFill>
-                  <a:latin typeface="微软雅黑" pitchFamily="34" charset="-122"/>
-                  <a:ea typeface="微软雅黑" pitchFamily="34" charset="-122"/>
-                </a:rPr>
-                <a:t>Handler</a:t>
-              </a:r>
-              <a:r>
-                <a:rPr lang="zh-CN" altLang="en-US" sz="4400" dirty="0" smtClean="0">
-                  <a:solidFill>
-                    <a:schemeClr val="bg1"/>
-                  </a:solidFill>
-                  <a:latin typeface="微软雅黑" pitchFamily="34" charset="-122"/>
-                  <a:ea typeface="微软雅黑" pitchFamily="34" charset="-122"/>
-                </a:rPr>
-                <a:t>类简介</a:t>
-              </a:r>
-              <a:endParaRPr lang="zh-CN" altLang="en-US" sz="4400" dirty="0">
-                <a:solidFill>
-                  <a:schemeClr val="bg1"/>
-                </a:solidFill>
-                <a:latin typeface="微软雅黑" pitchFamily="34" charset="-122"/>
-                <a:ea typeface="微软雅黑" pitchFamily="34" charset="-122"/>
-              </a:endParaRPr>
-            </a:p>
-          </p:txBody>
-        </p:sp>
-        <p:cxnSp>
-          <p:nvCxnSpPr>
-            <p:cNvPr id="44" name="直接连接符 43"/>
-            <p:cNvCxnSpPr/>
-            <p:nvPr/>
-          </p:nvCxnSpPr>
-          <p:spPr>
-            <a:xfrm>
-              <a:off x="200997" y="1344241"/>
-              <a:ext cx="2479668" cy="0"/>
-            </a:xfrm>
-            <a:prstGeom prst="line">
-              <a:avLst/>
-            </a:prstGeom>
-            <a:ln>
-              <a:solidFill>
-                <a:schemeClr val="bg1"/>
-              </a:solidFill>
-            </a:ln>
-          </p:spPr>
-          <p:style>
-            <a:lnRef idx="1">
-              <a:schemeClr val="accent1"/>
-            </a:lnRef>
-            <a:fillRef idx="0">
-              <a:schemeClr val="accent1"/>
-            </a:fillRef>
-            <a:effectRef idx="0">
-              <a:schemeClr val="accent1"/>
-            </a:effectRef>
-            <a:fontRef idx="minor">
-              <a:schemeClr val="tx1"/>
-            </a:fontRef>
-          </p:style>
-        </p:cxnSp>
-        <p:sp>
-          <p:nvSpPr>
-            <p:cNvPr id="45" name="矩形 44"/>
-            <p:cNvSpPr/>
-            <p:nvPr/>
-          </p:nvSpPr>
-          <p:spPr>
-            <a:xfrm>
-              <a:off x="2553665" y="669775"/>
-              <a:ext cx="306386" cy="1223559"/>
-            </a:xfrm>
-            <a:prstGeom prst="rect">
-              <a:avLst/>
-            </a:prstGeom>
-            <a:solidFill>
-              <a:srgbClr val="FE5A3E"/>
-            </a:solidFill>
-            <a:ln>
-              <a:noFill/>
-            </a:ln>
-          </p:spPr>
-          <p:style>
-            <a:lnRef idx="2">
-              <a:schemeClr val="accent1">
-                <a:shade val="50000"/>
-              </a:schemeClr>
-            </a:lnRef>
-            <a:fillRef idx="1">
-              <a:schemeClr val="accent1"/>
-            </a:fillRef>
-            <a:effectRef idx="0">
-              <a:schemeClr val="accent1"/>
-            </a:effectRef>
-            <a:fontRef idx="minor">
-              <a:schemeClr val="lt1"/>
-            </a:fontRef>
-          </p:style>
-          <p:txBody>
-            <a:bodyPr anchor="ctr"/>
-            <a:lstStyle/>
-            <a:p>
-              <a:pPr algn="ctr" fontAlgn="auto">
-                <a:spcBef>
-                  <a:spcPts val="0"/>
-                </a:spcBef>
-                <a:spcAft>
-                  <a:spcPts val="0"/>
-                </a:spcAft>
-                <a:defRPr/>
-              </a:pPr>
-              <a:endParaRPr lang="zh-CN" altLang="en-US"/>
-            </a:p>
-          </p:txBody>
-        </p:sp>
-        <p:sp>
-          <p:nvSpPr>
-            <p:cNvPr id="46" name="文本框 45"/>
-            <p:cNvSpPr txBox="1"/>
-            <p:nvPr/>
-          </p:nvSpPr>
-          <p:spPr>
-            <a:xfrm>
-              <a:off x="2971176" y="1412480"/>
-              <a:ext cx="5827219" cy="399978"/>
-            </a:xfrm>
-            <a:prstGeom prst="rect">
-              <a:avLst/>
-            </a:prstGeom>
-            <a:noFill/>
-          </p:spPr>
-          <p:txBody>
-            <a:bodyPr wrap="none">
-              <a:spAutoFit/>
-            </a:bodyPr>
-            <a:lstStyle/>
-            <a:p>
-              <a:pPr fontAlgn="auto">
-                <a:spcBef>
-                  <a:spcPts val="0"/>
-                </a:spcBef>
-                <a:spcAft>
-                  <a:spcPts val="0"/>
-                </a:spcAft>
-                <a:defRPr/>
-              </a:pPr>
-              <a:r>
-                <a:rPr lang="zh-CN" altLang="en-US" sz="2000" dirty="0" smtClean="0">
-                  <a:solidFill>
-                    <a:schemeClr val="bg1">
-                      <a:lumMod val="50000"/>
-                    </a:schemeClr>
-                  </a:solidFill>
-                  <a:latin typeface="微软雅黑" panose="020B0503020204020204" pitchFamily="34" charset="-122"/>
-                  <a:ea typeface="微软雅黑" panose="020B0503020204020204" pitchFamily="34" charset="-122"/>
-                </a:rPr>
-                <a:t>让新启动的线程周期性地改变界面组件的属性值。</a:t>
-              </a:r>
-              <a:endParaRPr lang="zh-CN" altLang="en-US" sz="2000" dirty="0">
-                <a:solidFill>
-                  <a:schemeClr val="bg1">
-                    <a:lumMod val="50000"/>
-                  </a:schemeClr>
-                </a:solidFill>
-                <a:latin typeface="微软雅黑" panose="020B0503020204020204" pitchFamily="34" charset="-122"/>
-                <a:ea typeface="微软雅黑" panose="020B0503020204020204" pitchFamily="34" charset="-122"/>
-              </a:endParaRPr>
-            </a:p>
-          </p:txBody>
-        </p:sp>
-      </p:grpSp>
-      <p:grpSp>
-        <p:nvGrpSpPr>
-          <p:cNvPr id="3" name="组合 2"/>
-          <p:cNvGrpSpPr/>
-          <p:nvPr/>
-        </p:nvGrpSpPr>
-        <p:grpSpPr>
-          <a:xfrm>
-            <a:off x="222809" y="2088327"/>
-            <a:ext cx="5607769" cy="2120929"/>
-            <a:chOff x="4260850" y="2709863"/>
-            <a:chExt cx="5607769" cy="2120929"/>
-          </a:xfrm>
-        </p:grpSpPr>
-        <p:grpSp>
-          <p:nvGrpSpPr>
-            <p:cNvPr id="27651" name="组合 13"/>
-            <p:cNvGrpSpPr>
-              <a:grpSpLocks/>
-            </p:cNvGrpSpPr>
-            <p:nvPr/>
-          </p:nvGrpSpPr>
-          <p:grpSpPr bwMode="auto">
-            <a:xfrm>
-              <a:off x="4260850" y="2709863"/>
-              <a:ext cx="5607769" cy="2120929"/>
-              <a:chOff x="4261540" y="2426201"/>
-              <a:chExt cx="5607177" cy="2121386"/>
-            </a:xfrm>
-          </p:grpSpPr>
-          <p:sp>
-            <p:nvSpPr>
-              <p:cNvPr id="40" name="矩形 39"/>
-              <p:cNvSpPr/>
-              <p:nvPr/>
-            </p:nvSpPr>
-            <p:spPr>
-              <a:xfrm>
-                <a:off x="4686945" y="3221710"/>
-                <a:ext cx="5181772" cy="1325877"/>
-              </a:xfrm>
-              <a:prstGeom prst="rect">
-                <a:avLst/>
-              </a:prstGeom>
-              <a:solidFill>
-                <a:srgbClr val="FE5A3E"/>
-              </a:solidFill>
-              <a:ln>
-                <a:noFill/>
-              </a:ln>
-            </p:spPr>
-            <p:style>
-              <a:lnRef idx="2">
-                <a:schemeClr val="accent1">
-                  <a:shade val="50000"/>
-                </a:schemeClr>
-              </a:lnRef>
-              <a:fillRef idx="1">
-                <a:schemeClr val="accent1"/>
-              </a:fillRef>
-              <a:effectRef idx="0">
-                <a:schemeClr val="accent1"/>
-              </a:effectRef>
-              <a:fontRef idx="minor">
-                <a:schemeClr val="lt1"/>
-              </a:fontRef>
-            </p:style>
-            <p:txBody>
-              <a:bodyPr anchor="ctr"/>
-              <a:lstStyle/>
-              <a:p>
-                <a:pPr algn="ctr" fontAlgn="auto">
-                  <a:spcBef>
-                    <a:spcPts val="0"/>
-                  </a:spcBef>
-                  <a:spcAft>
-                    <a:spcPts val="0"/>
-                  </a:spcAft>
-                  <a:defRPr/>
-                </a:pPr>
-                <a:endParaRPr lang="zh-CN" altLang="en-US"/>
-              </a:p>
-            </p:txBody>
-          </p:sp>
-          <p:sp>
-            <p:nvSpPr>
-              <p:cNvPr id="39" name="任意多边形 38"/>
-              <p:cNvSpPr/>
-              <p:nvPr/>
-            </p:nvSpPr>
-            <p:spPr>
-              <a:xfrm>
-                <a:off x="4261540" y="2426201"/>
-                <a:ext cx="619060" cy="678008"/>
-              </a:xfrm>
-              <a:custGeom>
-                <a:avLst/>
-                <a:gdLst>
-                  <a:gd name="connsiteX0" fmla="*/ 464278 w 844464"/>
-                  <a:gd name="connsiteY0" fmla="*/ 0 h 924641"/>
-                  <a:gd name="connsiteX1" fmla="*/ 792572 w 844464"/>
-                  <a:gd name="connsiteY1" fmla="*/ 135984 h 924641"/>
-                  <a:gd name="connsiteX2" fmla="*/ 844464 w 844464"/>
-                  <a:gd name="connsiteY2" fmla="*/ 198877 h 924641"/>
-                  <a:gd name="connsiteX3" fmla="*/ 425444 w 844464"/>
-                  <a:gd name="connsiteY3" fmla="*/ 924641 h 924641"/>
-                  <a:gd name="connsiteX4" fmla="*/ 370710 w 844464"/>
-                  <a:gd name="connsiteY4" fmla="*/ 919124 h 924641"/>
-                  <a:gd name="connsiteX5" fmla="*/ 0 w 844464"/>
-                  <a:gd name="connsiteY5" fmla="*/ 464278 h 924641"/>
-                  <a:gd name="connsiteX6" fmla="*/ 464278 w 844464"/>
-                  <a:gd name="connsiteY6" fmla="*/ 0 h 924641"/>
-                </a:gdLst>
-                <a:ahLst/>
-                <a:cxnLst>
-                  <a:cxn ang="0">
-                    <a:pos x="connsiteX0" y="connsiteY0"/>
-                  </a:cxn>
-                  <a:cxn ang="0">
-                    <a:pos x="connsiteX1" y="connsiteY1"/>
-                  </a:cxn>
-                  <a:cxn ang="0">
-                    <a:pos x="connsiteX2" y="connsiteY2"/>
-                  </a:cxn>
-                  <a:cxn ang="0">
-                    <a:pos x="connsiteX3" y="connsiteY3"/>
-                  </a:cxn>
-                  <a:cxn ang="0">
-                    <a:pos x="connsiteX4" y="connsiteY4"/>
-                  </a:cxn>
-                  <a:cxn ang="0">
-                    <a:pos x="connsiteX5" y="connsiteY5"/>
-                  </a:cxn>
-                  <a:cxn ang="0">
-                    <a:pos x="connsiteX6" y="connsiteY6"/>
-                  </a:cxn>
-                </a:cxnLst>
-                <a:rect l="l" t="t" r="r" b="b"/>
-                <a:pathLst>
-                  <a:path w="844464" h="924641">
-                    <a:moveTo>
-                      <a:pt x="464278" y="0"/>
-                    </a:moveTo>
-                    <a:cubicBezTo>
-                      <a:pt x="592485" y="0"/>
-                      <a:pt x="708555" y="51966"/>
-                      <a:pt x="792572" y="135984"/>
-                    </a:cubicBezTo>
-                    <a:lnTo>
-                      <a:pt x="844464" y="198877"/>
-                    </a:lnTo>
-                    <a:lnTo>
-                      <a:pt x="425444" y="924641"/>
-                    </a:lnTo>
-                    <a:lnTo>
-                      <a:pt x="370710" y="919124"/>
-                    </a:lnTo>
-                    <a:cubicBezTo>
-                      <a:pt x="159146" y="875832"/>
-                      <a:pt x="0" y="688640"/>
-                      <a:pt x="0" y="464278"/>
-                    </a:cubicBezTo>
-                    <a:cubicBezTo>
-                      <a:pt x="0" y="207864"/>
-                      <a:pt x="207864" y="0"/>
-                      <a:pt x="464278" y="0"/>
-                    </a:cubicBezTo>
-                    <a:close/>
-                  </a:path>
-                </a:pathLst>
-              </a:custGeom>
-              <a:solidFill>
-                <a:srgbClr val="FE5A3E"/>
-              </a:solidFill>
-              <a:ln>
-                <a:noFill/>
-              </a:ln>
-            </p:spPr>
-            <p:style>
-              <a:lnRef idx="2">
-                <a:schemeClr val="accent1">
-                  <a:shade val="50000"/>
-                </a:schemeClr>
-              </a:lnRef>
-              <a:fillRef idx="1">
-                <a:schemeClr val="accent1"/>
-              </a:fillRef>
-              <a:effectRef idx="0">
-                <a:schemeClr val="accent1"/>
-              </a:effectRef>
-              <a:fontRef idx="minor">
-                <a:schemeClr val="lt1"/>
-              </a:fontRef>
-            </p:style>
-            <p:txBody>
-              <a:bodyPr anchor="ctr"/>
-              <a:lstStyle/>
-              <a:p>
-                <a:pPr algn="ctr" fontAlgn="auto">
-                  <a:spcBef>
-                    <a:spcPts val="0"/>
-                  </a:spcBef>
-                  <a:spcAft>
-                    <a:spcPts val="0"/>
-                  </a:spcAft>
-                  <a:defRPr/>
-                </a:pPr>
-                <a:endParaRPr lang="zh-CN" altLang="en-US"/>
-              </a:p>
-            </p:txBody>
-          </p:sp>
-          <p:sp>
-            <p:nvSpPr>
-              <p:cNvPr id="27681" name="文本框 15"/>
-              <p:cNvSpPr txBox="1">
-                <a:spLocks noChangeArrowheads="1"/>
-              </p:cNvSpPr>
-              <p:nvPr/>
-            </p:nvSpPr>
-            <p:spPr bwMode="auto">
-              <a:xfrm>
-                <a:off x="4316428" y="2608809"/>
-                <a:ext cx="3734924" cy="369412"/>
-              </a:xfrm>
-              <a:prstGeom prst="rect">
-                <a:avLst/>
-              </a:prstGeom>
-              <a:noFill/>
-              <a:ln w="9525">
-                <a:noFill/>
-                <a:miter lim="800000"/>
-                <a:headEnd/>
-                <a:tailEnd/>
-              </a:ln>
-            </p:spPr>
-            <p:txBody>
-              <a:bodyPr wrap="none">
-                <a:spAutoFit/>
-              </a:bodyPr>
-              <a:lstStyle/>
-              <a:p>
-                <a:r>
-                  <a:rPr lang="zh-CN" altLang="en-US" b="1" dirty="0">
-                    <a:solidFill>
-                      <a:schemeClr val="bg1"/>
-                    </a:solidFill>
-                    <a:latin typeface="Calibri" pitchFamily="34" charset="0"/>
-                    <a:ea typeface="微软雅黑" pitchFamily="34" charset="-122"/>
-                  </a:rPr>
-                  <a:t>一</a:t>
-                </a:r>
-                <a:r>
-                  <a:rPr lang="zh-CN" altLang="en-US" dirty="0">
-                    <a:solidFill>
-                      <a:schemeClr val="bg1"/>
-                    </a:solidFill>
-                    <a:latin typeface="Calibri" pitchFamily="34" charset="0"/>
-                    <a:ea typeface="微软雅黑" pitchFamily="34" charset="-122"/>
-                  </a:rPr>
-                  <a:t>     </a:t>
-                </a:r>
-                <a:r>
-                  <a:rPr lang="en-US" altLang="zh-CN" dirty="0" smtClean="0">
-                    <a:solidFill>
-                      <a:schemeClr val="bg1"/>
-                    </a:solidFill>
-                    <a:latin typeface="Calibri" pitchFamily="34" charset="0"/>
-                    <a:ea typeface="微软雅黑" pitchFamily="34" charset="-122"/>
-                  </a:rPr>
-                  <a:t>Handler</a:t>
-                </a:r>
-                <a:r>
-                  <a:rPr lang="zh-CN" altLang="en-US" dirty="0" smtClean="0">
-                    <a:solidFill>
-                      <a:schemeClr val="bg1"/>
-                    </a:solidFill>
-                    <a:latin typeface="Calibri" pitchFamily="34" charset="0"/>
-                    <a:ea typeface="微软雅黑" pitchFamily="34" charset="-122"/>
-                  </a:rPr>
-                  <a:t>类的主要功能有两个。</a:t>
-                </a:r>
-                <a:endParaRPr lang="zh-CN" altLang="en-US" dirty="0">
-                  <a:solidFill>
-                    <a:schemeClr val="bg1"/>
-                  </a:solidFill>
-                  <a:latin typeface="Calibri" pitchFamily="34" charset="0"/>
-                  <a:ea typeface="微软雅黑" pitchFamily="34" charset="-122"/>
-                </a:endParaRPr>
-              </a:p>
-            </p:txBody>
-          </p:sp>
-        </p:grpSp>
-        <p:sp>
-          <p:nvSpPr>
-            <p:cNvPr id="2" name="文本框 1"/>
-            <p:cNvSpPr txBox="1"/>
-            <p:nvPr/>
-          </p:nvSpPr>
-          <p:spPr>
-            <a:xfrm>
-              <a:off x="5003036" y="3747095"/>
-              <a:ext cx="4168715" cy="923330"/>
-            </a:xfrm>
-            <a:prstGeom prst="rect">
-              <a:avLst/>
-            </a:prstGeom>
-            <a:noFill/>
-          </p:spPr>
-          <p:txBody>
-            <a:bodyPr wrap="square" rtlCol="0">
-              <a:spAutoFit/>
-            </a:bodyPr>
-            <a:lstStyle/>
-            <a:p>
-              <a:pPr marL="285750" indent="-285750">
-                <a:buFont typeface="Wingdings" panose="05000000000000000000" pitchFamily="2" charset="2"/>
-                <a:buChar char="Ø"/>
-              </a:pPr>
-              <a:r>
-                <a:rPr lang="zh-CN" altLang="en-US" dirty="0">
-                  <a:solidFill>
-                    <a:schemeClr val="bg1"/>
-                  </a:solidFill>
-                  <a:latin typeface="Calibri" pitchFamily="34" charset="0"/>
-                  <a:ea typeface="微软雅黑" pitchFamily="34" charset="-122"/>
-                </a:rPr>
-                <a:t>在新启动的线程中发送</a:t>
-              </a:r>
-              <a:r>
-                <a:rPr lang="zh-CN" altLang="en-US" dirty="0" smtClean="0">
-                  <a:solidFill>
-                    <a:schemeClr val="bg1"/>
-                  </a:solidFill>
-                  <a:latin typeface="Calibri" pitchFamily="34" charset="0"/>
-                  <a:ea typeface="微软雅黑" pitchFamily="34" charset="-122"/>
-                </a:rPr>
-                <a:t>消息</a:t>
-              </a:r>
-              <a:endParaRPr lang="en-US" altLang="zh-CN" dirty="0" smtClean="0">
-                <a:solidFill>
-                  <a:schemeClr val="bg1"/>
-                </a:solidFill>
-                <a:latin typeface="Calibri" pitchFamily="34" charset="0"/>
-                <a:ea typeface="微软雅黑" pitchFamily="34" charset="-122"/>
-              </a:endParaRPr>
-            </a:p>
-            <a:p>
-              <a:pPr marL="285750" indent="-285750">
-                <a:buFont typeface="Wingdings" panose="05000000000000000000" pitchFamily="2" charset="2"/>
-                <a:buChar char="Ø"/>
-              </a:pPr>
-              <a:endParaRPr lang="en-US" altLang="zh-CN" dirty="0">
-                <a:solidFill>
-                  <a:schemeClr val="bg1"/>
-                </a:solidFill>
-                <a:latin typeface="Calibri" pitchFamily="34" charset="0"/>
-                <a:ea typeface="微软雅黑" pitchFamily="34" charset="-122"/>
-              </a:endParaRPr>
-            </a:p>
-            <a:p>
-              <a:pPr marL="285750" indent="-285750">
-                <a:buFont typeface="Wingdings" panose="05000000000000000000" pitchFamily="2" charset="2"/>
-                <a:buChar char="Ø"/>
-              </a:pPr>
-              <a:r>
-                <a:rPr lang="zh-CN" altLang="en-US" dirty="0">
-                  <a:solidFill>
-                    <a:schemeClr val="bg1"/>
-                  </a:solidFill>
-                  <a:latin typeface="Calibri" pitchFamily="34" charset="0"/>
-                  <a:ea typeface="微软雅黑" pitchFamily="34" charset="-122"/>
-                </a:rPr>
-                <a:t>在主线程中获取、处理消息</a:t>
-              </a:r>
-            </a:p>
-          </p:txBody>
-        </p:sp>
-      </p:grpSp>
-      <p:sp>
-        <p:nvSpPr>
-          <p:cNvPr id="4" name="文本框 3"/>
-          <p:cNvSpPr txBox="1"/>
-          <p:nvPr/>
-        </p:nvSpPr>
-        <p:spPr>
-          <a:xfrm>
-            <a:off x="8281167" y="3148792"/>
-            <a:ext cx="2170975" cy="830997"/>
-          </a:xfrm>
-          <a:prstGeom prst="rect">
-            <a:avLst/>
-          </a:prstGeom>
-          <a:noFill/>
-        </p:spPr>
-        <p:txBody>
-          <a:bodyPr wrap="square" rtlCol="0">
-            <a:spAutoFit/>
-          </a:bodyPr>
-          <a:lstStyle/>
-          <a:p>
-            <a:r>
-              <a:rPr lang="zh-CN" altLang="en-US" sz="2400" dirty="0">
-                <a:solidFill>
-                  <a:schemeClr val="bg1"/>
-                </a:solidFill>
-                <a:latin typeface="Calibri" pitchFamily="34" charset="0"/>
-                <a:ea typeface="微软雅黑" pitchFamily="34" charset="-122"/>
-              </a:rPr>
-              <a:t>何时发送消息</a:t>
-            </a:r>
-            <a:endParaRPr lang="en-US" altLang="zh-CN" sz="2400" dirty="0">
-              <a:solidFill>
-                <a:schemeClr val="bg1"/>
-              </a:solidFill>
-              <a:latin typeface="Calibri" pitchFamily="34" charset="0"/>
-              <a:ea typeface="微软雅黑" pitchFamily="34" charset="-122"/>
-            </a:endParaRPr>
-          </a:p>
-          <a:p>
-            <a:r>
-              <a:rPr lang="zh-CN" altLang="en-US" sz="2400" dirty="0">
-                <a:solidFill>
-                  <a:schemeClr val="bg1"/>
-                </a:solidFill>
-                <a:latin typeface="Calibri" pitchFamily="34" charset="0"/>
-                <a:ea typeface="微软雅黑" pitchFamily="34" charset="-122"/>
-              </a:rPr>
-              <a:t>何时处理消息</a:t>
-            </a:r>
-          </a:p>
-        </p:txBody>
-      </p:sp>
-      <p:grpSp>
-        <p:nvGrpSpPr>
-          <p:cNvPr id="5" name="组合 4"/>
-          <p:cNvGrpSpPr/>
-          <p:nvPr/>
-        </p:nvGrpSpPr>
-        <p:grpSpPr>
-          <a:xfrm>
-            <a:off x="6136585" y="4630550"/>
-            <a:ext cx="5538809" cy="1862137"/>
-            <a:chOff x="5394304" y="4310063"/>
-            <a:chExt cx="5538809" cy="1862137"/>
-          </a:xfrm>
-        </p:grpSpPr>
-        <p:cxnSp>
-          <p:nvCxnSpPr>
-            <p:cNvPr id="41" name="直接连接符 40"/>
-            <p:cNvCxnSpPr/>
-            <p:nvPr/>
-          </p:nvCxnSpPr>
-          <p:spPr>
-            <a:xfrm>
-              <a:off x="5540375" y="4310063"/>
-              <a:ext cx="4762921" cy="24029"/>
-            </a:xfrm>
-            <a:prstGeom prst="line">
-              <a:avLst/>
-            </a:prstGeom>
-            <a:ln>
-              <a:solidFill>
-                <a:schemeClr val="bg1"/>
-              </a:solidFill>
-            </a:ln>
-          </p:spPr>
-          <p:style>
-            <a:lnRef idx="1">
-              <a:schemeClr val="accent1"/>
-            </a:lnRef>
-            <a:fillRef idx="0">
-              <a:schemeClr val="accent1"/>
-            </a:fillRef>
-            <a:effectRef idx="0">
-              <a:schemeClr val="accent1"/>
-            </a:effectRef>
-            <a:fontRef idx="minor">
-              <a:schemeClr val="tx1"/>
-            </a:fontRef>
-          </p:style>
-        </p:cxnSp>
-        <p:cxnSp>
-          <p:nvCxnSpPr>
-            <p:cNvPr id="43" name="直接连接符 42"/>
-            <p:cNvCxnSpPr/>
-            <p:nvPr/>
-          </p:nvCxnSpPr>
-          <p:spPr>
-            <a:xfrm>
-              <a:off x="5540375" y="6172200"/>
-              <a:ext cx="5392738" cy="0"/>
-            </a:xfrm>
-            <a:prstGeom prst="line">
-              <a:avLst/>
-            </a:prstGeom>
-            <a:ln>
-              <a:solidFill>
-                <a:schemeClr val="bg1"/>
-              </a:solidFill>
-            </a:ln>
-          </p:spPr>
-          <p:style>
-            <a:lnRef idx="1">
-              <a:schemeClr val="accent1"/>
-            </a:lnRef>
-            <a:fillRef idx="0">
-              <a:schemeClr val="accent1"/>
-            </a:fillRef>
-            <a:effectRef idx="0">
-              <a:schemeClr val="accent1"/>
-            </a:effectRef>
-            <a:fontRef idx="minor">
-              <a:schemeClr val="tx1"/>
-            </a:fontRef>
-          </p:style>
-        </p:cxnSp>
-        <p:sp>
-          <p:nvSpPr>
-            <p:cNvPr id="47" name="矩形 46"/>
-            <p:cNvSpPr/>
-            <p:nvPr/>
-          </p:nvSpPr>
-          <p:spPr>
-            <a:xfrm>
-              <a:off x="5394304" y="4403614"/>
-              <a:ext cx="5538809" cy="1754326"/>
-            </a:xfrm>
-            <a:prstGeom prst="rect">
-              <a:avLst/>
-            </a:prstGeom>
-          </p:spPr>
-          <p:txBody>
-            <a:bodyPr wrap="square">
-              <a:spAutoFit/>
-            </a:bodyPr>
-            <a:lstStyle/>
-            <a:p>
-              <a:pPr marL="342900" indent="-342900" fontAlgn="auto">
-                <a:spcBef>
-                  <a:spcPts val="0"/>
-                </a:spcBef>
-                <a:spcAft>
-                  <a:spcPts val="0"/>
-                </a:spcAft>
-                <a:buFont typeface="Wingdings" panose="05000000000000000000" pitchFamily="2" charset="2"/>
-                <a:buChar char="Ø"/>
-                <a:defRPr/>
-              </a:pPr>
-              <a:r>
-                <a:rPr lang="zh-CN" altLang="en-US" dirty="0" smtClean="0">
-                  <a:solidFill>
-                    <a:schemeClr val="bg1"/>
-                  </a:solidFill>
-                  <a:latin typeface="+mn-lt"/>
-                  <a:ea typeface="+mn-ea"/>
-                </a:rPr>
-                <a:t>通过</a:t>
-              </a:r>
-              <a:r>
-                <a:rPr lang="zh-CN" altLang="en-US" dirty="0" smtClean="0">
-                  <a:solidFill>
-                    <a:srgbClr val="FE5A3E"/>
-                  </a:solidFill>
-                  <a:latin typeface="+mn-lt"/>
-                  <a:ea typeface="+mn-ea"/>
-                </a:rPr>
-                <a:t>回调</a:t>
-              </a:r>
-              <a:r>
-                <a:rPr lang="zh-CN" altLang="en-US" dirty="0" smtClean="0">
-                  <a:solidFill>
-                    <a:schemeClr val="bg1"/>
-                  </a:solidFill>
-                  <a:latin typeface="+mn-lt"/>
-                  <a:ea typeface="+mn-ea"/>
-                </a:rPr>
-                <a:t>的方式让主线程能“适时”地处理新启动的线程所发送的消息。</a:t>
-              </a:r>
-              <a:endParaRPr lang="en-US" altLang="zh-CN" dirty="0" smtClean="0">
-                <a:solidFill>
-                  <a:schemeClr val="bg1"/>
-                </a:solidFill>
-                <a:latin typeface="+mn-lt"/>
-                <a:ea typeface="+mn-ea"/>
-              </a:endParaRPr>
-            </a:p>
-            <a:p>
-              <a:pPr marL="342900" indent="-342900" fontAlgn="auto">
-                <a:spcBef>
-                  <a:spcPts val="0"/>
-                </a:spcBef>
-                <a:spcAft>
-                  <a:spcPts val="0"/>
-                </a:spcAft>
-                <a:buFont typeface="Wingdings" panose="05000000000000000000" pitchFamily="2" charset="2"/>
-                <a:buChar char="Ø"/>
-                <a:defRPr/>
-              </a:pPr>
-              <a:r>
-                <a:rPr lang="zh-CN" altLang="en-US" dirty="0" smtClean="0">
-                  <a:solidFill>
-                    <a:schemeClr val="bg1"/>
-                  </a:solidFill>
-                  <a:latin typeface="+mn-lt"/>
-                  <a:ea typeface="+mn-ea"/>
-                </a:rPr>
-                <a:t>重写</a:t>
-              </a:r>
-              <a:r>
-                <a:rPr lang="en-US" altLang="zh-CN" dirty="0" smtClean="0">
-                  <a:solidFill>
-                    <a:schemeClr val="bg1"/>
-                  </a:solidFill>
-                  <a:latin typeface="+mn-lt"/>
-                  <a:ea typeface="+mn-ea"/>
-                </a:rPr>
-                <a:t>Handler</a:t>
-              </a:r>
-              <a:r>
-                <a:rPr lang="zh-CN" altLang="en-US" dirty="0" smtClean="0">
-                  <a:solidFill>
-                    <a:schemeClr val="bg1"/>
-                  </a:solidFill>
-                  <a:latin typeface="+mn-lt"/>
-                  <a:ea typeface="+mn-ea"/>
-                </a:rPr>
-                <a:t>类中处理消息的方法，当新启动的线程发送消息时，消息会发送到与之关联的</a:t>
-              </a:r>
-              <a:r>
-                <a:rPr lang="en-US" altLang="zh-CN" dirty="0" err="1" smtClean="0">
-                  <a:solidFill>
-                    <a:schemeClr val="bg1"/>
-                  </a:solidFill>
-                  <a:latin typeface="+mn-lt"/>
-                  <a:ea typeface="+mn-ea"/>
-                </a:rPr>
-                <a:t>MessageQueue</a:t>
-              </a:r>
-              <a:r>
-                <a:rPr lang="zh-CN" altLang="en-US" dirty="0" smtClean="0">
-                  <a:solidFill>
-                    <a:schemeClr val="bg1"/>
-                  </a:solidFill>
-                  <a:latin typeface="+mn-lt"/>
-                  <a:ea typeface="+mn-ea"/>
-                </a:rPr>
-                <a:t>，而</a:t>
-              </a:r>
-              <a:r>
-                <a:rPr lang="en-US" altLang="zh-CN" dirty="0" smtClean="0">
-                  <a:solidFill>
-                    <a:schemeClr val="bg1"/>
-                  </a:solidFill>
-                  <a:latin typeface="+mn-lt"/>
-                  <a:ea typeface="+mn-ea"/>
-                </a:rPr>
-                <a:t>Handler</a:t>
-              </a:r>
-              <a:r>
-                <a:rPr lang="zh-CN" altLang="en-US" dirty="0" smtClean="0">
-                  <a:solidFill>
-                    <a:schemeClr val="bg1"/>
-                  </a:solidFill>
-                  <a:latin typeface="+mn-lt"/>
-                  <a:ea typeface="+mn-ea"/>
-                </a:rPr>
-                <a:t>会不断从</a:t>
-              </a:r>
-              <a:r>
-                <a:rPr lang="en-US" altLang="zh-CN" dirty="0" err="1" smtClean="0">
-                  <a:solidFill>
-                    <a:schemeClr val="bg1"/>
-                  </a:solidFill>
-                  <a:latin typeface="+mn-lt"/>
-                  <a:ea typeface="+mn-ea"/>
-                </a:rPr>
-                <a:t>MessageQueue</a:t>
-              </a:r>
-              <a:r>
-                <a:rPr lang="zh-CN" altLang="en-US" dirty="0" smtClean="0">
-                  <a:solidFill>
-                    <a:schemeClr val="bg1"/>
-                  </a:solidFill>
-                  <a:latin typeface="+mn-lt"/>
-                  <a:ea typeface="+mn-ea"/>
-                </a:rPr>
-                <a:t>中获取并处理消息。</a:t>
-              </a:r>
-              <a:endParaRPr lang="zh-CN" altLang="en-US" dirty="0">
-                <a:solidFill>
-                  <a:schemeClr val="bg1"/>
-                </a:solidFill>
-                <a:latin typeface="+mn-lt"/>
-                <a:ea typeface="+mn-ea"/>
-              </a:endParaRPr>
-            </a:p>
-          </p:txBody>
-        </p:sp>
-      </p:grpSp>
-    </p:spTree>
-    <p:extLst>
-      <p:ext uri="{BB962C8B-B14F-4D97-AF65-F5344CB8AC3E}">
-        <p14:creationId xmlns:p14="http://schemas.microsoft.com/office/powerpoint/2010/main" val="1604979837"/>
-      </p:ext>
-    </p:extLst>
-  </p:cSld>
-  <p:clrMapOvr>
-    <a:masterClrMapping/>
-  </p:clrMapOvr>
-  <p:timing>
-    <p:tnLst>
-      <p:par>
-        <p:cTn id="1" dur="indefinite" restart="never" nodeType="tmRoot"/>
-      </p:par>
-    </p:tnLst>
-  </p:timing>
-</p:sld>
-</file>
-
-<file path=ppt/slides/slide19.xml><?xml version="1.0" encoding="utf-8"?>
-<p:sld xmlns:a="http://schemas.openxmlformats.org/drawingml/2006/main" xmlns:r="http://schemas.openxmlformats.org/officeDocument/2006/relationships" xmlns:p="http://schemas.openxmlformats.org/presentationml/2006/main">
-  <p:cSld>
-    <p:spTree>
-      <p:nvGrpSpPr>
-        <p:cNvPr id="1" name=""/>
-        <p:cNvGrpSpPr/>
-        <p:nvPr/>
-      </p:nvGrpSpPr>
-      <p:grpSpPr>
-        <a:xfrm>
-          <a:off x="0" y="0"/>
-          <a:ext cx="0" cy="0"/>
-          <a:chOff x="0" y="0"/>
-          <a:chExt cx="0" cy="0"/>
-        </a:xfrm>
-      </p:grpSpPr>
-      <p:grpSp>
-        <p:nvGrpSpPr>
-          <p:cNvPr id="27652" name="组合 40"/>
-          <p:cNvGrpSpPr>
-            <a:grpSpLocks/>
-          </p:cNvGrpSpPr>
-          <p:nvPr/>
-        </p:nvGrpSpPr>
-        <p:grpSpPr bwMode="auto">
-          <a:xfrm>
-            <a:off x="-1175478" y="139274"/>
-            <a:ext cx="11781140" cy="1322388"/>
-            <a:chOff x="200997" y="571383"/>
-            <a:chExt cx="11781105" cy="1321951"/>
-          </a:xfrm>
-        </p:grpSpPr>
-        <p:sp>
-          <p:nvSpPr>
-            <p:cNvPr id="42" name="矩形 41"/>
-            <p:cNvSpPr/>
-            <p:nvPr/>
-          </p:nvSpPr>
-          <p:spPr>
-            <a:xfrm>
-              <a:off x="2553665" y="1341067"/>
-              <a:ext cx="9066185" cy="552267"/>
-            </a:xfrm>
-            <a:prstGeom prst="rect">
-              <a:avLst/>
-            </a:prstGeom>
-            <a:solidFill>
-              <a:schemeClr val="bg1">
-                <a:alpha val="40000"/>
-              </a:schemeClr>
-            </a:solidFill>
-            <a:ln>
-              <a:noFill/>
-            </a:ln>
-          </p:spPr>
-          <p:style>
-            <a:lnRef idx="2">
-              <a:schemeClr val="accent1">
-                <a:shade val="50000"/>
-              </a:schemeClr>
-            </a:lnRef>
-            <a:fillRef idx="1">
-              <a:schemeClr val="accent1"/>
-            </a:fillRef>
-            <a:effectRef idx="0">
-              <a:schemeClr val="accent1"/>
-            </a:effectRef>
-            <a:fontRef idx="minor">
-              <a:schemeClr val="lt1"/>
-            </a:fontRef>
-          </p:style>
-          <p:txBody>
-            <a:bodyPr anchor="ctr"/>
-            <a:lstStyle/>
-            <a:p>
-              <a:pPr algn="ctr" fontAlgn="auto">
-                <a:spcBef>
-                  <a:spcPts val="0"/>
-                </a:spcBef>
-                <a:spcAft>
-                  <a:spcPts val="0"/>
-                </a:spcAft>
-                <a:defRPr/>
-              </a:pPr>
-              <a:endParaRPr lang="zh-CN" altLang="en-US"/>
-            </a:p>
-          </p:txBody>
-        </p:sp>
-        <p:sp>
-          <p:nvSpPr>
-            <p:cNvPr id="27654" name="文本框 42"/>
-            <p:cNvSpPr txBox="1">
-              <a:spLocks noChangeArrowheads="1"/>
-            </p:cNvSpPr>
-            <p:nvPr/>
-          </p:nvSpPr>
-          <p:spPr bwMode="auto">
-            <a:xfrm>
-              <a:off x="2971329" y="571383"/>
-              <a:ext cx="9010773" cy="769187"/>
-            </a:xfrm>
-            <a:prstGeom prst="rect">
-              <a:avLst/>
-            </a:prstGeom>
-            <a:noFill/>
-            <a:ln w="9525">
-              <a:noFill/>
-              <a:miter lim="800000"/>
-              <a:headEnd/>
-              <a:tailEnd/>
-            </a:ln>
-          </p:spPr>
-          <p:txBody>
-            <a:bodyPr wrap="none">
-              <a:spAutoFit/>
-            </a:bodyPr>
-            <a:lstStyle/>
-            <a:p>
-              <a:r>
-                <a:rPr lang="en-US" altLang="zh-CN" sz="4400" dirty="0" smtClean="0">
-                  <a:solidFill>
-                    <a:schemeClr val="bg1"/>
-                  </a:solidFill>
-                  <a:latin typeface="微软雅黑" pitchFamily="34" charset="-122"/>
-                  <a:ea typeface="微软雅黑" pitchFamily="34" charset="-122"/>
-                </a:rPr>
-                <a:t>Handler</a:t>
-              </a:r>
-              <a:r>
-                <a:rPr lang="zh-CN" altLang="en-US" sz="4400" dirty="0" smtClean="0">
-                  <a:solidFill>
-                    <a:schemeClr val="bg1"/>
-                  </a:solidFill>
-                  <a:latin typeface="微软雅黑" pitchFamily="34" charset="-122"/>
-                  <a:ea typeface="微软雅黑" pitchFamily="34" charset="-122"/>
-                </a:rPr>
-                <a:t>、</a:t>
-              </a:r>
-              <a:r>
-                <a:rPr lang="en-US" altLang="zh-CN" sz="4400" dirty="0" smtClean="0">
-                  <a:solidFill>
-                    <a:schemeClr val="bg1"/>
-                  </a:solidFill>
-                  <a:latin typeface="微软雅黑" pitchFamily="34" charset="-122"/>
-                  <a:ea typeface="微软雅黑" pitchFamily="34" charset="-122"/>
-                </a:rPr>
-                <a:t>Loop</a:t>
-              </a:r>
-              <a:r>
-                <a:rPr lang="zh-CN" altLang="en-US" sz="4400" dirty="0" smtClean="0">
-                  <a:solidFill>
-                    <a:schemeClr val="bg1"/>
-                  </a:solidFill>
-                  <a:latin typeface="微软雅黑" pitchFamily="34" charset="-122"/>
-                  <a:ea typeface="微软雅黑" pitchFamily="34" charset="-122"/>
-                </a:rPr>
-                <a:t>、</a:t>
-              </a:r>
-              <a:r>
-                <a:rPr lang="en-US" altLang="zh-CN" sz="4400" dirty="0" err="1" smtClean="0">
-                  <a:solidFill>
-                    <a:schemeClr val="bg1"/>
-                  </a:solidFill>
-                  <a:latin typeface="微软雅黑" pitchFamily="34" charset="-122"/>
-                  <a:ea typeface="微软雅黑" pitchFamily="34" charset="-122"/>
-                </a:rPr>
-                <a:t>MessageQueue</a:t>
-              </a:r>
-              <a:endParaRPr lang="zh-CN" altLang="en-US" sz="4400" dirty="0">
-                <a:solidFill>
-                  <a:schemeClr val="bg1"/>
-                </a:solidFill>
-                <a:latin typeface="微软雅黑" pitchFamily="34" charset="-122"/>
-                <a:ea typeface="微软雅黑" pitchFamily="34" charset="-122"/>
-              </a:endParaRPr>
-            </a:p>
-          </p:txBody>
-        </p:sp>
-        <p:cxnSp>
-          <p:nvCxnSpPr>
-            <p:cNvPr id="44" name="直接连接符 43"/>
-            <p:cNvCxnSpPr/>
-            <p:nvPr/>
-          </p:nvCxnSpPr>
-          <p:spPr>
-            <a:xfrm>
-              <a:off x="200997" y="1344241"/>
-              <a:ext cx="2479668" cy="0"/>
-            </a:xfrm>
-            <a:prstGeom prst="line">
-              <a:avLst/>
-            </a:prstGeom>
-            <a:ln>
-              <a:solidFill>
-                <a:schemeClr val="bg1"/>
-              </a:solidFill>
-            </a:ln>
-          </p:spPr>
-          <p:style>
-            <a:lnRef idx="1">
-              <a:schemeClr val="accent1"/>
-            </a:lnRef>
-            <a:fillRef idx="0">
-              <a:schemeClr val="accent1"/>
-            </a:fillRef>
-            <a:effectRef idx="0">
-              <a:schemeClr val="accent1"/>
-            </a:effectRef>
-            <a:fontRef idx="minor">
-              <a:schemeClr val="tx1"/>
-            </a:fontRef>
-          </p:style>
-        </p:cxnSp>
-        <p:sp>
-          <p:nvSpPr>
-            <p:cNvPr id="45" name="矩形 44"/>
-            <p:cNvSpPr/>
-            <p:nvPr/>
-          </p:nvSpPr>
-          <p:spPr>
-            <a:xfrm>
-              <a:off x="2553665" y="669775"/>
-              <a:ext cx="306386" cy="1223559"/>
-            </a:xfrm>
-            <a:prstGeom prst="rect">
-              <a:avLst/>
-            </a:prstGeom>
-            <a:solidFill>
-              <a:srgbClr val="FE5A3E"/>
-            </a:solidFill>
-            <a:ln>
-              <a:noFill/>
-            </a:ln>
-          </p:spPr>
-          <p:style>
-            <a:lnRef idx="2">
-              <a:schemeClr val="accent1">
-                <a:shade val="50000"/>
-              </a:schemeClr>
-            </a:lnRef>
-            <a:fillRef idx="1">
-              <a:schemeClr val="accent1"/>
-            </a:fillRef>
-            <a:effectRef idx="0">
-              <a:schemeClr val="accent1"/>
-            </a:effectRef>
-            <a:fontRef idx="minor">
-              <a:schemeClr val="lt1"/>
-            </a:fontRef>
-          </p:style>
-          <p:txBody>
-            <a:bodyPr anchor="ctr"/>
-            <a:lstStyle/>
-            <a:p>
-              <a:pPr algn="ctr" fontAlgn="auto">
-                <a:spcBef>
-                  <a:spcPts val="0"/>
-                </a:spcBef>
-                <a:spcAft>
-                  <a:spcPts val="0"/>
-                </a:spcAft>
-                <a:defRPr/>
-              </a:pPr>
-              <a:endParaRPr lang="zh-CN" altLang="en-US"/>
-            </a:p>
-          </p:txBody>
-        </p:sp>
-        <p:sp>
-          <p:nvSpPr>
-            <p:cNvPr id="46" name="文本框 45"/>
-            <p:cNvSpPr txBox="1"/>
-            <p:nvPr/>
-          </p:nvSpPr>
-          <p:spPr>
-            <a:xfrm>
-              <a:off x="2971176" y="1412480"/>
-              <a:ext cx="3467606" cy="399978"/>
-            </a:xfrm>
-            <a:prstGeom prst="rect">
-              <a:avLst/>
-            </a:prstGeom>
-            <a:noFill/>
-          </p:spPr>
-          <p:txBody>
-            <a:bodyPr wrap="none">
-              <a:spAutoFit/>
-            </a:bodyPr>
-            <a:lstStyle/>
-            <a:p>
-              <a:pPr fontAlgn="auto">
-                <a:spcBef>
-                  <a:spcPts val="0"/>
-                </a:spcBef>
-                <a:spcAft>
-                  <a:spcPts val="0"/>
-                </a:spcAft>
-                <a:defRPr/>
-              </a:pPr>
-              <a:r>
-                <a:rPr lang="zh-CN" altLang="en-US" sz="2000" dirty="0" smtClean="0">
-                  <a:solidFill>
-                    <a:schemeClr val="bg1">
-                      <a:lumMod val="50000"/>
-                    </a:schemeClr>
-                  </a:solidFill>
-                  <a:latin typeface="微软雅黑" panose="020B0503020204020204" pitchFamily="34" charset="-122"/>
-                  <a:ea typeface="微软雅黑" panose="020B0503020204020204" pitchFamily="34" charset="-122"/>
-                </a:rPr>
-                <a:t>与</a:t>
-              </a:r>
-              <a:r>
-                <a:rPr lang="en-US" altLang="zh-CN" sz="2000" dirty="0" smtClean="0">
-                  <a:solidFill>
-                    <a:schemeClr val="bg1">
-                      <a:lumMod val="50000"/>
-                    </a:schemeClr>
-                  </a:solidFill>
-                  <a:latin typeface="微软雅黑" panose="020B0503020204020204" pitchFamily="34" charset="-122"/>
-                  <a:ea typeface="微软雅黑" panose="020B0503020204020204" pitchFamily="34" charset="-122"/>
-                </a:rPr>
-                <a:t>Handler</a:t>
-              </a:r>
-              <a:r>
-                <a:rPr lang="zh-CN" altLang="en-US" sz="2000" dirty="0" smtClean="0">
-                  <a:solidFill>
-                    <a:schemeClr val="bg1">
-                      <a:lumMod val="50000"/>
-                    </a:schemeClr>
-                  </a:solidFill>
-                  <a:latin typeface="微软雅黑" panose="020B0503020204020204" pitchFamily="34" charset="-122"/>
-                  <a:ea typeface="微软雅黑" panose="020B0503020204020204" pitchFamily="34" charset="-122"/>
-                </a:rPr>
-                <a:t>一起工作的组件。</a:t>
-              </a:r>
-              <a:endParaRPr lang="zh-CN" altLang="en-US" sz="2000" dirty="0">
-                <a:solidFill>
-                  <a:schemeClr val="bg1">
-                    <a:lumMod val="50000"/>
-                  </a:schemeClr>
-                </a:solidFill>
-                <a:latin typeface="微软雅黑" panose="020B0503020204020204" pitchFamily="34" charset="-122"/>
-                <a:ea typeface="微软雅黑" panose="020B0503020204020204" pitchFamily="34" charset="-122"/>
-              </a:endParaRPr>
-            </a:p>
-          </p:txBody>
-        </p:sp>
-      </p:grpSp>
-      <p:grpSp>
-        <p:nvGrpSpPr>
-          <p:cNvPr id="3" name="组合 2"/>
-          <p:cNvGrpSpPr/>
-          <p:nvPr/>
-        </p:nvGrpSpPr>
-        <p:grpSpPr>
-          <a:xfrm>
-            <a:off x="222809" y="2088327"/>
-            <a:ext cx="7006127" cy="3846647"/>
-            <a:chOff x="4260850" y="2709863"/>
-            <a:chExt cx="7006127" cy="3846647"/>
-          </a:xfrm>
-        </p:grpSpPr>
-        <p:grpSp>
-          <p:nvGrpSpPr>
-            <p:cNvPr id="27651" name="组合 13"/>
-            <p:cNvGrpSpPr>
-              <a:grpSpLocks/>
-            </p:cNvGrpSpPr>
-            <p:nvPr/>
-          </p:nvGrpSpPr>
-          <p:grpSpPr bwMode="auto">
-            <a:xfrm>
-              <a:off x="4260850" y="2709863"/>
-              <a:ext cx="7006127" cy="3846647"/>
-              <a:chOff x="4261540" y="2426201"/>
-              <a:chExt cx="7005387" cy="3847476"/>
-            </a:xfrm>
-          </p:grpSpPr>
-          <p:sp>
-            <p:nvSpPr>
-              <p:cNvPr id="40" name="矩形 39"/>
-              <p:cNvSpPr/>
-              <p:nvPr/>
-            </p:nvSpPr>
-            <p:spPr>
-              <a:xfrm>
-                <a:off x="4686945" y="3221710"/>
-                <a:ext cx="6579982" cy="3051967"/>
-              </a:xfrm>
-              <a:prstGeom prst="rect">
-                <a:avLst/>
-              </a:prstGeom>
-              <a:solidFill>
-                <a:srgbClr val="FE5A3E"/>
-              </a:solidFill>
-              <a:ln>
-                <a:noFill/>
-              </a:ln>
-            </p:spPr>
-            <p:style>
-              <a:lnRef idx="2">
-                <a:schemeClr val="accent1">
-                  <a:shade val="50000"/>
-                </a:schemeClr>
-              </a:lnRef>
-              <a:fillRef idx="1">
-                <a:schemeClr val="accent1"/>
-              </a:fillRef>
-              <a:effectRef idx="0">
-                <a:schemeClr val="accent1"/>
-              </a:effectRef>
-              <a:fontRef idx="minor">
-                <a:schemeClr val="lt1"/>
-              </a:fontRef>
-            </p:style>
-            <p:txBody>
-              <a:bodyPr anchor="ctr"/>
-              <a:lstStyle/>
-              <a:p>
-                <a:pPr algn="ctr" fontAlgn="auto">
-                  <a:spcBef>
-                    <a:spcPts val="0"/>
-                  </a:spcBef>
-                  <a:spcAft>
-                    <a:spcPts val="0"/>
-                  </a:spcAft>
-                  <a:defRPr/>
-                </a:pPr>
-                <a:endParaRPr lang="zh-CN" altLang="en-US"/>
-              </a:p>
-            </p:txBody>
-          </p:sp>
-          <p:sp>
-            <p:nvSpPr>
-              <p:cNvPr id="39" name="任意多边形 38"/>
-              <p:cNvSpPr/>
-              <p:nvPr/>
-            </p:nvSpPr>
-            <p:spPr>
-              <a:xfrm>
-                <a:off x="4261540" y="2426201"/>
-                <a:ext cx="619060" cy="678008"/>
-              </a:xfrm>
-              <a:custGeom>
-                <a:avLst/>
-                <a:gdLst>
-                  <a:gd name="connsiteX0" fmla="*/ 464278 w 844464"/>
-                  <a:gd name="connsiteY0" fmla="*/ 0 h 924641"/>
-                  <a:gd name="connsiteX1" fmla="*/ 792572 w 844464"/>
-                  <a:gd name="connsiteY1" fmla="*/ 135984 h 924641"/>
-                  <a:gd name="connsiteX2" fmla="*/ 844464 w 844464"/>
-                  <a:gd name="connsiteY2" fmla="*/ 198877 h 924641"/>
-                  <a:gd name="connsiteX3" fmla="*/ 425444 w 844464"/>
-                  <a:gd name="connsiteY3" fmla="*/ 924641 h 924641"/>
-                  <a:gd name="connsiteX4" fmla="*/ 370710 w 844464"/>
-                  <a:gd name="connsiteY4" fmla="*/ 919124 h 924641"/>
-                  <a:gd name="connsiteX5" fmla="*/ 0 w 844464"/>
-                  <a:gd name="connsiteY5" fmla="*/ 464278 h 924641"/>
-                  <a:gd name="connsiteX6" fmla="*/ 464278 w 844464"/>
-                  <a:gd name="connsiteY6" fmla="*/ 0 h 924641"/>
-                </a:gdLst>
-                <a:ahLst/>
-                <a:cxnLst>
-                  <a:cxn ang="0">
-                    <a:pos x="connsiteX0" y="connsiteY0"/>
-                  </a:cxn>
-                  <a:cxn ang="0">
-                    <a:pos x="connsiteX1" y="connsiteY1"/>
-                  </a:cxn>
-                  <a:cxn ang="0">
-                    <a:pos x="connsiteX2" y="connsiteY2"/>
-                  </a:cxn>
-                  <a:cxn ang="0">
-                    <a:pos x="connsiteX3" y="connsiteY3"/>
-                  </a:cxn>
-                  <a:cxn ang="0">
-                    <a:pos x="connsiteX4" y="connsiteY4"/>
-                  </a:cxn>
-                  <a:cxn ang="0">
-                    <a:pos x="connsiteX5" y="connsiteY5"/>
-                  </a:cxn>
-                  <a:cxn ang="0">
-                    <a:pos x="connsiteX6" y="connsiteY6"/>
-                  </a:cxn>
-                </a:cxnLst>
-                <a:rect l="l" t="t" r="r" b="b"/>
-                <a:pathLst>
-                  <a:path w="844464" h="924641">
-                    <a:moveTo>
-                      <a:pt x="464278" y="0"/>
-                    </a:moveTo>
-                    <a:cubicBezTo>
-                      <a:pt x="592485" y="0"/>
-                      <a:pt x="708555" y="51966"/>
-                      <a:pt x="792572" y="135984"/>
-                    </a:cubicBezTo>
-                    <a:lnTo>
-                      <a:pt x="844464" y="198877"/>
-                    </a:lnTo>
-                    <a:lnTo>
-                      <a:pt x="425444" y="924641"/>
-                    </a:lnTo>
-                    <a:lnTo>
-                      <a:pt x="370710" y="919124"/>
-                    </a:lnTo>
-                    <a:cubicBezTo>
-                      <a:pt x="159146" y="875832"/>
-                      <a:pt x="0" y="688640"/>
-                      <a:pt x="0" y="464278"/>
-                    </a:cubicBezTo>
-                    <a:cubicBezTo>
-                      <a:pt x="0" y="207864"/>
-                      <a:pt x="207864" y="0"/>
-                      <a:pt x="464278" y="0"/>
-                    </a:cubicBezTo>
-                    <a:close/>
-                  </a:path>
-                </a:pathLst>
-              </a:custGeom>
-              <a:solidFill>
-                <a:srgbClr val="FE5A3E"/>
-              </a:solidFill>
-              <a:ln>
-                <a:noFill/>
-              </a:ln>
-            </p:spPr>
-            <p:style>
-              <a:lnRef idx="2">
-                <a:schemeClr val="accent1">
-                  <a:shade val="50000"/>
-                </a:schemeClr>
-              </a:lnRef>
-              <a:fillRef idx="1">
-                <a:schemeClr val="accent1"/>
-              </a:fillRef>
-              <a:effectRef idx="0">
-                <a:schemeClr val="accent1"/>
-              </a:effectRef>
-              <a:fontRef idx="minor">
-                <a:schemeClr val="lt1"/>
-              </a:fontRef>
-            </p:style>
-            <p:txBody>
-              <a:bodyPr anchor="ctr"/>
-              <a:lstStyle/>
-              <a:p>
-                <a:pPr algn="ctr" fontAlgn="auto">
-                  <a:spcBef>
-                    <a:spcPts val="0"/>
-                  </a:spcBef>
-                  <a:spcAft>
-                    <a:spcPts val="0"/>
-                  </a:spcAft>
-                  <a:defRPr/>
-                </a:pPr>
-                <a:endParaRPr lang="zh-CN" altLang="en-US"/>
-              </a:p>
-            </p:txBody>
-          </p:sp>
-          <p:sp>
-            <p:nvSpPr>
-              <p:cNvPr id="27681" name="文本框 15"/>
-              <p:cNvSpPr txBox="1">
-                <a:spLocks noChangeArrowheads="1"/>
-              </p:cNvSpPr>
-              <p:nvPr/>
-            </p:nvSpPr>
-            <p:spPr bwMode="auto">
-              <a:xfrm>
-                <a:off x="4316428" y="2608809"/>
-                <a:ext cx="5334231" cy="369412"/>
-              </a:xfrm>
-              <a:prstGeom prst="rect">
-                <a:avLst/>
-              </a:prstGeom>
-              <a:noFill/>
-              <a:ln w="9525">
-                <a:noFill/>
-                <a:miter lim="800000"/>
-                <a:headEnd/>
-                <a:tailEnd/>
-              </a:ln>
-            </p:spPr>
-            <p:txBody>
-              <a:bodyPr wrap="none">
-                <a:spAutoFit/>
-              </a:bodyPr>
-              <a:lstStyle/>
-              <a:p>
-                <a:r>
-                  <a:rPr lang="zh-CN" altLang="en-US" dirty="0" smtClean="0">
-                    <a:solidFill>
-                      <a:schemeClr val="bg1"/>
-                    </a:solidFill>
-                    <a:latin typeface="Calibri" pitchFamily="34" charset="0"/>
-                    <a:ea typeface="微软雅黑" pitchFamily="34" charset="-122"/>
-                  </a:rPr>
-                  <a:t>二    </a:t>
-                </a:r>
-                <a:r>
-                  <a:rPr lang="en-US" altLang="zh-CN" dirty="0" smtClean="0">
-                    <a:solidFill>
-                      <a:schemeClr val="bg1"/>
-                    </a:solidFill>
-                    <a:latin typeface="Calibri" pitchFamily="34" charset="0"/>
-                    <a:ea typeface="微软雅黑" pitchFamily="34" charset="-122"/>
-                  </a:rPr>
-                  <a:t>Handler</a:t>
-                </a:r>
-                <a:r>
-                  <a:rPr lang="zh-CN" altLang="en-US" dirty="0" smtClean="0">
-                    <a:solidFill>
-                      <a:schemeClr val="bg1"/>
-                    </a:solidFill>
-                    <a:latin typeface="Calibri" pitchFamily="34" charset="0"/>
-                    <a:ea typeface="微软雅黑" pitchFamily="34" charset="-122"/>
-                  </a:rPr>
-                  <a:t>、</a:t>
-                </a:r>
-                <a:r>
-                  <a:rPr lang="en-US" altLang="zh-CN" dirty="0" err="1" smtClean="0">
-                    <a:solidFill>
-                      <a:schemeClr val="bg1"/>
-                    </a:solidFill>
-                    <a:latin typeface="Calibri" pitchFamily="34" charset="0"/>
-                    <a:ea typeface="微软雅黑" pitchFamily="34" charset="-122"/>
-                  </a:rPr>
-                  <a:t>Looper</a:t>
-                </a:r>
-                <a:r>
-                  <a:rPr lang="zh-CN" altLang="en-US" dirty="0" smtClean="0">
-                    <a:solidFill>
-                      <a:schemeClr val="bg1"/>
-                    </a:solidFill>
-                    <a:latin typeface="Calibri" pitchFamily="34" charset="0"/>
-                    <a:ea typeface="微软雅黑" pitchFamily="34" charset="-122"/>
-                  </a:rPr>
-                  <a:t>、</a:t>
-                </a:r>
-                <a:r>
-                  <a:rPr lang="en-US" altLang="zh-CN" dirty="0" err="1" smtClean="0">
-                    <a:solidFill>
-                      <a:schemeClr val="bg1"/>
-                    </a:solidFill>
-                    <a:latin typeface="Calibri" pitchFamily="34" charset="0"/>
-                    <a:ea typeface="微软雅黑" pitchFamily="34" charset="-122"/>
-                  </a:rPr>
-                  <a:t>MessageQueue</a:t>
-                </a:r>
-                <a:r>
-                  <a:rPr lang="zh-CN" altLang="en-US" dirty="0" smtClean="0">
-                    <a:solidFill>
-                      <a:schemeClr val="bg1"/>
-                    </a:solidFill>
-                    <a:latin typeface="Calibri" pitchFamily="34" charset="0"/>
-                    <a:ea typeface="微软雅黑" pitchFamily="34" charset="-122"/>
-                  </a:rPr>
-                  <a:t>各自的作用。</a:t>
-                </a:r>
-                <a:endParaRPr lang="zh-CN" altLang="en-US" dirty="0">
-                  <a:solidFill>
-                    <a:schemeClr val="bg1"/>
-                  </a:solidFill>
-                  <a:latin typeface="Calibri" pitchFamily="34" charset="0"/>
-                  <a:ea typeface="微软雅黑" pitchFamily="34" charset="-122"/>
-                </a:endParaRPr>
-              </a:p>
-            </p:txBody>
-          </p:sp>
-        </p:grpSp>
-        <p:sp>
-          <p:nvSpPr>
-            <p:cNvPr id="2" name="文本框 1"/>
-            <p:cNvSpPr txBox="1"/>
-            <p:nvPr/>
-          </p:nvSpPr>
-          <p:spPr>
-            <a:xfrm>
-              <a:off x="5003036" y="3747095"/>
-              <a:ext cx="5901631" cy="2585323"/>
-            </a:xfrm>
-            <a:prstGeom prst="rect">
-              <a:avLst/>
-            </a:prstGeom>
-            <a:noFill/>
-          </p:spPr>
-          <p:txBody>
-            <a:bodyPr wrap="square" rtlCol="0">
-              <a:spAutoFit/>
-            </a:bodyPr>
-            <a:lstStyle/>
-            <a:p>
-              <a:pPr marL="285750" indent="-285750">
-                <a:buFont typeface="Wingdings" panose="05000000000000000000" pitchFamily="2" charset="2"/>
-                <a:buChar char="Ø"/>
-              </a:pPr>
-              <a:r>
-                <a:rPr lang="en-US" altLang="zh-CN" dirty="0" err="1" smtClean="0">
-                  <a:solidFill>
-                    <a:schemeClr val="bg1"/>
-                  </a:solidFill>
-                  <a:latin typeface="Calibri" pitchFamily="34" charset="0"/>
-                  <a:ea typeface="微软雅黑" pitchFamily="34" charset="-122"/>
-                </a:rPr>
-                <a:t>Looper</a:t>
-              </a:r>
-              <a:r>
-                <a:rPr lang="zh-CN" altLang="en-US" dirty="0" smtClean="0">
-                  <a:solidFill>
-                    <a:schemeClr val="bg1"/>
-                  </a:solidFill>
-                  <a:latin typeface="Calibri" pitchFamily="34" charset="0"/>
-                  <a:ea typeface="微软雅黑" pitchFamily="34" charset="-122"/>
-                </a:rPr>
-                <a:t>：每个线程中只有一个</a:t>
-              </a:r>
-              <a:r>
-                <a:rPr lang="en-US" altLang="zh-CN" dirty="0" err="1" smtClean="0">
-                  <a:solidFill>
-                    <a:schemeClr val="bg1"/>
-                  </a:solidFill>
-                  <a:latin typeface="Calibri" pitchFamily="34" charset="0"/>
-                  <a:ea typeface="微软雅黑" pitchFamily="34" charset="-122"/>
-                </a:rPr>
-                <a:t>Looper</a:t>
-              </a:r>
-              <a:r>
-                <a:rPr lang="zh-CN" altLang="en-US" dirty="0" smtClean="0">
-                  <a:solidFill>
-                    <a:schemeClr val="bg1"/>
-                  </a:solidFill>
-                  <a:latin typeface="Calibri" pitchFamily="34" charset="0"/>
-                  <a:ea typeface="微软雅黑" pitchFamily="34" charset="-122"/>
-                </a:rPr>
-                <a:t>，它负责管理</a:t>
-              </a:r>
-              <a:r>
-                <a:rPr lang="en-US" altLang="zh-CN" dirty="0" err="1" smtClean="0">
-                  <a:solidFill>
-                    <a:schemeClr val="bg1"/>
-                  </a:solidFill>
-                  <a:latin typeface="Calibri" pitchFamily="34" charset="0"/>
-                  <a:ea typeface="微软雅黑" pitchFamily="34" charset="-122"/>
-                </a:rPr>
-                <a:t>MessageQueue</a:t>
-              </a:r>
-              <a:r>
-                <a:rPr lang="zh-CN" altLang="en-US" dirty="0" smtClean="0">
-                  <a:solidFill>
-                    <a:schemeClr val="bg1"/>
-                  </a:solidFill>
-                  <a:latin typeface="Calibri" pitchFamily="34" charset="0"/>
-                  <a:ea typeface="微软雅黑" pitchFamily="34" charset="-122"/>
-                </a:rPr>
-                <a:t>，会不断地从</a:t>
-              </a:r>
-              <a:r>
-                <a:rPr lang="en-US" altLang="zh-CN" dirty="0" err="1" smtClean="0">
-                  <a:solidFill>
-                    <a:schemeClr val="bg1"/>
-                  </a:solidFill>
-                  <a:latin typeface="Calibri" pitchFamily="34" charset="0"/>
-                  <a:ea typeface="微软雅黑" pitchFamily="34" charset="-122"/>
-                </a:rPr>
-                <a:t>MessageQueue</a:t>
-              </a:r>
-              <a:r>
-                <a:rPr lang="zh-CN" altLang="en-US" dirty="0" smtClean="0">
-                  <a:solidFill>
-                    <a:schemeClr val="bg1"/>
-                  </a:solidFill>
-                  <a:latin typeface="Calibri" pitchFamily="34" charset="0"/>
-                  <a:ea typeface="微软雅黑" pitchFamily="34" charset="-122"/>
-                </a:rPr>
-                <a:t>中取消息，并将消息分给对应的</a:t>
-              </a:r>
-              <a:r>
-                <a:rPr lang="en-US" altLang="zh-CN" dirty="0" smtClean="0">
-                  <a:solidFill>
-                    <a:schemeClr val="bg1"/>
-                  </a:solidFill>
-                  <a:latin typeface="Calibri" pitchFamily="34" charset="0"/>
-                  <a:ea typeface="微软雅黑" pitchFamily="34" charset="-122"/>
-                </a:rPr>
-                <a:t>Handler</a:t>
-              </a:r>
-              <a:r>
-                <a:rPr lang="zh-CN" altLang="en-US" dirty="0" smtClean="0">
-                  <a:solidFill>
-                    <a:schemeClr val="bg1"/>
-                  </a:solidFill>
-                  <a:latin typeface="Calibri" pitchFamily="34" charset="0"/>
-                  <a:ea typeface="微软雅黑" pitchFamily="34" charset="-122"/>
-                </a:rPr>
-                <a:t>处理。</a:t>
-              </a:r>
-              <a:endParaRPr lang="en-US" altLang="zh-CN" dirty="0" smtClean="0">
-                <a:solidFill>
-                  <a:schemeClr val="bg1"/>
-                </a:solidFill>
-                <a:latin typeface="Calibri" pitchFamily="34" charset="0"/>
-                <a:ea typeface="微软雅黑" pitchFamily="34" charset="-122"/>
-              </a:endParaRPr>
-            </a:p>
-            <a:p>
-              <a:pPr marL="285750" indent="-285750">
-                <a:buFont typeface="Wingdings" panose="05000000000000000000" pitchFamily="2" charset="2"/>
-                <a:buChar char="Ø"/>
-              </a:pPr>
-              <a:endParaRPr lang="en-US" altLang="zh-CN" dirty="0">
-                <a:solidFill>
-                  <a:schemeClr val="bg1"/>
-                </a:solidFill>
-                <a:latin typeface="Calibri" pitchFamily="34" charset="0"/>
-                <a:ea typeface="微软雅黑" pitchFamily="34" charset="-122"/>
-              </a:endParaRPr>
-            </a:p>
-            <a:p>
-              <a:pPr marL="285750" indent="-285750">
-                <a:buFont typeface="Wingdings" panose="05000000000000000000" pitchFamily="2" charset="2"/>
-                <a:buChar char="Ø"/>
-              </a:pPr>
-              <a:r>
-                <a:rPr lang="en-US" altLang="zh-CN" dirty="0" err="1" smtClean="0">
-                  <a:solidFill>
-                    <a:schemeClr val="bg1"/>
-                  </a:solidFill>
-                  <a:latin typeface="Calibri" pitchFamily="34" charset="0"/>
-                  <a:ea typeface="微软雅黑" pitchFamily="34" charset="-122"/>
-                </a:rPr>
-                <a:t>MessageQueue</a:t>
-              </a:r>
-              <a:r>
-                <a:rPr lang="zh-CN" altLang="en-US" dirty="0" smtClean="0">
-                  <a:solidFill>
-                    <a:schemeClr val="bg1"/>
-                  </a:solidFill>
-                  <a:latin typeface="Calibri" pitchFamily="34" charset="0"/>
-                  <a:ea typeface="微软雅黑" pitchFamily="34" charset="-122"/>
-                </a:rPr>
-                <a:t>：由</a:t>
-              </a:r>
-              <a:r>
-                <a:rPr lang="en-US" altLang="zh-CN" dirty="0" err="1" smtClean="0">
-                  <a:solidFill>
-                    <a:schemeClr val="bg1"/>
-                  </a:solidFill>
-                  <a:latin typeface="Calibri" pitchFamily="34" charset="0"/>
-                  <a:ea typeface="微软雅黑" pitchFamily="34" charset="-122"/>
-                </a:rPr>
-                <a:t>Looper</a:t>
-              </a:r>
-              <a:r>
-                <a:rPr lang="zh-CN" altLang="en-US" dirty="0" smtClean="0">
-                  <a:solidFill>
-                    <a:schemeClr val="bg1"/>
-                  </a:solidFill>
-                  <a:latin typeface="Calibri" pitchFamily="34" charset="0"/>
-                  <a:ea typeface="微软雅黑" pitchFamily="34" charset="-122"/>
-                </a:rPr>
-                <a:t>负责管理，它采用先进先出的方式来管理</a:t>
-              </a:r>
-              <a:r>
-                <a:rPr lang="en-US" altLang="zh-CN" dirty="0" smtClean="0">
-                  <a:solidFill>
-                    <a:schemeClr val="bg1"/>
-                  </a:solidFill>
-                  <a:latin typeface="Calibri" pitchFamily="34" charset="0"/>
-                  <a:ea typeface="微软雅黑" pitchFamily="34" charset="-122"/>
-                </a:rPr>
-                <a:t>Message</a:t>
-              </a:r>
-              <a:r>
-                <a:rPr lang="zh-CN" altLang="en-US" dirty="0" smtClean="0">
-                  <a:solidFill>
-                    <a:schemeClr val="bg1"/>
-                  </a:solidFill>
-                  <a:latin typeface="Calibri" pitchFamily="34" charset="0"/>
-                  <a:ea typeface="微软雅黑" pitchFamily="34" charset="-122"/>
-                </a:rPr>
-                <a:t>。</a:t>
-              </a:r>
-              <a:endParaRPr lang="en-US" altLang="zh-CN" dirty="0" smtClean="0">
-                <a:solidFill>
-                  <a:schemeClr val="bg1"/>
-                </a:solidFill>
-                <a:latin typeface="Calibri" pitchFamily="34" charset="0"/>
-                <a:ea typeface="微软雅黑" pitchFamily="34" charset="-122"/>
-              </a:endParaRPr>
-            </a:p>
-            <a:p>
-              <a:pPr marL="285750" indent="-285750">
-                <a:buFont typeface="Wingdings" panose="05000000000000000000" pitchFamily="2" charset="2"/>
-                <a:buChar char="Ø"/>
-              </a:pPr>
-              <a:endParaRPr lang="en-US" altLang="zh-CN" dirty="0">
-                <a:solidFill>
-                  <a:schemeClr val="bg1"/>
-                </a:solidFill>
-                <a:latin typeface="Calibri" pitchFamily="34" charset="0"/>
-                <a:ea typeface="微软雅黑" pitchFamily="34" charset="-122"/>
-              </a:endParaRPr>
-            </a:p>
-            <a:p>
-              <a:pPr marL="285750" indent="-285750">
-                <a:buFont typeface="Wingdings" panose="05000000000000000000" pitchFamily="2" charset="2"/>
-                <a:buChar char="Ø"/>
-              </a:pPr>
-              <a:r>
-                <a:rPr lang="en-US" altLang="zh-CN" dirty="0" smtClean="0">
-                  <a:solidFill>
-                    <a:schemeClr val="bg1"/>
-                  </a:solidFill>
-                  <a:latin typeface="Calibri" pitchFamily="34" charset="0"/>
-                  <a:ea typeface="微软雅黑" pitchFamily="34" charset="-122"/>
-                </a:rPr>
-                <a:t>Handler</a:t>
-              </a:r>
-              <a:r>
-                <a:rPr lang="zh-CN" altLang="en-US" dirty="0" smtClean="0">
-                  <a:solidFill>
-                    <a:schemeClr val="bg1"/>
-                  </a:solidFill>
-                  <a:latin typeface="Calibri" pitchFamily="34" charset="0"/>
-                  <a:ea typeface="微软雅黑" pitchFamily="34" charset="-122"/>
-                </a:rPr>
-                <a:t>：它能把消息发送给</a:t>
-              </a:r>
-              <a:r>
-                <a:rPr lang="en-US" altLang="zh-CN" dirty="0" err="1" smtClean="0">
-                  <a:solidFill>
-                    <a:schemeClr val="bg1"/>
-                  </a:solidFill>
-                  <a:latin typeface="Calibri" pitchFamily="34" charset="0"/>
-                  <a:ea typeface="微软雅黑" pitchFamily="34" charset="-122"/>
-                </a:rPr>
-                <a:t>Looper</a:t>
-              </a:r>
-              <a:r>
-                <a:rPr lang="zh-CN" altLang="en-US" dirty="0" smtClean="0">
-                  <a:solidFill>
-                    <a:schemeClr val="bg1"/>
-                  </a:solidFill>
-                  <a:latin typeface="Calibri" pitchFamily="34" charset="0"/>
-                  <a:ea typeface="微软雅黑" pitchFamily="34" charset="-122"/>
-                </a:rPr>
-                <a:t>管理的</a:t>
-              </a:r>
-              <a:r>
-                <a:rPr lang="en-US" altLang="zh-CN" dirty="0" err="1" smtClean="0">
-                  <a:solidFill>
-                    <a:schemeClr val="bg1"/>
-                  </a:solidFill>
-                  <a:latin typeface="Calibri" pitchFamily="34" charset="0"/>
-                  <a:ea typeface="微软雅黑" pitchFamily="34" charset="-122"/>
-                </a:rPr>
-                <a:t>MessageQueue</a:t>
-              </a:r>
-              <a:r>
-                <a:rPr lang="zh-CN" altLang="en-US" dirty="0" smtClean="0">
-                  <a:solidFill>
-                    <a:schemeClr val="bg1"/>
-                  </a:solidFill>
-                  <a:latin typeface="Calibri" pitchFamily="34" charset="0"/>
-                  <a:ea typeface="微软雅黑" pitchFamily="34" charset="-122"/>
-                </a:rPr>
-                <a:t>，并负责处理</a:t>
-              </a:r>
-              <a:r>
-                <a:rPr lang="en-US" altLang="zh-CN" dirty="0" err="1" smtClean="0">
-                  <a:solidFill>
-                    <a:schemeClr val="bg1"/>
-                  </a:solidFill>
-                  <a:latin typeface="Calibri" pitchFamily="34" charset="0"/>
-                  <a:ea typeface="微软雅黑" pitchFamily="34" charset="-122"/>
-                </a:rPr>
-                <a:t>Looper</a:t>
-              </a:r>
-              <a:r>
-                <a:rPr lang="zh-CN" altLang="en-US" dirty="0" smtClean="0">
-                  <a:solidFill>
-                    <a:schemeClr val="bg1"/>
-                  </a:solidFill>
-                  <a:latin typeface="Calibri" pitchFamily="34" charset="0"/>
-                  <a:ea typeface="微软雅黑" pitchFamily="34" charset="-122"/>
-                </a:rPr>
-                <a:t>分给它的消息。</a:t>
-              </a:r>
-              <a:endParaRPr lang="zh-CN" altLang="en-US" dirty="0">
-                <a:solidFill>
-                  <a:schemeClr val="bg1"/>
-                </a:solidFill>
-                <a:latin typeface="Calibri" pitchFamily="34" charset="0"/>
-                <a:ea typeface="微软雅黑" pitchFamily="34" charset="-122"/>
-              </a:endParaRPr>
-            </a:p>
-          </p:txBody>
-        </p:sp>
-      </p:grpSp>
-      <p:grpSp>
-        <p:nvGrpSpPr>
-          <p:cNvPr id="6" name="组合 5"/>
-          <p:cNvGrpSpPr/>
-          <p:nvPr/>
-        </p:nvGrpSpPr>
-        <p:grpSpPr>
-          <a:xfrm>
-            <a:off x="7859562" y="2510838"/>
-            <a:ext cx="3251260" cy="3814763"/>
-            <a:chOff x="8239125" y="1657350"/>
-            <a:chExt cx="3251260" cy="3814763"/>
-          </a:xfrm>
-        </p:grpSpPr>
-        <p:cxnSp>
-          <p:nvCxnSpPr>
-            <p:cNvPr id="23" name="直接连接符 22"/>
-            <p:cNvCxnSpPr/>
-            <p:nvPr/>
-          </p:nvCxnSpPr>
-          <p:spPr>
-            <a:xfrm>
-              <a:off x="8239125" y="1657350"/>
-              <a:ext cx="0" cy="3814763"/>
-            </a:xfrm>
-            <a:prstGeom prst="line">
-              <a:avLst/>
-            </a:prstGeom>
-            <a:ln>
-              <a:solidFill>
-                <a:schemeClr val="bg1"/>
-              </a:solidFill>
-            </a:ln>
-          </p:spPr>
-          <p:style>
-            <a:lnRef idx="1">
-              <a:schemeClr val="accent1"/>
-            </a:lnRef>
-            <a:fillRef idx="0">
-              <a:schemeClr val="accent1"/>
-            </a:fillRef>
-            <a:effectRef idx="0">
-              <a:schemeClr val="accent1"/>
-            </a:effectRef>
-            <a:fontRef idx="minor">
-              <a:schemeClr val="tx1"/>
-            </a:fontRef>
-          </p:style>
-        </p:cxnSp>
-        <p:sp>
-          <p:nvSpPr>
-            <p:cNvPr id="24" name="矩形 23"/>
-            <p:cNvSpPr/>
-            <p:nvPr/>
-          </p:nvSpPr>
-          <p:spPr>
-            <a:xfrm>
-              <a:off x="8239125" y="4919663"/>
-              <a:ext cx="3251260" cy="552450"/>
-            </a:xfrm>
-            <a:prstGeom prst="rect">
-              <a:avLst/>
-            </a:prstGeom>
-            <a:solidFill>
-              <a:srgbClr val="FE5A3E"/>
-            </a:solidFill>
-            <a:ln>
-              <a:noFill/>
-            </a:ln>
-          </p:spPr>
-          <p:style>
-            <a:lnRef idx="2">
-              <a:schemeClr val="accent1">
-                <a:shade val="50000"/>
-              </a:schemeClr>
-            </a:lnRef>
-            <a:fillRef idx="1">
-              <a:schemeClr val="accent1"/>
-            </a:fillRef>
-            <a:effectRef idx="0">
-              <a:schemeClr val="accent1"/>
-            </a:effectRef>
-            <a:fontRef idx="minor">
-              <a:schemeClr val="lt1"/>
-            </a:fontRef>
-          </p:style>
-          <p:txBody>
-            <a:bodyPr anchor="ctr"/>
-            <a:lstStyle/>
-            <a:p>
-              <a:pPr fontAlgn="auto">
-                <a:spcBef>
-                  <a:spcPts val="0"/>
-                </a:spcBef>
-                <a:spcAft>
-                  <a:spcPts val="0"/>
-                </a:spcAft>
-                <a:defRPr/>
-              </a:pPr>
-              <a:r>
-                <a:rPr lang="zh-CN" altLang="en-US" dirty="0" smtClean="0"/>
-                <a:t>案例：使用新线程计算质数</a:t>
-              </a:r>
-              <a:endParaRPr lang="zh-CN" altLang="en-US" sz="2800" b="1" dirty="0"/>
-            </a:p>
-          </p:txBody>
-        </p:sp>
-      </p:grpSp>
-      <p:pic>
-        <p:nvPicPr>
-          <p:cNvPr id="8" name="图片 7"/>
-          <p:cNvPicPr>
-            <a:picLocks noChangeAspect="1"/>
-          </p:cNvPicPr>
-          <p:nvPr/>
-        </p:nvPicPr>
-        <p:blipFill>
-          <a:blip r:embed="rId2"/>
-          <a:stretch>
-            <a:fillRect/>
-          </a:stretch>
-        </p:blipFill>
-        <p:spPr>
-          <a:xfrm>
-            <a:off x="7929902" y="1668514"/>
-            <a:ext cx="3385039" cy="4056436"/>
-          </a:xfrm>
-          <a:prstGeom prst="rect">
-            <a:avLst/>
-          </a:prstGeom>
-        </p:spPr>
-      </p:pic>
-    </p:spTree>
-    <p:extLst>
-      <p:ext uri="{BB962C8B-B14F-4D97-AF65-F5344CB8AC3E}">
-        <p14:creationId xmlns:p14="http://schemas.microsoft.com/office/powerpoint/2010/main" val="3974156350"/>
-      </p:ext>
-    </p:extLst>
-  </p:cSld>
-  <p:clrMapOvr>
-    <a:masterClrMapping/>
-  </p:clrMapOvr>
-  <p:timing>
-    <p:tnLst>
-      <p:par>
-        <p:cTn id="1" dur="indefinite" restart="never" nodeType="tmRoot"/>
-      </p:par>
-    </p:tnLst>
-  </p:timing>
-</p:sld>
-</file>
-
 <file path=ppt/slides/slide2.xml><?xml version="1.0" encoding="utf-8"?>
 <p:sld xmlns:a="http://schemas.openxmlformats.org/drawingml/2006/main" xmlns:r="http://schemas.openxmlformats.org/officeDocument/2006/relationships" xmlns:p="http://schemas.openxmlformats.org/presentationml/2006/main">
   <p:cSld>
@@ -17531,14 +16424,14 @@
           </a:ln>
           <a:extLst>
             <a:ext uri="{909E8E84-426E-40dd-AFC4-6F175D3DCCD1}">
-              <a14:hiddenFill xmlns:a14="http://schemas.microsoft.com/office/drawing/2010/main" xmlns="">
+              <a14:hiddenFill xmlns="" xmlns:a14="http://schemas.microsoft.com/office/drawing/2010/main">
                 <a:solidFill>
                   <a:srgbClr val="FFFFFF"/>
                 </a:solidFill>
               </a14:hiddenFill>
             </a:ext>
             <a:ext uri="{91240B29-F687-4f45-9708-019B960494DF}">
-              <a14:hiddenLine xmlns:a14="http://schemas.microsoft.com/office/drawing/2010/main" xmlns="" w="9525">
+              <a14:hiddenLine xmlns="" xmlns:a14="http://schemas.microsoft.com/office/drawing/2010/main" w="9525">
                 <a:solidFill>
                   <a:srgbClr val="000000"/>
                 </a:solidFill>
@@ -21826,14 +20719,14 @@
           </a:ln>
           <a:extLst>
             <a:ext uri="{909E8E84-426E-40dd-AFC4-6F175D3DCCD1}">
-              <a14:hiddenFill xmlns:a14="http://schemas.microsoft.com/office/drawing/2010/main" xmlns="">
+              <a14:hiddenFill xmlns="" xmlns:a14="http://schemas.microsoft.com/office/drawing/2010/main">
                 <a:solidFill>
                   <a:srgbClr val="FFFFFF"/>
                 </a:solidFill>
               </a14:hiddenFill>
             </a:ext>
             <a:ext uri="{91240B29-F687-4f45-9708-019B960494DF}">
-              <a14:hiddenLine xmlns:a14="http://schemas.microsoft.com/office/drawing/2010/main" xmlns="" w="9525">
+              <a14:hiddenLine xmlns="" xmlns:a14="http://schemas.microsoft.com/office/drawing/2010/main" w="9525">
                 <a:solidFill>
                   <a:srgbClr val="000000"/>
                 </a:solidFill>
@@ -22032,14 +20925,14 @@
           </a:ln>
           <a:extLst>
             <a:ext uri="{909E8E84-426E-40dd-AFC4-6F175D3DCCD1}">
-              <a14:hiddenFill xmlns:a14="http://schemas.microsoft.com/office/drawing/2010/main" xmlns="">
+              <a14:hiddenFill xmlns="" xmlns:a14="http://schemas.microsoft.com/office/drawing/2010/main">
                 <a:solidFill>
                   <a:srgbClr val="FFFFFF"/>
                 </a:solidFill>
               </a14:hiddenFill>
             </a:ext>
             <a:ext uri="{91240B29-F687-4f45-9708-019B960494DF}">
-              <a14:hiddenLine xmlns:a14="http://schemas.microsoft.com/office/drawing/2010/main" xmlns="" w="9525">
+              <a14:hiddenLine xmlns="" xmlns:a14="http://schemas.microsoft.com/office/drawing/2010/main" w="9525">
                 <a:solidFill>
                   <a:srgbClr val="000000"/>
                 </a:solidFill>
@@ -22244,14 +21137,14 @@
           </a:ln>
           <a:extLst>
             <a:ext uri="{909E8E84-426E-40dd-AFC4-6F175D3DCCD1}">
-              <a14:hiddenFill xmlns:a14="http://schemas.microsoft.com/office/drawing/2010/main" xmlns="">
+              <a14:hiddenFill xmlns="" xmlns:a14="http://schemas.microsoft.com/office/drawing/2010/main">
                 <a:solidFill>
                   <a:srgbClr val="FFFFFF"/>
                 </a:solidFill>
               </a14:hiddenFill>
             </a:ext>
             <a:ext uri="{91240B29-F687-4f45-9708-019B960494DF}">
-              <a14:hiddenLine xmlns:a14="http://schemas.microsoft.com/office/drawing/2010/main" xmlns="" w="9525">
+              <a14:hiddenLine xmlns="" xmlns:a14="http://schemas.microsoft.com/office/drawing/2010/main" w="9525">
                 <a:solidFill>
                   <a:srgbClr val="000000"/>
                 </a:solidFill>
@@ -22456,14 +21349,14 @@
           </a:ln>
           <a:extLst>
             <a:ext uri="{909E8E84-426E-40dd-AFC4-6F175D3DCCD1}">
-              <a14:hiddenFill xmlns:a14="http://schemas.microsoft.com/office/drawing/2010/main" xmlns="">
+              <a14:hiddenFill xmlns="" xmlns:a14="http://schemas.microsoft.com/office/drawing/2010/main">
                 <a:solidFill>
                   <a:srgbClr val="FFFFFF"/>
                 </a:solidFill>
               </a14:hiddenFill>
             </a:ext>
             <a:ext uri="{91240B29-F687-4f45-9708-019B960494DF}">
-              <a14:hiddenLine xmlns:a14="http://schemas.microsoft.com/office/drawing/2010/main" xmlns="" w="9525">
+              <a14:hiddenLine xmlns="" xmlns:a14="http://schemas.microsoft.com/office/drawing/2010/main" w="9525">
                 <a:solidFill>
                   <a:srgbClr val="000000"/>
                 </a:solidFill>
@@ -22669,14 +21562,14 @@
           </a:ln>
           <a:extLst>
             <a:ext uri="{909E8E84-426E-40dd-AFC4-6F175D3DCCD1}">
-              <a14:hiddenFill xmlns:a14="http://schemas.microsoft.com/office/drawing/2010/main" xmlns="">
+              <a14:hiddenFill xmlns="" xmlns:a14="http://schemas.microsoft.com/office/drawing/2010/main">
                 <a:solidFill>
                   <a:srgbClr val="FFFFFF"/>
                 </a:solidFill>
               </a14:hiddenFill>
             </a:ext>
             <a:ext uri="{91240B29-F687-4f45-9708-019B960494DF}">
-              <a14:hiddenLine xmlns:a14="http://schemas.microsoft.com/office/drawing/2010/main" xmlns="" w="9525">
+              <a14:hiddenLine xmlns="" xmlns:a14="http://schemas.microsoft.com/office/drawing/2010/main" w="9525">
                 <a:solidFill>
                   <a:srgbClr val="000000"/>
                 </a:solidFill>
@@ -22902,14 +21795,14 @@
           </a:ln>
           <a:extLst>
             <a:ext uri="{909E8E84-426E-40dd-AFC4-6F175D3DCCD1}">
-              <a14:hiddenFill xmlns:a14="http://schemas.microsoft.com/office/drawing/2010/main" xmlns="">
+              <a14:hiddenFill xmlns="" xmlns:a14="http://schemas.microsoft.com/office/drawing/2010/main">
                 <a:solidFill>
                   <a:srgbClr val="FFFFFF"/>
                 </a:solidFill>
               </a14:hiddenFill>
             </a:ext>
             <a:ext uri="{91240B29-F687-4f45-9708-019B960494DF}">
-              <a14:hiddenLine xmlns:a14="http://schemas.microsoft.com/office/drawing/2010/main" xmlns="" w="9525">
+              <a14:hiddenLine xmlns="" xmlns:a14="http://schemas.microsoft.com/office/drawing/2010/main" w="9525">
                 <a:solidFill>
                   <a:srgbClr val="000000"/>
                 </a:solidFill>
@@ -23852,6 +22745,2792 @@
           <a:chExt cx="0" cy="0"/>
         </a:xfrm>
       </p:grpSpPr>
+      <p:grpSp>
+        <p:nvGrpSpPr>
+          <p:cNvPr id="27650" name="组合 2"/>
+          <p:cNvGrpSpPr>
+            <a:grpSpLocks/>
+          </p:cNvGrpSpPr>
+          <p:nvPr/>
+        </p:nvGrpSpPr>
+        <p:grpSpPr bwMode="auto">
+          <a:xfrm rot="19703203">
+            <a:off x="9255339" y="1877721"/>
+            <a:ext cx="2673350" cy="2911475"/>
+            <a:chOff x="1241059" y="2517781"/>
+            <a:chExt cx="2672976" cy="2911264"/>
+          </a:xfrm>
+        </p:grpSpPr>
+        <p:sp>
+          <p:nvSpPr>
+            <p:cNvPr id="37" name="任意多边形 36"/>
+            <p:cNvSpPr/>
+            <p:nvPr/>
+          </p:nvSpPr>
+          <p:spPr>
+            <a:xfrm rot="16200000">
+              <a:off x="517956" y="3240884"/>
+              <a:ext cx="2911264" cy="1465058"/>
+            </a:xfrm>
+            <a:custGeom>
+              <a:avLst/>
+              <a:gdLst>
+                <a:gd name="connsiteX0" fmla="*/ 2911264 w 2911264"/>
+                <a:gd name="connsiteY0" fmla="*/ 1455632 h 1465464"/>
+                <a:gd name="connsiteX1" fmla="*/ 2910768 w 2911264"/>
+                <a:gd name="connsiteY1" fmla="*/ 1465464 h 1465464"/>
+                <a:gd name="connsiteX2" fmla="*/ 497 w 2911264"/>
+                <a:gd name="connsiteY2" fmla="*/ 1465464 h 1465464"/>
+                <a:gd name="connsiteX3" fmla="*/ 0 w 2911264"/>
+                <a:gd name="connsiteY3" fmla="*/ 1455632 h 1465464"/>
+                <a:gd name="connsiteX4" fmla="*/ 1455632 w 2911264"/>
+                <a:gd name="connsiteY4" fmla="*/ 0 h 1465464"/>
+                <a:gd name="connsiteX5" fmla="*/ 2911264 w 2911264"/>
+                <a:gd name="connsiteY5" fmla="*/ 1455632 h 1465464"/>
+              </a:gdLst>
+              <a:ahLst/>
+              <a:cxnLst>
+                <a:cxn ang="0">
+                  <a:pos x="connsiteX0" y="connsiteY0"/>
+                </a:cxn>
+                <a:cxn ang="0">
+                  <a:pos x="connsiteX1" y="connsiteY1"/>
+                </a:cxn>
+                <a:cxn ang="0">
+                  <a:pos x="connsiteX2" y="connsiteY2"/>
+                </a:cxn>
+                <a:cxn ang="0">
+                  <a:pos x="connsiteX3" y="connsiteY3"/>
+                </a:cxn>
+                <a:cxn ang="0">
+                  <a:pos x="connsiteX4" y="connsiteY4"/>
+                </a:cxn>
+                <a:cxn ang="0">
+                  <a:pos x="connsiteX5" y="connsiteY5"/>
+                </a:cxn>
+              </a:cxnLst>
+              <a:rect l="l" t="t" r="r" b="b"/>
+              <a:pathLst>
+                <a:path w="2911264" h="1465464">
+                  <a:moveTo>
+                    <a:pt x="2911264" y="1455632"/>
+                  </a:moveTo>
+                  <a:lnTo>
+                    <a:pt x="2910768" y="1465464"/>
+                  </a:lnTo>
+                  <a:lnTo>
+                    <a:pt x="497" y="1465464"/>
+                  </a:lnTo>
+                  <a:lnTo>
+                    <a:pt x="0" y="1455632"/>
+                  </a:lnTo>
+                  <a:cubicBezTo>
+                    <a:pt x="0" y="651709"/>
+                    <a:pt x="651709" y="0"/>
+                    <a:pt x="1455632" y="0"/>
+                  </a:cubicBezTo>
+                  <a:cubicBezTo>
+                    <a:pt x="2259555" y="0"/>
+                    <a:pt x="2911264" y="651709"/>
+                    <a:pt x="2911264" y="1455632"/>
+                  </a:cubicBezTo>
+                  <a:close/>
+                </a:path>
+              </a:pathLst>
+            </a:custGeom>
+            <a:solidFill>
+              <a:schemeClr val="bg1">
+                <a:alpha val="40000"/>
+              </a:schemeClr>
+            </a:solidFill>
+            <a:ln>
+              <a:noFill/>
+            </a:ln>
+          </p:spPr>
+          <p:style>
+            <a:lnRef idx="2">
+              <a:schemeClr val="accent1">
+                <a:shade val="50000"/>
+              </a:schemeClr>
+            </a:lnRef>
+            <a:fillRef idx="1">
+              <a:schemeClr val="accent1"/>
+            </a:fillRef>
+            <a:effectRef idx="0">
+              <a:schemeClr val="accent1"/>
+            </a:effectRef>
+            <a:fontRef idx="minor">
+              <a:schemeClr val="lt1"/>
+            </a:fontRef>
+          </p:style>
+          <p:txBody>
+            <a:bodyPr anchor="ctr"/>
+            <a:lstStyle/>
+            <a:p>
+              <a:pPr algn="ctr" fontAlgn="auto">
+                <a:spcBef>
+                  <a:spcPts val="0"/>
+                </a:spcBef>
+                <a:spcAft>
+                  <a:spcPts val="0"/>
+                </a:spcAft>
+                <a:defRPr/>
+              </a:pPr>
+              <a:endParaRPr lang="zh-CN" altLang="en-US"/>
+            </a:p>
+          </p:txBody>
+        </p:sp>
+        <p:sp>
+          <p:nvSpPr>
+            <p:cNvPr id="10" name="空心弧 9"/>
+            <p:cNvSpPr/>
+            <p:nvPr/>
+          </p:nvSpPr>
+          <p:spPr>
+            <a:xfrm rot="5400000">
+              <a:off x="1467164" y="2790100"/>
+              <a:ext cx="2446160" cy="2447583"/>
+            </a:xfrm>
+            <a:prstGeom prst="blockArc">
+              <a:avLst>
+                <a:gd name="adj1" fmla="val 10800000"/>
+                <a:gd name="adj2" fmla="val 22215"/>
+                <a:gd name="adj3" fmla="val 12002"/>
+              </a:avLst>
+            </a:prstGeom>
+            <a:solidFill>
+              <a:srgbClr val="FE5A3E"/>
+            </a:solidFill>
+            <a:ln>
+              <a:noFill/>
+            </a:ln>
+          </p:spPr>
+          <p:style>
+            <a:lnRef idx="2">
+              <a:schemeClr val="accent1">
+                <a:shade val="50000"/>
+              </a:schemeClr>
+            </a:lnRef>
+            <a:fillRef idx="1">
+              <a:schemeClr val="accent1"/>
+            </a:fillRef>
+            <a:effectRef idx="0">
+              <a:schemeClr val="accent1"/>
+            </a:effectRef>
+            <a:fontRef idx="minor">
+              <a:schemeClr val="lt1"/>
+            </a:fontRef>
+          </p:style>
+          <p:txBody>
+            <a:bodyPr anchor="ctr"/>
+            <a:lstStyle/>
+            <a:p>
+              <a:pPr algn="ctr" fontAlgn="auto">
+                <a:spcBef>
+                  <a:spcPts val="0"/>
+                </a:spcBef>
+                <a:spcAft>
+                  <a:spcPts val="0"/>
+                </a:spcAft>
+                <a:defRPr/>
+              </a:pPr>
+              <a:endParaRPr lang="zh-CN" altLang="en-US">
+                <a:solidFill>
+                  <a:schemeClr val="tx1"/>
+                </a:solidFill>
+              </a:endParaRPr>
+            </a:p>
+          </p:txBody>
+        </p:sp>
+        <p:sp>
+          <p:nvSpPr>
+            <p:cNvPr id="27685" name="文本框 11"/>
+            <p:cNvSpPr txBox="1">
+              <a:spLocks noChangeArrowheads="1"/>
+            </p:cNvSpPr>
+            <p:nvPr/>
+          </p:nvSpPr>
+          <p:spPr bwMode="auto">
+            <a:xfrm>
+              <a:off x="1795748" y="3127732"/>
+              <a:ext cx="1352312" cy="1861913"/>
+            </a:xfrm>
+            <a:prstGeom prst="rect">
+              <a:avLst/>
+            </a:prstGeom>
+            <a:noFill/>
+            <a:ln w="9525">
+              <a:noFill/>
+              <a:miter lim="800000"/>
+              <a:headEnd/>
+              <a:tailEnd/>
+            </a:ln>
+          </p:spPr>
+          <p:txBody>
+            <a:bodyPr wrap="square">
+              <a:spAutoFit/>
+            </a:bodyPr>
+            <a:lstStyle/>
+            <a:p>
+              <a:r>
+                <a:rPr lang="zh-CN" altLang="en-US" sz="11500" b="1" dirty="0" smtClean="0">
+                  <a:solidFill>
+                    <a:schemeClr val="bg1"/>
+                  </a:solidFill>
+                  <a:latin typeface="Broadway"/>
+                  <a:ea typeface="微软雅黑" pitchFamily="34" charset="-122"/>
+                </a:rPr>
+                <a:t>？</a:t>
+              </a:r>
+              <a:endParaRPr lang="zh-CN" altLang="en-US" sz="11500" b="1" dirty="0">
+                <a:solidFill>
+                  <a:schemeClr val="bg1"/>
+                </a:solidFill>
+                <a:latin typeface="Broadway"/>
+                <a:ea typeface="微软雅黑" pitchFamily="34" charset="-122"/>
+              </a:endParaRPr>
+            </a:p>
+          </p:txBody>
+        </p:sp>
+      </p:grpSp>
+      <p:grpSp>
+        <p:nvGrpSpPr>
+          <p:cNvPr id="27652" name="组合 40"/>
+          <p:cNvGrpSpPr>
+            <a:grpSpLocks/>
+          </p:cNvGrpSpPr>
+          <p:nvPr/>
+        </p:nvGrpSpPr>
+        <p:grpSpPr bwMode="auto">
+          <a:xfrm>
+            <a:off x="256507" y="362711"/>
+            <a:ext cx="11418887" cy="1322388"/>
+            <a:chOff x="200997" y="571383"/>
+            <a:chExt cx="11418853" cy="1321951"/>
+          </a:xfrm>
+        </p:grpSpPr>
+        <p:sp>
+          <p:nvSpPr>
+            <p:cNvPr id="42" name="矩形 41"/>
+            <p:cNvSpPr/>
+            <p:nvPr/>
+          </p:nvSpPr>
+          <p:spPr>
+            <a:xfrm>
+              <a:off x="2553665" y="1341067"/>
+              <a:ext cx="9066185" cy="552267"/>
+            </a:xfrm>
+            <a:prstGeom prst="rect">
+              <a:avLst/>
+            </a:prstGeom>
+            <a:solidFill>
+              <a:schemeClr val="bg1">
+                <a:alpha val="40000"/>
+              </a:schemeClr>
+            </a:solidFill>
+            <a:ln>
+              <a:noFill/>
+            </a:ln>
+          </p:spPr>
+          <p:style>
+            <a:lnRef idx="2">
+              <a:schemeClr val="accent1">
+                <a:shade val="50000"/>
+              </a:schemeClr>
+            </a:lnRef>
+            <a:fillRef idx="1">
+              <a:schemeClr val="accent1"/>
+            </a:fillRef>
+            <a:effectRef idx="0">
+              <a:schemeClr val="accent1"/>
+            </a:effectRef>
+            <a:fontRef idx="minor">
+              <a:schemeClr val="lt1"/>
+            </a:fontRef>
+          </p:style>
+          <p:txBody>
+            <a:bodyPr anchor="ctr"/>
+            <a:lstStyle/>
+            <a:p>
+              <a:pPr algn="ctr" fontAlgn="auto">
+                <a:spcBef>
+                  <a:spcPts val="0"/>
+                </a:spcBef>
+                <a:spcAft>
+                  <a:spcPts val="0"/>
+                </a:spcAft>
+                <a:defRPr/>
+              </a:pPr>
+              <a:endParaRPr lang="zh-CN" altLang="en-US"/>
+            </a:p>
+          </p:txBody>
+        </p:sp>
+        <p:sp>
+          <p:nvSpPr>
+            <p:cNvPr id="27654" name="文本框 42"/>
+            <p:cNvSpPr txBox="1">
+              <a:spLocks noChangeArrowheads="1"/>
+            </p:cNvSpPr>
+            <p:nvPr/>
+          </p:nvSpPr>
+          <p:spPr bwMode="auto">
+            <a:xfrm>
+              <a:off x="2971329" y="571383"/>
+              <a:ext cx="4020640" cy="769187"/>
+            </a:xfrm>
+            <a:prstGeom prst="rect">
+              <a:avLst/>
+            </a:prstGeom>
+            <a:noFill/>
+            <a:ln w="9525">
+              <a:noFill/>
+              <a:miter lim="800000"/>
+              <a:headEnd/>
+              <a:tailEnd/>
+            </a:ln>
+          </p:spPr>
+          <p:txBody>
+            <a:bodyPr wrap="none">
+              <a:spAutoFit/>
+            </a:bodyPr>
+            <a:lstStyle/>
+            <a:p>
+              <a:r>
+                <a:rPr lang="en-US" altLang="zh-CN" sz="4400" dirty="0" smtClean="0">
+                  <a:solidFill>
+                    <a:schemeClr val="bg1"/>
+                  </a:solidFill>
+                  <a:latin typeface="微软雅黑" pitchFamily="34" charset="-122"/>
+                  <a:ea typeface="微软雅黑" pitchFamily="34" charset="-122"/>
+                </a:rPr>
+                <a:t>Handler</a:t>
+              </a:r>
+              <a:r>
+                <a:rPr lang="zh-CN" altLang="en-US" sz="4400" dirty="0" smtClean="0">
+                  <a:solidFill>
+                    <a:schemeClr val="bg1"/>
+                  </a:solidFill>
+                  <a:latin typeface="微软雅黑" pitchFamily="34" charset="-122"/>
+                  <a:ea typeface="微软雅黑" pitchFamily="34" charset="-122"/>
+                </a:rPr>
+                <a:t>类简介</a:t>
+              </a:r>
+              <a:endParaRPr lang="zh-CN" altLang="en-US" sz="4400" dirty="0">
+                <a:solidFill>
+                  <a:schemeClr val="bg1"/>
+                </a:solidFill>
+                <a:latin typeface="微软雅黑" pitchFamily="34" charset="-122"/>
+                <a:ea typeface="微软雅黑" pitchFamily="34" charset="-122"/>
+              </a:endParaRPr>
+            </a:p>
+          </p:txBody>
+        </p:sp>
+        <p:cxnSp>
+          <p:nvCxnSpPr>
+            <p:cNvPr id="44" name="直接连接符 43"/>
+            <p:cNvCxnSpPr/>
+            <p:nvPr/>
+          </p:nvCxnSpPr>
+          <p:spPr>
+            <a:xfrm>
+              <a:off x="200997" y="1344241"/>
+              <a:ext cx="2479668" cy="0"/>
+            </a:xfrm>
+            <a:prstGeom prst="line">
+              <a:avLst/>
+            </a:prstGeom>
+            <a:ln>
+              <a:solidFill>
+                <a:schemeClr val="bg1"/>
+              </a:solidFill>
+            </a:ln>
+          </p:spPr>
+          <p:style>
+            <a:lnRef idx="1">
+              <a:schemeClr val="accent1"/>
+            </a:lnRef>
+            <a:fillRef idx="0">
+              <a:schemeClr val="accent1"/>
+            </a:fillRef>
+            <a:effectRef idx="0">
+              <a:schemeClr val="accent1"/>
+            </a:effectRef>
+            <a:fontRef idx="minor">
+              <a:schemeClr val="tx1"/>
+            </a:fontRef>
+          </p:style>
+        </p:cxnSp>
+        <p:sp>
+          <p:nvSpPr>
+            <p:cNvPr id="45" name="矩形 44"/>
+            <p:cNvSpPr/>
+            <p:nvPr/>
+          </p:nvSpPr>
+          <p:spPr>
+            <a:xfrm>
+              <a:off x="2553665" y="669775"/>
+              <a:ext cx="306386" cy="1223559"/>
+            </a:xfrm>
+            <a:prstGeom prst="rect">
+              <a:avLst/>
+            </a:prstGeom>
+            <a:solidFill>
+              <a:srgbClr val="FE5A3E"/>
+            </a:solidFill>
+            <a:ln>
+              <a:noFill/>
+            </a:ln>
+          </p:spPr>
+          <p:style>
+            <a:lnRef idx="2">
+              <a:schemeClr val="accent1">
+                <a:shade val="50000"/>
+              </a:schemeClr>
+            </a:lnRef>
+            <a:fillRef idx="1">
+              <a:schemeClr val="accent1"/>
+            </a:fillRef>
+            <a:effectRef idx="0">
+              <a:schemeClr val="accent1"/>
+            </a:effectRef>
+            <a:fontRef idx="minor">
+              <a:schemeClr val="lt1"/>
+            </a:fontRef>
+          </p:style>
+          <p:txBody>
+            <a:bodyPr anchor="ctr"/>
+            <a:lstStyle/>
+            <a:p>
+              <a:pPr algn="ctr" fontAlgn="auto">
+                <a:spcBef>
+                  <a:spcPts val="0"/>
+                </a:spcBef>
+                <a:spcAft>
+                  <a:spcPts val="0"/>
+                </a:spcAft>
+                <a:defRPr/>
+              </a:pPr>
+              <a:endParaRPr lang="zh-CN" altLang="en-US"/>
+            </a:p>
+          </p:txBody>
+        </p:sp>
+        <p:sp>
+          <p:nvSpPr>
+            <p:cNvPr id="46" name="文本框 45"/>
+            <p:cNvSpPr txBox="1"/>
+            <p:nvPr/>
+          </p:nvSpPr>
+          <p:spPr>
+            <a:xfrm>
+              <a:off x="2971176" y="1412480"/>
+              <a:ext cx="5827219" cy="399978"/>
+            </a:xfrm>
+            <a:prstGeom prst="rect">
+              <a:avLst/>
+            </a:prstGeom>
+            <a:noFill/>
+          </p:spPr>
+          <p:txBody>
+            <a:bodyPr wrap="none">
+              <a:spAutoFit/>
+            </a:bodyPr>
+            <a:lstStyle/>
+            <a:p>
+              <a:pPr fontAlgn="auto">
+                <a:spcBef>
+                  <a:spcPts val="0"/>
+                </a:spcBef>
+                <a:spcAft>
+                  <a:spcPts val="0"/>
+                </a:spcAft>
+                <a:defRPr/>
+              </a:pPr>
+              <a:r>
+                <a:rPr lang="zh-CN" altLang="en-US" sz="2000" dirty="0" smtClean="0">
+                  <a:solidFill>
+                    <a:schemeClr val="bg1">
+                      <a:lumMod val="50000"/>
+                    </a:schemeClr>
+                  </a:solidFill>
+                  <a:latin typeface="微软雅黑" panose="020B0503020204020204" pitchFamily="34" charset="-122"/>
+                  <a:ea typeface="微软雅黑" panose="020B0503020204020204" pitchFamily="34" charset="-122"/>
+                </a:rPr>
+                <a:t>让新启动的线程周期性地改变界面组件的属性值。</a:t>
+              </a:r>
+              <a:endParaRPr lang="zh-CN" altLang="en-US" sz="2000" dirty="0">
+                <a:solidFill>
+                  <a:schemeClr val="bg1">
+                    <a:lumMod val="50000"/>
+                  </a:schemeClr>
+                </a:solidFill>
+                <a:latin typeface="微软雅黑" panose="020B0503020204020204" pitchFamily="34" charset="-122"/>
+                <a:ea typeface="微软雅黑" panose="020B0503020204020204" pitchFamily="34" charset="-122"/>
+              </a:endParaRPr>
+            </a:p>
+          </p:txBody>
+        </p:sp>
+      </p:grpSp>
+      <p:grpSp>
+        <p:nvGrpSpPr>
+          <p:cNvPr id="3" name="组合 2"/>
+          <p:cNvGrpSpPr/>
+          <p:nvPr/>
+        </p:nvGrpSpPr>
+        <p:grpSpPr>
+          <a:xfrm>
+            <a:off x="222809" y="2088327"/>
+            <a:ext cx="5607769" cy="2120929"/>
+            <a:chOff x="4260850" y="2709863"/>
+            <a:chExt cx="5607769" cy="2120929"/>
+          </a:xfrm>
+        </p:grpSpPr>
+        <p:grpSp>
+          <p:nvGrpSpPr>
+            <p:cNvPr id="27651" name="组合 13"/>
+            <p:cNvGrpSpPr>
+              <a:grpSpLocks/>
+            </p:cNvGrpSpPr>
+            <p:nvPr/>
+          </p:nvGrpSpPr>
+          <p:grpSpPr bwMode="auto">
+            <a:xfrm>
+              <a:off x="4260850" y="2709863"/>
+              <a:ext cx="5607769" cy="2120929"/>
+              <a:chOff x="4261540" y="2426201"/>
+              <a:chExt cx="5607177" cy="2121386"/>
+            </a:xfrm>
+          </p:grpSpPr>
+          <p:sp>
+            <p:nvSpPr>
+              <p:cNvPr id="40" name="矩形 39"/>
+              <p:cNvSpPr/>
+              <p:nvPr/>
+            </p:nvSpPr>
+            <p:spPr>
+              <a:xfrm>
+                <a:off x="4686945" y="3221710"/>
+                <a:ext cx="5181772" cy="1325877"/>
+              </a:xfrm>
+              <a:prstGeom prst="rect">
+                <a:avLst/>
+              </a:prstGeom>
+              <a:solidFill>
+                <a:srgbClr val="FE5A3E"/>
+              </a:solidFill>
+              <a:ln>
+                <a:noFill/>
+              </a:ln>
+            </p:spPr>
+            <p:style>
+              <a:lnRef idx="2">
+                <a:schemeClr val="accent1">
+                  <a:shade val="50000"/>
+                </a:schemeClr>
+              </a:lnRef>
+              <a:fillRef idx="1">
+                <a:schemeClr val="accent1"/>
+              </a:fillRef>
+              <a:effectRef idx="0">
+                <a:schemeClr val="accent1"/>
+              </a:effectRef>
+              <a:fontRef idx="minor">
+                <a:schemeClr val="lt1"/>
+              </a:fontRef>
+            </p:style>
+            <p:txBody>
+              <a:bodyPr anchor="ctr"/>
+              <a:lstStyle/>
+              <a:p>
+                <a:pPr algn="ctr" fontAlgn="auto">
+                  <a:spcBef>
+                    <a:spcPts val="0"/>
+                  </a:spcBef>
+                  <a:spcAft>
+                    <a:spcPts val="0"/>
+                  </a:spcAft>
+                  <a:defRPr/>
+                </a:pPr>
+                <a:endParaRPr lang="zh-CN" altLang="en-US"/>
+              </a:p>
+            </p:txBody>
+          </p:sp>
+          <p:sp>
+            <p:nvSpPr>
+              <p:cNvPr id="39" name="任意多边形 38"/>
+              <p:cNvSpPr/>
+              <p:nvPr/>
+            </p:nvSpPr>
+            <p:spPr>
+              <a:xfrm>
+                <a:off x="4261540" y="2426201"/>
+                <a:ext cx="619060" cy="678008"/>
+              </a:xfrm>
+              <a:custGeom>
+                <a:avLst/>
+                <a:gdLst>
+                  <a:gd name="connsiteX0" fmla="*/ 464278 w 844464"/>
+                  <a:gd name="connsiteY0" fmla="*/ 0 h 924641"/>
+                  <a:gd name="connsiteX1" fmla="*/ 792572 w 844464"/>
+                  <a:gd name="connsiteY1" fmla="*/ 135984 h 924641"/>
+                  <a:gd name="connsiteX2" fmla="*/ 844464 w 844464"/>
+                  <a:gd name="connsiteY2" fmla="*/ 198877 h 924641"/>
+                  <a:gd name="connsiteX3" fmla="*/ 425444 w 844464"/>
+                  <a:gd name="connsiteY3" fmla="*/ 924641 h 924641"/>
+                  <a:gd name="connsiteX4" fmla="*/ 370710 w 844464"/>
+                  <a:gd name="connsiteY4" fmla="*/ 919124 h 924641"/>
+                  <a:gd name="connsiteX5" fmla="*/ 0 w 844464"/>
+                  <a:gd name="connsiteY5" fmla="*/ 464278 h 924641"/>
+                  <a:gd name="connsiteX6" fmla="*/ 464278 w 844464"/>
+                  <a:gd name="connsiteY6" fmla="*/ 0 h 924641"/>
+                </a:gdLst>
+                <a:ahLst/>
+                <a:cxnLst>
+                  <a:cxn ang="0">
+                    <a:pos x="connsiteX0" y="connsiteY0"/>
+                  </a:cxn>
+                  <a:cxn ang="0">
+                    <a:pos x="connsiteX1" y="connsiteY1"/>
+                  </a:cxn>
+                  <a:cxn ang="0">
+                    <a:pos x="connsiteX2" y="connsiteY2"/>
+                  </a:cxn>
+                  <a:cxn ang="0">
+                    <a:pos x="connsiteX3" y="connsiteY3"/>
+                  </a:cxn>
+                  <a:cxn ang="0">
+                    <a:pos x="connsiteX4" y="connsiteY4"/>
+                  </a:cxn>
+                  <a:cxn ang="0">
+                    <a:pos x="connsiteX5" y="connsiteY5"/>
+                  </a:cxn>
+                  <a:cxn ang="0">
+                    <a:pos x="connsiteX6" y="connsiteY6"/>
+                  </a:cxn>
+                </a:cxnLst>
+                <a:rect l="l" t="t" r="r" b="b"/>
+                <a:pathLst>
+                  <a:path w="844464" h="924641">
+                    <a:moveTo>
+                      <a:pt x="464278" y="0"/>
+                    </a:moveTo>
+                    <a:cubicBezTo>
+                      <a:pt x="592485" y="0"/>
+                      <a:pt x="708555" y="51966"/>
+                      <a:pt x="792572" y="135984"/>
+                    </a:cubicBezTo>
+                    <a:lnTo>
+                      <a:pt x="844464" y="198877"/>
+                    </a:lnTo>
+                    <a:lnTo>
+                      <a:pt x="425444" y="924641"/>
+                    </a:lnTo>
+                    <a:lnTo>
+                      <a:pt x="370710" y="919124"/>
+                    </a:lnTo>
+                    <a:cubicBezTo>
+                      <a:pt x="159146" y="875832"/>
+                      <a:pt x="0" y="688640"/>
+                      <a:pt x="0" y="464278"/>
+                    </a:cubicBezTo>
+                    <a:cubicBezTo>
+                      <a:pt x="0" y="207864"/>
+                      <a:pt x="207864" y="0"/>
+                      <a:pt x="464278" y="0"/>
+                    </a:cubicBezTo>
+                    <a:close/>
+                  </a:path>
+                </a:pathLst>
+              </a:custGeom>
+              <a:solidFill>
+                <a:srgbClr val="FE5A3E"/>
+              </a:solidFill>
+              <a:ln>
+                <a:noFill/>
+              </a:ln>
+            </p:spPr>
+            <p:style>
+              <a:lnRef idx="2">
+                <a:schemeClr val="accent1">
+                  <a:shade val="50000"/>
+                </a:schemeClr>
+              </a:lnRef>
+              <a:fillRef idx="1">
+                <a:schemeClr val="accent1"/>
+              </a:fillRef>
+              <a:effectRef idx="0">
+                <a:schemeClr val="accent1"/>
+              </a:effectRef>
+              <a:fontRef idx="minor">
+                <a:schemeClr val="lt1"/>
+              </a:fontRef>
+            </p:style>
+            <p:txBody>
+              <a:bodyPr anchor="ctr"/>
+              <a:lstStyle/>
+              <a:p>
+                <a:pPr algn="ctr" fontAlgn="auto">
+                  <a:spcBef>
+                    <a:spcPts val="0"/>
+                  </a:spcBef>
+                  <a:spcAft>
+                    <a:spcPts val="0"/>
+                  </a:spcAft>
+                  <a:defRPr/>
+                </a:pPr>
+                <a:endParaRPr lang="zh-CN" altLang="en-US"/>
+              </a:p>
+            </p:txBody>
+          </p:sp>
+          <p:sp>
+            <p:nvSpPr>
+              <p:cNvPr id="27681" name="文本框 15"/>
+              <p:cNvSpPr txBox="1">
+                <a:spLocks noChangeArrowheads="1"/>
+              </p:cNvSpPr>
+              <p:nvPr/>
+            </p:nvSpPr>
+            <p:spPr bwMode="auto">
+              <a:xfrm>
+                <a:off x="4316428" y="2608809"/>
+                <a:ext cx="3734924" cy="369412"/>
+              </a:xfrm>
+              <a:prstGeom prst="rect">
+                <a:avLst/>
+              </a:prstGeom>
+              <a:noFill/>
+              <a:ln w="9525">
+                <a:noFill/>
+                <a:miter lim="800000"/>
+                <a:headEnd/>
+                <a:tailEnd/>
+              </a:ln>
+            </p:spPr>
+            <p:txBody>
+              <a:bodyPr wrap="none">
+                <a:spAutoFit/>
+              </a:bodyPr>
+              <a:lstStyle/>
+              <a:p>
+                <a:r>
+                  <a:rPr lang="zh-CN" altLang="en-US" b="1" dirty="0">
+                    <a:solidFill>
+                      <a:schemeClr val="bg1"/>
+                    </a:solidFill>
+                    <a:latin typeface="Calibri" pitchFamily="34" charset="0"/>
+                    <a:ea typeface="微软雅黑" pitchFamily="34" charset="-122"/>
+                  </a:rPr>
+                  <a:t>一</a:t>
+                </a:r>
+                <a:r>
+                  <a:rPr lang="zh-CN" altLang="en-US" dirty="0">
+                    <a:solidFill>
+                      <a:schemeClr val="bg1"/>
+                    </a:solidFill>
+                    <a:latin typeface="Calibri" pitchFamily="34" charset="0"/>
+                    <a:ea typeface="微软雅黑" pitchFamily="34" charset="-122"/>
+                  </a:rPr>
+                  <a:t>     </a:t>
+                </a:r>
+                <a:r>
+                  <a:rPr lang="en-US" altLang="zh-CN" dirty="0" smtClean="0">
+                    <a:solidFill>
+                      <a:schemeClr val="bg1"/>
+                    </a:solidFill>
+                    <a:latin typeface="Calibri" pitchFamily="34" charset="0"/>
+                    <a:ea typeface="微软雅黑" pitchFamily="34" charset="-122"/>
+                  </a:rPr>
+                  <a:t>Handler</a:t>
+                </a:r>
+                <a:r>
+                  <a:rPr lang="zh-CN" altLang="en-US" dirty="0" smtClean="0">
+                    <a:solidFill>
+                      <a:schemeClr val="bg1"/>
+                    </a:solidFill>
+                    <a:latin typeface="Calibri" pitchFamily="34" charset="0"/>
+                    <a:ea typeface="微软雅黑" pitchFamily="34" charset="-122"/>
+                  </a:rPr>
+                  <a:t>类的主要功能有两个。</a:t>
+                </a:r>
+                <a:endParaRPr lang="zh-CN" altLang="en-US" dirty="0">
+                  <a:solidFill>
+                    <a:schemeClr val="bg1"/>
+                  </a:solidFill>
+                  <a:latin typeface="Calibri" pitchFamily="34" charset="0"/>
+                  <a:ea typeface="微软雅黑" pitchFamily="34" charset="-122"/>
+                </a:endParaRPr>
+              </a:p>
+            </p:txBody>
+          </p:sp>
+        </p:grpSp>
+        <p:sp>
+          <p:nvSpPr>
+            <p:cNvPr id="2" name="文本框 1"/>
+            <p:cNvSpPr txBox="1"/>
+            <p:nvPr/>
+          </p:nvSpPr>
+          <p:spPr>
+            <a:xfrm>
+              <a:off x="5003036" y="3747095"/>
+              <a:ext cx="4168715" cy="923330"/>
+            </a:xfrm>
+            <a:prstGeom prst="rect">
+              <a:avLst/>
+            </a:prstGeom>
+            <a:noFill/>
+          </p:spPr>
+          <p:txBody>
+            <a:bodyPr wrap="square" rtlCol="0">
+              <a:spAutoFit/>
+            </a:bodyPr>
+            <a:lstStyle/>
+            <a:p>
+              <a:pPr marL="285750" indent="-285750">
+                <a:buFont typeface="Wingdings" panose="05000000000000000000" pitchFamily="2" charset="2"/>
+                <a:buChar char="Ø"/>
+              </a:pPr>
+              <a:r>
+                <a:rPr lang="zh-CN" altLang="en-US" dirty="0">
+                  <a:solidFill>
+                    <a:schemeClr val="bg1"/>
+                  </a:solidFill>
+                  <a:latin typeface="Calibri" pitchFamily="34" charset="0"/>
+                  <a:ea typeface="微软雅黑" pitchFamily="34" charset="-122"/>
+                </a:rPr>
+                <a:t>在新启动的线程中发送</a:t>
+              </a:r>
+              <a:r>
+                <a:rPr lang="zh-CN" altLang="en-US" dirty="0" smtClean="0">
+                  <a:solidFill>
+                    <a:schemeClr val="bg1"/>
+                  </a:solidFill>
+                  <a:latin typeface="Calibri" pitchFamily="34" charset="0"/>
+                  <a:ea typeface="微软雅黑" pitchFamily="34" charset="-122"/>
+                </a:rPr>
+                <a:t>消息</a:t>
+              </a:r>
+              <a:endParaRPr lang="en-US" altLang="zh-CN" dirty="0" smtClean="0">
+                <a:solidFill>
+                  <a:schemeClr val="bg1"/>
+                </a:solidFill>
+                <a:latin typeface="Calibri" pitchFamily="34" charset="0"/>
+                <a:ea typeface="微软雅黑" pitchFamily="34" charset="-122"/>
+              </a:endParaRPr>
+            </a:p>
+            <a:p>
+              <a:pPr marL="285750" indent="-285750">
+                <a:buFont typeface="Wingdings" panose="05000000000000000000" pitchFamily="2" charset="2"/>
+                <a:buChar char="Ø"/>
+              </a:pPr>
+              <a:endParaRPr lang="en-US" altLang="zh-CN" dirty="0">
+                <a:solidFill>
+                  <a:schemeClr val="bg1"/>
+                </a:solidFill>
+                <a:latin typeface="Calibri" pitchFamily="34" charset="0"/>
+                <a:ea typeface="微软雅黑" pitchFamily="34" charset="-122"/>
+              </a:endParaRPr>
+            </a:p>
+            <a:p>
+              <a:pPr marL="285750" indent="-285750">
+                <a:buFont typeface="Wingdings" panose="05000000000000000000" pitchFamily="2" charset="2"/>
+                <a:buChar char="Ø"/>
+              </a:pPr>
+              <a:r>
+                <a:rPr lang="zh-CN" altLang="en-US" dirty="0">
+                  <a:solidFill>
+                    <a:schemeClr val="bg1"/>
+                  </a:solidFill>
+                  <a:latin typeface="Calibri" pitchFamily="34" charset="0"/>
+                  <a:ea typeface="微软雅黑" pitchFamily="34" charset="-122"/>
+                </a:rPr>
+                <a:t>在主线程中获取、处理消息</a:t>
+              </a:r>
+            </a:p>
+          </p:txBody>
+        </p:sp>
+      </p:grpSp>
+      <p:sp>
+        <p:nvSpPr>
+          <p:cNvPr id="4" name="文本框 3"/>
+          <p:cNvSpPr txBox="1"/>
+          <p:nvPr/>
+        </p:nvSpPr>
+        <p:spPr>
+          <a:xfrm>
+            <a:off x="8281167" y="3148792"/>
+            <a:ext cx="2170975" cy="830997"/>
+          </a:xfrm>
+          <a:prstGeom prst="rect">
+            <a:avLst/>
+          </a:prstGeom>
+          <a:noFill/>
+        </p:spPr>
+        <p:txBody>
+          <a:bodyPr wrap="square" rtlCol="0">
+            <a:spAutoFit/>
+          </a:bodyPr>
+          <a:lstStyle/>
+          <a:p>
+            <a:r>
+              <a:rPr lang="zh-CN" altLang="en-US" sz="2400" dirty="0">
+                <a:solidFill>
+                  <a:schemeClr val="bg1"/>
+                </a:solidFill>
+                <a:latin typeface="Calibri" pitchFamily="34" charset="0"/>
+                <a:ea typeface="微软雅黑" pitchFamily="34" charset="-122"/>
+              </a:rPr>
+              <a:t>何时发送消息</a:t>
+            </a:r>
+            <a:endParaRPr lang="en-US" altLang="zh-CN" sz="2400" dirty="0">
+              <a:solidFill>
+                <a:schemeClr val="bg1"/>
+              </a:solidFill>
+              <a:latin typeface="Calibri" pitchFamily="34" charset="0"/>
+              <a:ea typeface="微软雅黑" pitchFamily="34" charset="-122"/>
+            </a:endParaRPr>
+          </a:p>
+          <a:p>
+            <a:r>
+              <a:rPr lang="zh-CN" altLang="en-US" sz="2400" dirty="0">
+                <a:solidFill>
+                  <a:schemeClr val="bg1"/>
+                </a:solidFill>
+                <a:latin typeface="Calibri" pitchFamily="34" charset="0"/>
+                <a:ea typeface="微软雅黑" pitchFamily="34" charset="-122"/>
+              </a:rPr>
+              <a:t>何时处理消息</a:t>
+            </a:r>
+          </a:p>
+        </p:txBody>
+      </p:sp>
+      <p:grpSp>
+        <p:nvGrpSpPr>
+          <p:cNvPr id="5" name="组合 4"/>
+          <p:cNvGrpSpPr/>
+          <p:nvPr/>
+        </p:nvGrpSpPr>
+        <p:grpSpPr>
+          <a:xfrm>
+            <a:off x="6136585" y="4630550"/>
+            <a:ext cx="5538809" cy="1862137"/>
+            <a:chOff x="5394304" y="4310063"/>
+            <a:chExt cx="5538809" cy="1862137"/>
+          </a:xfrm>
+        </p:grpSpPr>
+        <p:cxnSp>
+          <p:nvCxnSpPr>
+            <p:cNvPr id="41" name="直接连接符 40"/>
+            <p:cNvCxnSpPr/>
+            <p:nvPr/>
+          </p:nvCxnSpPr>
+          <p:spPr>
+            <a:xfrm>
+              <a:off x="5540375" y="4310063"/>
+              <a:ext cx="4762921" cy="24029"/>
+            </a:xfrm>
+            <a:prstGeom prst="line">
+              <a:avLst/>
+            </a:prstGeom>
+            <a:ln>
+              <a:solidFill>
+                <a:schemeClr val="bg1"/>
+              </a:solidFill>
+            </a:ln>
+          </p:spPr>
+          <p:style>
+            <a:lnRef idx="1">
+              <a:schemeClr val="accent1"/>
+            </a:lnRef>
+            <a:fillRef idx="0">
+              <a:schemeClr val="accent1"/>
+            </a:fillRef>
+            <a:effectRef idx="0">
+              <a:schemeClr val="accent1"/>
+            </a:effectRef>
+            <a:fontRef idx="minor">
+              <a:schemeClr val="tx1"/>
+            </a:fontRef>
+          </p:style>
+        </p:cxnSp>
+        <p:cxnSp>
+          <p:nvCxnSpPr>
+            <p:cNvPr id="43" name="直接连接符 42"/>
+            <p:cNvCxnSpPr/>
+            <p:nvPr/>
+          </p:nvCxnSpPr>
+          <p:spPr>
+            <a:xfrm>
+              <a:off x="5540375" y="6172200"/>
+              <a:ext cx="5392738" cy="0"/>
+            </a:xfrm>
+            <a:prstGeom prst="line">
+              <a:avLst/>
+            </a:prstGeom>
+            <a:ln>
+              <a:solidFill>
+                <a:schemeClr val="bg1"/>
+              </a:solidFill>
+            </a:ln>
+          </p:spPr>
+          <p:style>
+            <a:lnRef idx="1">
+              <a:schemeClr val="accent1"/>
+            </a:lnRef>
+            <a:fillRef idx="0">
+              <a:schemeClr val="accent1"/>
+            </a:fillRef>
+            <a:effectRef idx="0">
+              <a:schemeClr val="accent1"/>
+            </a:effectRef>
+            <a:fontRef idx="minor">
+              <a:schemeClr val="tx1"/>
+            </a:fontRef>
+          </p:style>
+        </p:cxnSp>
+        <p:sp>
+          <p:nvSpPr>
+            <p:cNvPr id="47" name="矩形 46"/>
+            <p:cNvSpPr/>
+            <p:nvPr/>
+          </p:nvSpPr>
+          <p:spPr>
+            <a:xfrm>
+              <a:off x="5394304" y="4403614"/>
+              <a:ext cx="5538809" cy="1754326"/>
+            </a:xfrm>
+            <a:prstGeom prst="rect">
+              <a:avLst/>
+            </a:prstGeom>
+          </p:spPr>
+          <p:txBody>
+            <a:bodyPr wrap="square">
+              <a:spAutoFit/>
+            </a:bodyPr>
+            <a:lstStyle/>
+            <a:p>
+              <a:pPr marL="342900" indent="-342900" fontAlgn="auto">
+                <a:spcBef>
+                  <a:spcPts val="0"/>
+                </a:spcBef>
+                <a:spcAft>
+                  <a:spcPts val="0"/>
+                </a:spcAft>
+                <a:buFont typeface="Wingdings" panose="05000000000000000000" pitchFamily="2" charset="2"/>
+                <a:buChar char="Ø"/>
+                <a:defRPr/>
+              </a:pPr>
+              <a:r>
+                <a:rPr lang="zh-CN" altLang="en-US" dirty="0" smtClean="0">
+                  <a:solidFill>
+                    <a:schemeClr val="bg1"/>
+                  </a:solidFill>
+                  <a:latin typeface="+mn-lt"/>
+                  <a:ea typeface="+mn-ea"/>
+                </a:rPr>
+                <a:t>通过</a:t>
+              </a:r>
+              <a:r>
+                <a:rPr lang="zh-CN" altLang="en-US" dirty="0" smtClean="0">
+                  <a:solidFill>
+                    <a:srgbClr val="FE5A3E"/>
+                  </a:solidFill>
+                  <a:latin typeface="+mn-lt"/>
+                  <a:ea typeface="+mn-ea"/>
+                </a:rPr>
+                <a:t>回调</a:t>
+              </a:r>
+              <a:r>
+                <a:rPr lang="zh-CN" altLang="en-US" dirty="0" smtClean="0">
+                  <a:solidFill>
+                    <a:schemeClr val="bg1"/>
+                  </a:solidFill>
+                  <a:latin typeface="+mn-lt"/>
+                  <a:ea typeface="+mn-ea"/>
+                </a:rPr>
+                <a:t>的方式让主线程能“适时”地处理新启动的线程所发送的消息。</a:t>
+              </a:r>
+              <a:endParaRPr lang="en-US" altLang="zh-CN" dirty="0" smtClean="0">
+                <a:solidFill>
+                  <a:schemeClr val="bg1"/>
+                </a:solidFill>
+                <a:latin typeface="+mn-lt"/>
+                <a:ea typeface="+mn-ea"/>
+              </a:endParaRPr>
+            </a:p>
+            <a:p>
+              <a:pPr marL="342900" indent="-342900" fontAlgn="auto">
+                <a:spcBef>
+                  <a:spcPts val="0"/>
+                </a:spcBef>
+                <a:spcAft>
+                  <a:spcPts val="0"/>
+                </a:spcAft>
+                <a:buFont typeface="Wingdings" panose="05000000000000000000" pitchFamily="2" charset="2"/>
+                <a:buChar char="Ø"/>
+                <a:defRPr/>
+              </a:pPr>
+              <a:r>
+                <a:rPr lang="zh-CN" altLang="en-US" dirty="0" smtClean="0">
+                  <a:solidFill>
+                    <a:schemeClr val="bg1"/>
+                  </a:solidFill>
+                  <a:latin typeface="+mn-lt"/>
+                  <a:ea typeface="+mn-ea"/>
+                </a:rPr>
+                <a:t>重写</a:t>
+              </a:r>
+              <a:r>
+                <a:rPr lang="en-US" altLang="zh-CN" dirty="0" smtClean="0">
+                  <a:solidFill>
+                    <a:schemeClr val="bg1"/>
+                  </a:solidFill>
+                  <a:latin typeface="+mn-lt"/>
+                  <a:ea typeface="+mn-ea"/>
+                </a:rPr>
+                <a:t>Handler</a:t>
+              </a:r>
+              <a:r>
+                <a:rPr lang="zh-CN" altLang="en-US" dirty="0" smtClean="0">
+                  <a:solidFill>
+                    <a:schemeClr val="bg1"/>
+                  </a:solidFill>
+                  <a:latin typeface="+mn-lt"/>
+                  <a:ea typeface="+mn-ea"/>
+                </a:rPr>
+                <a:t>类中处理消息的方法，当新启动的线程发送消息时，消息会发送到与之关联的</a:t>
+              </a:r>
+              <a:r>
+                <a:rPr lang="en-US" altLang="zh-CN" dirty="0" err="1" smtClean="0">
+                  <a:solidFill>
+                    <a:schemeClr val="bg1"/>
+                  </a:solidFill>
+                  <a:latin typeface="+mn-lt"/>
+                  <a:ea typeface="+mn-ea"/>
+                </a:rPr>
+                <a:t>MessageQueue</a:t>
+              </a:r>
+              <a:r>
+                <a:rPr lang="zh-CN" altLang="en-US" dirty="0" smtClean="0">
+                  <a:solidFill>
+                    <a:schemeClr val="bg1"/>
+                  </a:solidFill>
+                  <a:latin typeface="+mn-lt"/>
+                  <a:ea typeface="+mn-ea"/>
+                </a:rPr>
+                <a:t>，而</a:t>
+              </a:r>
+              <a:r>
+                <a:rPr lang="en-US" altLang="zh-CN" dirty="0" smtClean="0">
+                  <a:solidFill>
+                    <a:schemeClr val="bg1"/>
+                  </a:solidFill>
+                  <a:latin typeface="+mn-lt"/>
+                  <a:ea typeface="+mn-ea"/>
+                </a:rPr>
+                <a:t>Handler</a:t>
+              </a:r>
+              <a:r>
+                <a:rPr lang="zh-CN" altLang="en-US" dirty="0" smtClean="0">
+                  <a:solidFill>
+                    <a:schemeClr val="bg1"/>
+                  </a:solidFill>
+                  <a:latin typeface="+mn-lt"/>
+                  <a:ea typeface="+mn-ea"/>
+                </a:rPr>
+                <a:t>会不断从</a:t>
+              </a:r>
+              <a:r>
+                <a:rPr lang="en-US" altLang="zh-CN" dirty="0" err="1" smtClean="0">
+                  <a:solidFill>
+                    <a:schemeClr val="bg1"/>
+                  </a:solidFill>
+                  <a:latin typeface="+mn-lt"/>
+                  <a:ea typeface="+mn-ea"/>
+                </a:rPr>
+                <a:t>MessageQueue</a:t>
+              </a:r>
+              <a:r>
+                <a:rPr lang="zh-CN" altLang="en-US" dirty="0" smtClean="0">
+                  <a:solidFill>
+                    <a:schemeClr val="bg1"/>
+                  </a:solidFill>
+                  <a:latin typeface="+mn-lt"/>
+                  <a:ea typeface="+mn-ea"/>
+                </a:rPr>
+                <a:t>中获取并处理消息。</a:t>
+              </a:r>
+              <a:endParaRPr lang="zh-CN" altLang="en-US" dirty="0">
+                <a:solidFill>
+                  <a:schemeClr val="bg1"/>
+                </a:solidFill>
+                <a:latin typeface="+mn-lt"/>
+                <a:ea typeface="+mn-ea"/>
+              </a:endParaRPr>
+            </a:p>
+          </p:txBody>
+        </p:sp>
+      </p:grpSp>
+    </p:spTree>
+    <p:extLst>
+      <p:ext uri="{BB962C8B-B14F-4D97-AF65-F5344CB8AC3E}">
+        <p14:creationId xmlns:p14="http://schemas.microsoft.com/office/powerpoint/2010/main" val="1604979837"/>
+      </p:ext>
+    </p:extLst>
+  </p:cSld>
+  <p:clrMapOvr>
+    <a:masterClrMapping/>
+  </p:clrMapOvr>
+  <p:timing>
+    <p:tnLst>
+      <p:par>
+        <p:cTn id="1" dur="indefinite" restart="never" nodeType="tmRoot"/>
+      </p:par>
+    </p:tnLst>
+  </p:timing>
+</p:sld>
+</file>
+
+<file path=ppt/slides/slide21.xml><?xml version="1.0" encoding="utf-8"?>
+<p:sld xmlns:a="http://schemas.openxmlformats.org/drawingml/2006/main" xmlns:r="http://schemas.openxmlformats.org/officeDocument/2006/relationships" xmlns:p="http://schemas.openxmlformats.org/presentationml/2006/main">
+  <p:cSld>
+    <p:spTree>
+      <p:nvGrpSpPr>
+        <p:cNvPr id="1" name=""/>
+        <p:cNvGrpSpPr/>
+        <p:nvPr/>
+      </p:nvGrpSpPr>
+      <p:grpSpPr>
+        <a:xfrm>
+          <a:off x="0" y="0"/>
+          <a:ext cx="0" cy="0"/>
+          <a:chOff x="0" y="0"/>
+          <a:chExt cx="0" cy="0"/>
+        </a:xfrm>
+      </p:grpSpPr>
+      <p:grpSp>
+        <p:nvGrpSpPr>
+          <p:cNvPr id="27652" name="组合 40"/>
+          <p:cNvGrpSpPr>
+            <a:grpSpLocks/>
+          </p:cNvGrpSpPr>
+          <p:nvPr/>
+        </p:nvGrpSpPr>
+        <p:grpSpPr bwMode="auto">
+          <a:xfrm>
+            <a:off x="-1175478" y="139274"/>
+            <a:ext cx="11781140" cy="1322388"/>
+            <a:chOff x="200997" y="571383"/>
+            <a:chExt cx="11781105" cy="1321951"/>
+          </a:xfrm>
+        </p:grpSpPr>
+        <p:sp>
+          <p:nvSpPr>
+            <p:cNvPr id="42" name="矩形 41"/>
+            <p:cNvSpPr/>
+            <p:nvPr/>
+          </p:nvSpPr>
+          <p:spPr>
+            <a:xfrm>
+              <a:off x="2553665" y="1341067"/>
+              <a:ext cx="9066185" cy="552267"/>
+            </a:xfrm>
+            <a:prstGeom prst="rect">
+              <a:avLst/>
+            </a:prstGeom>
+            <a:solidFill>
+              <a:schemeClr val="bg1">
+                <a:alpha val="40000"/>
+              </a:schemeClr>
+            </a:solidFill>
+            <a:ln>
+              <a:noFill/>
+            </a:ln>
+          </p:spPr>
+          <p:style>
+            <a:lnRef idx="2">
+              <a:schemeClr val="accent1">
+                <a:shade val="50000"/>
+              </a:schemeClr>
+            </a:lnRef>
+            <a:fillRef idx="1">
+              <a:schemeClr val="accent1"/>
+            </a:fillRef>
+            <a:effectRef idx="0">
+              <a:schemeClr val="accent1"/>
+            </a:effectRef>
+            <a:fontRef idx="minor">
+              <a:schemeClr val="lt1"/>
+            </a:fontRef>
+          </p:style>
+          <p:txBody>
+            <a:bodyPr anchor="ctr"/>
+            <a:lstStyle/>
+            <a:p>
+              <a:pPr algn="ctr" fontAlgn="auto">
+                <a:spcBef>
+                  <a:spcPts val="0"/>
+                </a:spcBef>
+                <a:spcAft>
+                  <a:spcPts val="0"/>
+                </a:spcAft>
+                <a:defRPr/>
+              </a:pPr>
+              <a:endParaRPr lang="zh-CN" altLang="en-US"/>
+            </a:p>
+          </p:txBody>
+        </p:sp>
+        <p:sp>
+          <p:nvSpPr>
+            <p:cNvPr id="27654" name="文本框 42"/>
+            <p:cNvSpPr txBox="1">
+              <a:spLocks noChangeArrowheads="1"/>
+            </p:cNvSpPr>
+            <p:nvPr/>
+          </p:nvSpPr>
+          <p:spPr bwMode="auto">
+            <a:xfrm>
+              <a:off x="2971329" y="571383"/>
+              <a:ext cx="9010773" cy="769187"/>
+            </a:xfrm>
+            <a:prstGeom prst="rect">
+              <a:avLst/>
+            </a:prstGeom>
+            <a:noFill/>
+            <a:ln w="9525">
+              <a:noFill/>
+              <a:miter lim="800000"/>
+              <a:headEnd/>
+              <a:tailEnd/>
+            </a:ln>
+          </p:spPr>
+          <p:txBody>
+            <a:bodyPr wrap="none">
+              <a:spAutoFit/>
+            </a:bodyPr>
+            <a:lstStyle/>
+            <a:p>
+              <a:r>
+                <a:rPr lang="en-US" altLang="zh-CN" sz="4400" dirty="0" smtClean="0">
+                  <a:solidFill>
+                    <a:schemeClr val="bg1"/>
+                  </a:solidFill>
+                  <a:latin typeface="微软雅黑" pitchFamily="34" charset="-122"/>
+                  <a:ea typeface="微软雅黑" pitchFamily="34" charset="-122"/>
+                </a:rPr>
+                <a:t>Handler</a:t>
+              </a:r>
+              <a:r>
+                <a:rPr lang="zh-CN" altLang="en-US" sz="4400" dirty="0" smtClean="0">
+                  <a:solidFill>
+                    <a:schemeClr val="bg1"/>
+                  </a:solidFill>
+                  <a:latin typeface="微软雅黑" pitchFamily="34" charset="-122"/>
+                  <a:ea typeface="微软雅黑" pitchFamily="34" charset="-122"/>
+                </a:rPr>
+                <a:t>、</a:t>
+              </a:r>
+              <a:r>
+                <a:rPr lang="en-US" altLang="zh-CN" sz="4400" dirty="0" smtClean="0">
+                  <a:solidFill>
+                    <a:schemeClr val="bg1"/>
+                  </a:solidFill>
+                  <a:latin typeface="微软雅黑" pitchFamily="34" charset="-122"/>
+                  <a:ea typeface="微软雅黑" pitchFamily="34" charset="-122"/>
+                </a:rPr>
+                <a:t>Loop</a:t>
+              </a:r>
+              <a:r>
+                <a:rPr lang="zh-CN" altLang="en-US" sz="4400" dirty="0" smtClean="0">
+                  <a:solidFill>
+                    <a:schemeClr val="bg1"/>
+                  </a:solidFill>
+                  <a:latin typeface="微软雅黑" pitchFamily="34" charset="-122"/>
+                  <a:ea typeface="微软雅黑" pitchFamily="34" charset="-122"/>
+                </a:rPr>
+                <a:t>、</a:t>
+              </a:r>
+              <a:r>
+                <a:rPr lang="en-US" altLang="zh-CN" sz="4400" dirty="0" err="1" smtClean="0">
+                  <a:solidFill>
+                    <a:schemeClr val="bg1"/>
+                  </a:solidFill>
+                  <a:latin typeface="微软雅黑" pitchFamily="34" charset="-122"/>
+                  <a:ea typeface="微软雅黑" pitchFamily="34" charset="-122"/>
+                </a:rPr>
+                <a:t>MessageQueue</a:t>
+              </a:r>
+              <a:endParaRPr lang="zh-CN" altLang="en-US" sz="4400" dirty="0">
+                <a:solidFill>
+                  <a:schemeClr val="bg1"/>
+                </a:solidFill>
+                <a:latin typeface="微软雅黑" pitchFamily="34" charset="-122"/>
+                <a:ea typeface="微软雅黑" pitchFamily="34" charset="-122"/>
+              </a:endParaRPr>
+            </a:p>
+          </p:txBody>
+        </p:sp>
+        <p:cxnSp>
+          <p:nvCxnSpPr>
+            <p:cNvPr id="44" name="直接连接符 43"/>
+            <p:cNvCxnSpPr/>
+            <p:nvPr/>
+          </p:nvCxnSpPr>
+          <p:spPr>
+            <a:xfrm>
+              <a:off x="200997" y="1344241"/>
+              <a:ext cx="2479668" cy="0"/>
+            </a:xfrm>
+            <a:prstGeom prst="line">
+              <a:avLst/>
+            </a:prstGeom>
+            <a:ln>
+              <a:solidFill>
+                <a:schemeClr val="bg1"/>
+              </a:solidFill>
+            </a:ln>
+          </p:spPr>
+          <p:style>
+            <a:lnRef idx="1">
+              <a:schemeClr val="accent1"/>
+            </a:lnRef>
+            <a:fillRef idx="0">
+              <a:schemeClr val="accent1"/>
+            </a:fillRef>
+            <a:effectRef idx="0">
+              <a:schemeClr val="accent1"/>
+            </a:effectRef>
+            <a:fontRef idx="minor">
+              <a:schemeClr val="tx1"/>
+            </a:fontRef>
+          </p:style>
+        </p:cxnSp>
+        <p:sp>
+          <p:nvSpPr>
+            <p:cNvPr id="45" name="矩形 44"/>
+            <p:cNvSpPr/>
+            <p:nvPr/>
+          </p:nvSpPr>
+          <p:spPr>
+            <a:xfrm>
+              <a:off x="2553665" y="669775"/>
+              <a:ext cx="306386" cy="1223559"/>
+            </a:xfrm>
+            <a:prstGeom prst="rect">
+              <a:avLst/>
+            </a:prstGeom>
+            <a:solidFill>
+              <a:srgbClr val="FE5A3E"/>
+            </a:solidFill>
+            <a:ln>
+              <a:noFill/>
+            </a:ln>
+          </p:spPr>
+          <p:style>
+            <a:lnRef idx="2">
+              <a:schemeClr val="accent1">
+                <a:shade val="50000"/>
+              </a:schemeClr>
+            </a:lnRef>
+            <a:fillRef idx="1">
+              <a:schemeClr val="accent1"/>
+            </a:fillRef>
+            <a:effectRef idx="0">
+              <a:schemeClr val="accent1"/>
+            </a:effectRef>
+            <a:fontRef idx="minor">
+              <a:schemeClr val="lt1"/>
+            </a:fontRef>
+          </p:style>
+          <p:txBody>
+            <a:bodyPr anchor="ctr"/>
+            <a:lstStyle/>
+            <a:p>
+              <a:pPr algn="ctr" fontAlgn="auto">
+                <a:spcBef>
+                  <a:spcPts val="0"/>
+                </a:spcBef>
+                <a:spcAft>
+                  <a:spcPts val="0"/>
+                </a:spcAft>
+                <a:defRPr/>
+              </a:pPr>
+              <a:endParaRPr lang="zh-CN" altLang="en-US"/>
+            </a:p>
+          </p:txBody>
+        </p:sp>
+        <p:sp>
+          <p:nvSpPr>
+            <p:cNvPr id="46" name="文本框 45"/>
+            <p:cNvSpPr txBox="1"/>
+            <p:nvPr/>
+          </p:nvSpPr>
+          <p:spPr>
+            <a:xfrm>
+              <a:off x="2971176" y="1412480"/>
+              <a:ext cx="3467606" cy="399978"/>
+            </a:xfrm>
+            <a:prstGeom prst="rect">
+              <a:avLst/>
+            </a:prstGeom>
+            <a:noFill/>
+          </p:spPr>
+          <p:txBody>
+            <a:bodyPr wrap="none">
+              <a:spAutoFit/>
+            </a:bodyPr>
+            <a:lstStyle/>
+            <a:p>
+              <a:pPr fontAlgn="auto">
+                <a:spcBef>
+                  <a:spcPts val="0"/>
+                </a:spcBef>
+                <a:spcAft>
+                  <a:spcPts val="0"/>
+                </a:spcAft>
+                <a:defRPr/>
+              </a:pPr>
+              <a:r>
+                <a:rPr lang="zh-CN" altLang="en-US" sz="2000" dirty="0" smtClean="0">
+                  <a:solidFill>
+                    <a:schemeClr val="bg1">
+                      <a:lumMod val="50000"/>
+                    </a:schemeClr>
+                  </a:solidFill>
+                  <a:latin typeface="微软雅黑" panose="020B0503020204020204" pitchFamily="34" charset="-122"/>
+                  <a:ea typeface="微软雅黑" panose="020B0503020204020204" pitchFamily="34" charset="-122"/>
+                </a:rPr>
+                <a:t>与</a:t>
+              </a:r>
+              <a:r>
+                <a:rPr lang="en-US" altLang="zh-CN" sz="2000" dirty="0" smtClean="0">
+                  <a:solidFill>
+                    <a:schemeClr val="bg1">
+                      <a:lumMod val="50000"/>
+                    </a:schemeClr>
+                  </a:solidFill>
+                  <a:latin typeface="微软雅黑" panose="020B0503020204020204" pitchFamily="34" charset="-122"/>
+                  <a:ea typeface="微软雅黑" panose="020B0503020204020204" pitchFamily="34" charset="-122"/>
+                </a:rPr>
+                <a:t>Handler</a:t>
+              </a:r>
+              <a:r>
+                <a:rPr lang="zh-CN" altLang="en-US" sz="2000" dirty="0" smtClean="0">
+                  <a:solidFill>
+                    <a:schemeClr val="bg1">
+                      <a:lumMod val="50000"/>
+                    </a:schemeClr>
+                  </a:solidFill>
+                  <a:latin typeface="微软雅黑" panose="020B0503020204020204" pitchFamily="34" charset="-122"/>
+                  <a:ea typeface="微软雅黑" panose="020B0503020204020204" pitchFamily="34" charset="-122"/>
+                </a:rPr>
+                <a:t>一起工作的组件。</a:t>
+              </a:r>
+              <a:endParaRPr lang="zh-CN" altLang="en-US" sz="2000" dirty="0">
+                <a:solidFill>
+                  <a:schemeClr val="bg1">
+                    <a:lumMod val="50000"/>
+                  </a:schemeClr>
+                </a:solidFill>
+                <a:latin typeface="微软雅黑" panose="020B0503020204020204" pitchFamily="34" charset="-122"/>
+                <a:ea typeface="微软雅黑" panose="020B0503020204020204" pitchFamily="34" charset="-122"/>
+              </a:endParaRPr>
+            </a:p>
+          </p:txBody>
+        </p:sp>
+      </p:grpSp>
+      <p:grpSp>
+        <p:nvGrpSpPr>
+          <p:cNvPr id="3" name="组合 2"/>
+          <p:cNvGrpSpPr/>
+          <p:nvPr/>
+        </p:nvGrpSpPr>
+        <p:grpSpPr>
+          <a:xfrm>
+            <a:off x="257408" y="1580228"/>
+            <a:ext cx="7006127" cy="3846647"/>
+            <a:chOff x="4260850" y="2709863"/>
+            <a:chExt cx="7006127" cy="3846647"/>
+          </a:xfrm>
+        </p:grpSpPr>
+        <p:grpSp>
+          <p:nvGrpSpPr>
+            <p:cNvPr id="27651" name="组合 13"/>
+            <p:cNvGrpSpPr>
+              <a:grpSpLocks/>
+            </p:cNvGrpSpPr>
+            <p:nvPr/>
+          </p:nvGrpSpPr>
+          <p:grpSpPr bwMode="auto">
+            <a:xfrm>
+              <a:off x="4260850" y="2709863"/>
+              <a:ext cx="7006127" cy="3846647"/>
+              <a:chOff x="4261540" y="2426201"/>
+              <a:chExt cx="7005387" cy="3847476"/>
+            </a:xfrm>
+          </p:grpSpPr>
+          <p:sp>
+            <p:nvSpPr>
+              <p:cNvPr id="40" name="矩形 39"/>
+              <p:cNvSpPr/>
+              <p:nvPr/>
+            </p:nvSpPr>
+            <p:spPr>
+              <a:xfrm>
+                <a:off x="4686945" y="3221710"/>
+                <a:ext cx="6579982" cy="3051967"/>
+              </a:xfrm>
+              <a:prstGeom prst="rect">
+                <a:avLst/>
+              </a:prstGeom>
+              <a:solidFill>
+                <a:srgbClr val="FE5A3E"/>
+              </a:solidFill>
+              <a:ln>
+                <a:noFill/>
+              </a:ln>
+            </p:spPr>
+            <p:style>
+              <a:lnRef idx="2">
+                <a:schemeClr val="accent1">
+                  <a:shade val="50000"/>
+                </a:schemeClr>
+              </a:lnRef>
+              <a:fillRef idx="1">
+                <a:schemeClr val="accent1"/>
+              </a:fillRef>
+              <a:effectRef idx="0">
+                <a:schemeClr val="accent1"/>
+              </a:effectRef>
+              <a:fontRef idx="minor">
+                <a:schemeClr val="lt1"/>
+              </a:fontRef>
+            </p:style>
+            <p:txBody>
+              <a:bodyPr anchor="ctr"/>
+              <a:lstStyle/>
+              <a:p>
+                <a:pPr algn="ctr" fontAlgn="auto">
+                  <a:spcBef>
+                    <a:spcPts val="0"/>
+                  </a:spcBef>
+                  <a:spcAft>
+                    <a:spcPts val="0"/>
+                  </a:spcAft>
+                  <a:defRPr/>
+                </a:pPr>
+                <a:endParaRPr lang="zh-CN" altLang="en-US"/>
+              </a:p>
+            </p:txBody>
+          </p:sp>
+          <p:sp>
+            <p:nvSpPr>
+              <p:cNvPr id="39" name="任意多边形 38"/>
+              <p:cNvSpPr/>
+              <p:nvPr/>
+            </p:nvSpPr>
+            <p:spPr>
+              <a:xfrm>
+                <a:off x="4261540" y="2426201"/>
+                <a:ext cx="619060" cy="678008"/>
+              </a:xfrm>
+              <a:custGeom>
+                <a:avLst/>
+                <a:gdLst>
+                  <a:gd name="connsiteX0" fmla="*/ 464278 w 844464"/>
+                  <a:gd name="connsiteY0" fmla="*/ 0 h 924641"/>
+                  <a:gd name="connsiteX1" fmla="*/ 792572 w 844464"/>
+                  <a:gd name="connsiteY1" fmla="*/ 135984 h 924641"/>
+                  <a:gd name="connsiteX2" fmla="*/ 844464 w 844464"/>
+                  <a:gd name="connsiteY2" fmla="*/ 198877 h 924641"/>
+                  <a:gd name="connsiteX3" fmla="*/ 425444 w 844464"/>
+                  <a:gd name="connsiteY3" fmla="*/ 924641 h 924641"/>
+                  <a:gd name="connsiteX4" fmla="*/ 370710 w 844464"/>
+                  <a:gd name="connsiteY4" fmla="*/ 919124 h 924641"/>
+                  <a:gd name="connsiteX5" fmla="*/ 0 w 844464"/>
+                  <a:gd name="connsiteY5" fmla="*/ 464278 h 924641"/>
+                  <a:gd name="connsiteX6" fmla="*/ 464278 w 844464"/>
+                  <a:gd name="connsiteY6" fmla="*/ 0 h 924641"/>
+                </a:gdLst>
+                <a:ahLst/>
+                <a:cxnLst>
+                  <a:cxn ang="0">
+                    <a:pos x="connsiteX0" y="connsiteY0"/>
+                  </a:cxn>
+                  <a:cxn ang="0">
+                    <a:pos x="connsiteX1" y="connsiteY1"/>
+                  </a:cxn>
+                  <a:cxn ang="0">
+                    <a:pos x="connsiteX2" y="connsiteY2"/>
+                  </a:cxn>
+                  <a:cxn ang="0">
+                    <a:pos x="connsiteX3" y="connsiteY3"/>
+                  </a:cxn>
+                  <a:cxn ang="0">
+                    <a:pos x="connsiteX4" y="connsiteY4"/>
+                  </a:cxn>
+                  <a:cxn ang="0">
+                    <a:pos x="connsiteX5" y="connsiteY5"/>
+                  </a:cxn>
+                  <a:cxn ang="0">
+                    <a:pos x="connsiteX6" y="connsiteY6"/>
+                  </a:cxn>
+                </a:cxnLst>
+                <a:rect l="l" t="t" r="r" b="b"/>
+                <a:pathLst>
+                  <a:path w="844464" h="924641">
+                    <a:moveTo>
+                      <a:pt x="464278" y="0"/>
+                    </a:moveTo>
+                    <a:cubicBezTo>
+                      <a:pt x="592485" y="0"/>
+                      <a:pt x="708555" y="51966"/>
+                      <a:pt x="792572" y="135984"/>
+                    </a:cubicBezTo>
+                    <a:lnTo>
+                      <a:pt x="844464" y="198877"/>
+                    </a:lnTo>
+                    <a:lnTo>
+                      <a:pt x="425444" y="924641"/>
+                    </a:lnTo>
+                    <a:lnTo>
+                      <a:pt x="370710" y="919124"/>
+                    </a:lnTo>
+                    <a:cubicBezTo>
+                      <a:pt x="159146" y="875832"/>
+                      <a:pt x="0" y="688640"/>
+                      <a:pt x="0" y="464278"/>
+                    </a:cubicBezTo>
+                    <a:cubicBezTo>
+                      <a:pt x="0" y="207864"/>
+                      <a:pt x="207864" y="0"/>
+                      <a:pt x="464278" y="0"/>
+                    </a:cubicBezTo>
+                    <a:close/>
+                  </a:path>
+                </a:pathLst>
+              </a:custGeom>
+              <a:solidFill>
+                <a:srgbClr val="FE5A3E"/>
+              </a:solidFill>
+              <a:ln>
+                <a:noFill/>
+              </a:ln>
+            </p:spPr>
+            <p:style>
+              <a:lnRef idx="2">
+                <a:schemeClr val="accent1">
+                  <a:shade val="50000"/>
+                </a:schemeClr>
+              </a:lnRef>
+              <a:fillRef idx="1">
+                <a:schemeClr val="accent1"/>
+              </a:fillRef>
+              <a:effectRef idx="0">
+                <a:schemeClr val="accent1"/>
+              </a:effectRef>
+              <a:fontRef idx="minor">
+                <a:schemeClr val="lt1"/>
+              </a:fontRef>
+            </p:style>
+            <p:txBody>
+              <a:bodyPr anchor="ctr"/>
+              <a:lstStyle/>
+              <a:p>
+                <a:pPr algn="ctr" fontAlgn="auto">
+                  <a:spcBef>
+                    <a:spcPts val="0"/>
+                  </a:spcBef>
+                  <a:spcAft>
+                    <a:spcPts val="0"/>
+                  </a:spcAft>
+                  <a:defRPr/>
+                </a:pPr>
+                <a:endParaRPr lang="zh-CN" altLang="en-US"/>
+              </a:p>
+            </p:txBody>
+          </p:sp>
+          <p:sp>
+            <p:nvSpPr>
+              <p:cNvPr id="27681" name="文本框 15"/>
+              <p:cNvSpPr txBox="1">
+                <a:spLocks noChangeArrowheads="1"/>
+              </p:cNvSpPr>
+              <p:nvPr/>
+            </p:nvSpPr>
+            <p:spPr bwMode="auto">
+              <a:xfrm>
+                <a:off x="4316428" y="2608809"/>
+                <a:ext cx="5334231" cy="369412"/>
+              </a:xfrm>
+              <a:prstGeom prst="rect">
+                <a:avLst/>
+              </a:prstGeom>
+              <a:noFill/>
+              <a:ln w="9525">
+                <a:noFill/>
+                <a:miter lim="800000"/>
+                <a:headEnd/>
+                <a:tailEnd/>
+              </a:ln>
+            </p:spPr>
+            <p:txBody>
+              <a:bodyPr wrap="none">
+                <a:spAutoFit/>
+              </a:bodyPr>
+              <a:lstStyle/>
+              <a:p>
+                <a:r>
+                  <a:rPr lang="zh-CN" altLang="en-US" dirty="0" smtClean="0">
+                    <a:solidFill>
+                      <a:schemeClr val="bg1"/>
+                    </a:solidFill>
+                    <a:latin typeface="Calibri" pitchFamily="34" charset="0"/>
+                    <a:ea typeface="微软雅黑" pitchFamily="34" charset="-122"/>
+                  </a:rPr>
+                  <a:t>二    </a:t>
+                </a:r>
+                <a:r>
+                  <a:rPr lang="en-US" altLang="zh-CN" dirty="0" smtClean="0">
+                    <a:solidFill>
+                      <a:schemeClr val="bg1"/>
+                    </a:solidFill>
+                    <a:latin typeface="Calibri" pitchFamily="34" charset="0"/>
+                    <a:ea typeface="微软雅黑" pitchFamily="34" charset="-122"/>
+                  </a:rPr>
+                  <a:t>Handler</a:t>
+                </a:r>
+                <a:r>
+                  <a:rPr lang="zh-CN" altLang="en-US" dirty="0" smtClean="0">
+                    <a:solidFill>
+                      <a:schemeClr val="bg1"/>
+                    </a:solidFill>
+                    <a:latin typeface="Calibri" pitchFamily="34" charset="0"/>
+                    <a:ea typeface="微软雅黑" pitchFamily="34" charset="-122"/>
+                  </a:rPr>
+                  <a:t>、</a:t>
+                </a:r>
+                <a:r>
+                  <a:rPr lang="en-US" altLang="zh-CN" dirty="0" err="1" smtClean="0">
+                    <a:solidFill>
+                      <a:schemeClr val="bg1"/>
+                    </a:solidFill>
+                    <a:latin typeface="Calibri" pitchFamily="34" charset="0"/>
+                    <a:ea typeface="微软雅黑" pitchFamily="34" charset="-122"/>
+                  </a:rPr>
+                  <a:t>Looper</a:t>
+                </a:r>
+                <a:r>
+                  <a:rPr lang="zh-CN" altLang="en-US" dirty="0" smtClean="0">
+                    <a:solidFill>
+                      <a:schemeClr val="bg1"/>
+                    </a:solidFill>
+                    <a:latin typeface="Calibri" pitchFamily="34" charset="0"/>
+                    <a:ea typeface="微软雅黑" pitchFamily="34" charset="-122"/>
+                  </a:rPr>
+                  <a:t>、</a:t>
+                </a:r>
+                <a:r>
+                  <a:rPr lang="en-US" altLang="zh-CN" dirty="0" err="1" smtClean="0">
+                    <a:solidFill>
+                      <a:schemeClr val="bg1"/>
+                    </a:solidFill>
+                    <a:latin typeface="Calibri" pitchFamily="34" charset="0"/>
+                    <a:ea typeface="微软雅黑" pitchFamily="34" charset="-122"/>
+                  </a:rPr>
+                  <a:t>MessageQueue</a:t>
+                </a:r>
+                <a:r>
+                  <a:rPr lang="zh-CN" altLang="en-US" dirty="0" smtClean="0">
+                    <a:solidFill>
+                      <a:schemeClr val="bg1"/>
+                    </a:solidFill>
+                    <a:latin typeface="Calibri" pitchFamily="34" charset="0"/>
+                    <a:ea typeface="微软雅黑" pitchFamily="34" charset="-122"/>
+                  </a:rPr>
+                  <a:t>各自的作用。</a:t>
+                </a:r>
+                <a:endParaRPr lang="zh-CN" altLang="en-US" dirty="0">
+                  <a:solidFill>
+                    <a:schemeClr val="bg1"/>
+                  </a:solidFill>
+                  <a:latin typeface="Calibri" pitchFamily="34" charset="0"/>
+                  <a:ea typeface="微软雅黑" pitchFamily="34" charset="-122"/>
+                </a:endParaRPr>
+              </a:p>
+            </p:txBody>
+          </p:sp>
+        </p:grpSp>
+        <p:sp>
+          <p:nvSpPr>
+            <p:cNvPr id="2" name="文本框 1"/>
+            <p:cNvSpPr txBox="1"/>
+            <p:nvPr/>
+          </p:nvSpPr>
+          <p:spPr>
+            <a:xfrm>
+              <a:off x="5003036" y="3747095"/>
+              <a:ext cx="5901631" cy="2585323"/>
+            </a:xfrm>
+            <a:prstGeom prst="rect">
+              <a:avLst/>
+            </a:prstGeom>
+            <a:noFill/>
+          </p:spPr>
+          <p:txBody>
+            <a:bodyPr wrap="square" rtlCol="0">
+              <a:spAutoFit/>
+            </a:bodyPr>
+            <a:lstStyle/>
+            <a:p>
+              <a:pPr marL="285750" indent="-285750">
+                <a:buFont typeface="Wingdings" panose="05000000000000000000" pitchFamily="2" charset="2"/>
+                <a:buChar char="Ø"/>
+              </a:pPr>
+              <a:r>
+                <a:rPr lang="en-US" altLang="zh-CN" dirty="0" err="1" smtClean="0">
+                  <a:solidFill>
+                    <a:schemeClr val="bg1"/>
+                  </a:solidFill>
+                  <a:latin typeface="Calibri" pitchFamily="34" charset="0"/>
+                  <a:ea typeface="微软雅黑" pitchFamily="34" charset="-122"/>
+                </a:rPr>
+                <a:t>Looper</a:t>
+              </a:r>
+              <a:r>
+                <a:rPr lang="zh-CN" altLang="en-US" dirty="0" smtClean="0">
+                  <a:solidFill>
+                    <a:schemeClr val="bg1"/>
+                  </a:solidFill>
+                  <a:latin typeface="Calibri" pitchFamily="34" charset="0"/>
+                  <a:ea typeface="微软雅黑" pitchFamily="34" charset="-122"/>
+                </a:rPr>
+                <a:t>：每个线程中只有一个</a:t>
+              </a:r>
+              <a:r>
+                <a:rPr lang="en-US" altLang="zh-CN" dirty="0" err="1" smtClean="0">
+                  <a:solidFill>
+                    <a:schemeClr val="bg1"/>
+                  </a:solidFill>
+                  <a:latin typeface="Calibri" pitchFamily="34" charset="0"/>
+                  <a:ea typeface="微软雅黑" pitchFamily="34" charset="-122"/>
+                </a:rPr>
+                <a:t>Looper</a:t>
+              </a:r>
+              <a:r>
+                <a:rPr lang="zh-CN" altLang="en-US" dirty="0" smtClean="0">
+                  <a:solidFill>
+                    <a:schemeClr val="bg1"/>
+                  </a:solidFill>
+                  <a:latin typeface="Calibri" pitchFamily="34" charset="0"/>
+                  <a:ea typeface="微软雅黑" pitchFamily="34" charset="-122"/>
+                </a:rPr>
+                <a:t>，它负责管理</a:t>
+              </a:r>
+              <a:r>
+                <a:rPr lang="en-US" altLang="zh-CN" dirty="0" err="1" smtClean="0">
+                  <a:solidFill>
+                    <a:schemeClr val="bg1"/>
+                  </a:solidFill>
+                  <a:latin typeface="Calibri" pitchFamily="34" charset="0"/>
+                  <a:ea typeface="微软雅黑" pitchFamily="34" charset="-122"/>
+                </a:rPr>
+                <a:t>MessageQueue</a:t>
+              </a:r>
+              <a:r>
+                <a:rPr lang="zh-CN" altLang="en-US" dirty="0" smtClean="0">
+                  <a:solidFill>
+                    <a:schemeClr val="bg1"/>
+                  </a:solidFill>
+                  <a:latin typeface="Calibri" pitchFamily="34" charset="0"/>
+                  <a:ea typeface="微软雅黑" pitchFamily="34" charset="-122"/>
+                </a:rPr>
+                <a:t>，会不断地从</a:t>
+              </a:r>
+              <a:r>
+                <a:rPr lang="en-US" altLang="zh-CN" dirty="0" err="1" smtClean="0">
+                  <a:solidFill>
+                    <a:schemeClr val="bg1"/>
+                  </a:solidFill>
+                  <a:latin typeface="Calibri" pitchFamily="34" charset="0"/>
+                  <a:ea typeface="微软雅黑" pitchFamily="34" charset="-122"/>
+                </a:rPr>
+                <a:t>MessageQueue</a:t>
+              </a:r>
+              <a:r>
+                <a:rPr lang="zh-CN" altLang="en-US" dirty="0" smtClean="0">
+                  <a:solidFill>
+                    <a:schemeClr val="bg1"/>
+                  </a:solidFill>
+                  <a:latin typeface="Calibri" pitchFamily="34" charset="0"/>
+                  <a:ea typeface="微软雅黑" pitchFamily="34" charset="-122"/>
+                </a:rPr>
+                <a:t>中取消息，并将消息分给对应的</a:t>
+              </a:r>
+              <a:r>
+                <a:rPr lang="en-US" altLang="zh-CN" dirty="0" smtClean="0">
+                  <a:solidFill>
+                    <a:schemeClr val="bg1"/>
+                  </a:solidFill>
+                  <a:latin typeface="Calibri" pitchFamily="34" charset="0"/>
+                  <a:ea typeface="微软雅黑" pitchFamily="34" charset="-122"/>
+                </a:rPr>
+                <a:t>Handler</a:t>
+              </a:r>
+              <a:r>
+                <a:rPr lang="zh-CN" altLang="en-US" dirty="0" smtClean="0">
+                  <a:solidFill>
+                    <a:schemeClr val="bg1"/>
+                  </a:solidFill>
+                  <a:latin typeface="Calibri" pitchFamily="34" charset="0"/>
+                  <a:ea typeface="微软雅黑" pitchFamily="34" charset="-122"/>
+                </a:rPr>
+                <a:t>处理。</a:t>
+              </a:r>
+              <a:endParaRPr lang="en-US" altLang="zh-CN" dirty="0" smtClean="0">
+                <a:solidFill>
+                  <a:schemeClr val="bg1"/>
+                </a:solidFill>
+                <a:latin typeface="Calibri" pitchFamily="34" charset="0"/>
+                <a:ea typeface="微软雅黑" pitchFamily="34" charset="-122"/>
+              </a:endParaRPr>
+            </a:p>
+            <a:p>
+              <a:pPr marL="285750" indent="-285750">
+                <a:buFont typeface="Wingdings" panose="05000000000000000000" pitchFamily="2" charset="2"/>
+                <a:buChar char="Ø"/>
+              </a:pPr>
+              <a:endParaRPr lang="en-US" altLang="zh-CN" dirty="0">
+                <a:solidFill>
+                  <a:schemeClr val="bg1"/>
+                </a:solidFill>
+                <a:latin typeface="Calibri" pitchFamily="34" charset="0"/>
+                <a:ea typeface="微软雅黑" pitchFamily="34" charset="-122"/>
+              </a:endParaRPr>
+            </a:p>
+            <a:p>
+              <a:pPr marL="285750" indent="-285750">
+                <a:buFont typeface="Wingdings" panose="05000000000000000000" pitchFamily="2" charset="2"/>
+                <a:buChar char="Ø"/>
+              </a:pPr>
+              <a:r>
+                <a:rPr lang="en-US" altLang="zh-CN" dirty="0" err="1" smtClean="0">
+                  <a:solidFill>
+                    <a:schemeClr val="bg1"/>
+                  </a:solidFill>
+                  <a:latin typeface="Calibri" pitchFamily="34" charset="0"/>
+                  <a:ea typeface="微软雅黑" pitchFamily="34" charset="-122"/>
+                </a:rPr>
+                <a:t>MessageQueue</a:t>
+              </a:r>
+              <a:r>
+                <a:rPr lang="zh-CN" altLang="en-US" dirty="0" smtClean="0">
+                  <a:solidFill>
+                    <a:schemeClr val="bg1"/>
+                  </a:solidFill>
+                  <a:latin typeface="Calibri" pitchFamily="34" charset="0"/>
+                  <a:ea typeface="微软雅黑" pitchFamily="34" charset="-122"/>
+                </a:rPr>
+                <a:t>：由</a:t>
+              </a:r>
+              <a:r>
+                <a:rPr lang="en-US" altLang="zh-CN" dirty="0" err="1" smtClean="0">
+                  <a:solidFill>
+                    <a:schemeClr val="bg1"/>
+                  </a:solidFill>
+                  <a:latin typeface="Calibri" pitchFamily="34" charset="0"/>
+                  <a:ea typeface="微软雅黑" pitchFamily="34" charset="-122"/>
+                </a:rPr>
+                <a:t>Looper</a:t>
+              </a:r>
+              <a:r>
+                <a:rPr lang="zh-CN" altLang="en-US" dirty="0" smtClean="0">
+                  <a:solidFill>
+                    <a:schemeClr val="bg1"/>
+                  </a:solidFill>
+                  <a:latin typeface="Calibri" pitchFamily="34" charset="0"/>
+                  <a:ea typeface="微软雅黑" pitchFamily="34" charset="-122"/>
+                </a:rPr>
+                <a:t>负责管理，它采用先进先出的方式来管理</a:t>
+              </a:r>
+              <a:r>
+                <a:rPr lang="en-US" altLang="zh-CN" dirty="0" smtClean="0">
+                  <a:solidFill>
+                    <a:schemeClr val="bg1"/>
+                  </a:solidFill>
+                  <a:latin typeface="Calibri" pitchFamily="34" charset="0"/>
+                  <a:ea typeface="微软雅黑" pitchFamily="34" charset="-122"/>
+                </a:rPr>
+                <a:t>Message</a:t>
+              </a:r>
+              <a:r>
+                <a:rPr lang="zh-CN" altLang="en-US" dirty="0" smtClean="0">
+                  <a:solidFill>
+                    <a:schemeClr val="bg1"/>
+                  </a:solidFill>
+                  <a:latin typeface="Calibri" pitchFamily="34" charset="0"/>
+                  <a:ea typeface="微软雅黑" pitchFamily="34" charset="-122"/>
+                </a:rPr>
+                <a:t>。</a:t>
+              </a:r>
+              <a:endParaRPr lang="en-US" altLang="zh-CN" dirty="0" smtClean="0">
+                <a:solidFill>
+                  <a:schemeClr val="bg1"/>
+                </a:solidFill>
+                <a:latin typeface="Calibri" pitchFamily="34" charset="0"/>
+                <a:ea typeface="微软雅黑" pitchFamily="34" charset="-122"/>
+              </a:endParaRPr>
+            </a:p>
+            <a:p>
+              <a:pPr marL="285750" indent="-285750">
+                <a:buFont typeface="Wingdings" panose="05000000000000000000" pitchFamily="2" charset="2"/>
+                <a:buChar char="Ø"/>
+              </a:pPr>
+              <a:endParaRPr lang="en-US" altLang="zh-CN" dirty="0">
+                <a:solidFill>
+                  <a:schemeClr val="bg1"/>
+                </a:solidFill>
+                <a:latin typeface="Calibri" pitchFamily="34" charset="0"/>
+                <a:ea typeface="微软雅黑" pitchFamily="34" charset="-122"/>
+              </a:endParaRPr>
+            </a:p>
+            <a:p>
+              <a:pPr marL="285750" indent="-285750">
+                <a:buFont typeface="Wingdings" panose="05000000000000000000" pitchFamily="2" charset="2"/>
+                <a:buChar char="Ø"/>
+              </a:pPr>
+              <a:r>
+                <a:rPr lang="en-US" altLang="zh-CN" dirty="0" smtClean="0">
+                  <a:solidFill>
+                    <a:schemeClr val="bg1"/>
+                  </a:solidFill>
+                  <a:latin typeface="Calibri" pitchFamily="34" charset="0"/>
+                  <a:ea typeface="微软雅黑" pitchFamily="34" charset="-122"/>
+                </a:rPr>
+                <a:t>Handler</a:t>
+              </a:r>
+              <a:r>
+                <a:rPr lang="zh-CN" altLang="en-US" dirty="0" smtClean="0">
+                  <a:solidFill>
+                    <a:schemeClr val="bg1"/>
+                  </a:solidFill>
+                  <a:latin typeface="Calibri" pitchFamily="34" charset="0"/>
+                  <a:ea typeface="微软雅黑" pitchFamily="34" charset="-122"/>
+                </a:rPr>
+                <a:t>：它能把消息发送给</a:t>
+              </a:r>
+              <a:r>
+                <a:rPr lang="en-US" altLang="zh-CN" dirty="0" err="1" smtClean="0">
+                  <a:solidFill>
+                    <a:schemeClr val="bg1"/>
+                  </a:solidFill>
+                  <a:latin typeface="Calibri" pitchFamily="34" charset="0"/>
+                  <a:ea typeface="微软雅黑" pitchFamily="34" charset="-122"/>
+                </a:rPr>
+                <a:t>Looper</a:t>
+              </a:r>
+              <a:r>
+                <a:rPr lang="zh-CN" altLang="en-US" dirty="0" smtClean="0">
+                  <a:solidFill>
+                    <a:schemeClr val="bg1"/>
+                  </a:solidFill>
+                  <a:latin typeface="Calibri" pitchFamily="34" charset="0"/>
+                  <a:ea typeface="微软雅黑" pitchFamily="34" charset="-122"/>
+                </a:rPr>
+                <a:t>管理的</a:t>
+              </a:r>
+              <a:r>
+                <a:rPr lang="en-US" altLang="zh-CN" dirty="0" err="1" smtClean="0">
+                  <a:solidFill>
+                    <a:schemeClr val="bg1"/>
+                  </a:solidFill>
+                  <a:latin typeface="Calibri" pitchFamily="34" charset="0"/>
+                  <a:ea typeface="微软雅黑" pitchFamily="34" charset="-122"/>
+                </a:rPr>
+                <a:t>MessageQueue</a:t>
+              </a:r>
+              <a:r>
+                <a:rPr lang="zh-CN" altLang="en-US" dirty="0" smtClean="0">
+                  <a:solidFill>
+                    <a:schemeClr val="bg1"/>
+                  </a:solidFill>
+                  <a:latin typeface="Calibri" pitchFamily="34" charset="0"/>
+                  <a:ea typeface="微软雅黑" pitchFamily="34" charset="-122"/>
+                </a:rPr>
+                <a:t>，并负责处理</a:t>
+              </a:r>
+              <a:r>
+                <a:rPr lang="en-US" altLang="zh-CN" dirty="0" err="1" smtClean="0">
+                  <a:solidFill>
+                    <a:schemeClr val="bg1"/>
+                  </a:solidFill>
+                  <a:latin typeface="Calibri" pitchFamily="34" charset="0"/>
+                  <a:ea typeface="微软雅黑" pitchFamily="34" charset="-122"/>
+                </a:rPr>
+                <a:t>Looper</a:t>
+              </a:r>
+              <a:r>
+                <a:rPr lang="zh-CN" altLang="en-US" dirty="0" smtClean="0">
+                  <a:solidFill>
+                    <a:schemeClr val="bg1"/>
+                  </a:solidFill>
+                  <a:latin typeface="Calibri" pitchFamily="34" charset="0"/>
+                  <a:ea typeface="微软雅黑" pitchFamily="34" charset="-122"/>
+                </a:rPr>
+                <a:t>分给它的消息。</a:t>
+              </a:r>
+              <a:endParaRPr lang="zh-CN" altLang="en-US" dirty="0">
+                <a:solidFill>
+                  <a:schemeClr val="bg1"/>
+                </a:solidFill>
+                <a:latin typeface="Calibri" pitchFamily="34" charset="0"/>
+                <a:ea typeface="微软雅黑" pitchFamily="34" charset="-122"/>
+              </a:endParaRPr>
+            </a:p>
+          </p:txBody>
+        </p:sp>
+      </p:grpSp>
+      <p:grpSp>
+        <p:nvGrpSpPr>
+          <p:cNvPr id="6" name="组合 5"/>
+          <p:cNvGrpSpPr/>
+          <p:nvPr/>
+        </p:nvGrpSpPr>
+        <p:grpSpPr>
+          <a:xfrm>
+            <a:off x="7859562" y="2510838"/>
+            <a:ext cx="3251260" cy="3814763"/>
+            <a:chOff x="8239125" y="1657350"/>
+            <a:chExt cx="3251260" cy="3814763"/>
+          </a:xfrm>
+        </p:grpSpPr>
+        <p:cxnSp>
+          <p:nvCxnSpPr>
+            <p:cNvPr id="23" name="直接连接符 22"/>
+            <p:cNvCxnSpPr/>
+            <p:nvPr/>
+          </p:nvCxnSpPr>
+          <p:spPr>
+            <a:xfrm>
+              <a:off x="8239125" y="1657350"/>
+              <a:ext cx="0" cy="3814763"/>
+            </a:xfrm>
+            <a:prstGeom prst="line">
+              <a:avLst/>
+            </a:prstGeom>
+            <a:ln>
+              <a:solidFill>
+                <a:schemeClr val="bg1"/>
+              </a:solidFill>
+            </a:ln>
+          </p:spPr>
+          <p:style>
+            <a:lnRef idx="1">
+              <a:schemeClr val="accent1"/>
+            </a:lnRef>
+            <a:fillRef idx="0">
+              <a:schemeClr val="accent1"/>
+            </a:fillRef>
+            <a:effectRef idx="0">
+              <a:schemeClr val="accent1"/>
+            </a:effectRef>
+            <a:fontRef idx="minor">
+              <a:schemeClr val="tx1"/>
+            </a:fontRef>
+          </p:style>
+        </p:cxnSp>
+        <p:sp>
+          <p:nvSpPr>
+            <p:cNvPr id="24" name="矩形 23"/>
+            <p:cNvSpPr/>
+            <p:nvPr/>
+          </p:nvSpPr>
+          <p:spPr>
+            <a:xfrm>
+              <a:off x="8239125" y="4919663"/>
+              <a:ext cx="3251260" cy="552450"/>
+            </a:xfrm>
+            <a:prstGeom prst="rect">
+              <a:avLst/>
+            </a:prstGeom>
+            <a:solidFill>
+              <a:srgbClr val="FE5A3E"/>
+            </a:solidFill>
+            <a:ln>
+              <a:noFill/>
+            </a:ln>
+          </p:spPr>
+          <p:style>
+            <a:lnRef idx="2">
+              <a:schemeClr val="accent1">
+                <a:shade val="50000"/>
+              </a:schemeClr>
+            </a:lnRef>
+            <a:fillRef idx="1">
+              <a:schemeClr val="accent1"/>
+            </a:fillRef>
+            <a:effectRef idx="0">
+              <a:schemeClr val="accent1"/>
+            </a:effectRef>
+            <a:fontRef idx="minor">
+              <a:schemeClr val="lt1"/>
+            </a:fontRef>
+          </p:style>
+          <p:txBody>
+            <a:bodyPr anchor="ctr"/>
+            <a:lstStyle/>
+            <a:p>
+              <a:pPr fontAlgn="auto">
+                <a:spcBef>
+                  <a:spcPts val="0"/>
+                </a:spcBef>
+                <a:spcAft>
+                  <a:spcPts val="0"/>
+                </a:spcAft>
+                <a:defRPr/>
+              </a:pPr>
+              <a:r>
+                <a:rPr lang="zh-CN" altLang="en-US" dirty="0" smtClean="0"/>
+                <a:t>案例：使用新线程计算质数</a:t>
+              </a:r>
+              <a:endParaRPr lang="zh-CN" altLang="en-US" sz="2800" b="1" dirty="0"/>
+            </a:p>
+          </p:txBody>
+        </p:sp>
+      </p:grpSp>
+      <p:pic>
+        <p:nvPicPr>
+          <p:cNvPr id="8" name="图片 7"/>
+          <p:cNvPicPr>
+            <a:picLocks noChangeAspect="1"/>
+          </p:cNvPicPr>
+          <p:nvPr/>
+        </p:nvPicPr>
+        <p:blipFill>
+          <a:blip r:embed="rId3"/>
+          <a:stretch>
+            <a:fillRect/>
+          </a:stretch>
+        </p:blipFill>
+        <p:spPr>
+          <a:xfrm>
+            <a:off x="7929902" y="1668514"/>
+            <a:ext cx="3385039" cy="4056436"/>
+          </a:xfrm>
+          <a:prstGeom prst="rect">
+            <a:avLst/>
+          </a:prstGeom>
+        </p:spPr>
+      </p:pic>
+      <p:pic>
+        <p:nvPicPr>
+          <p:cNvPr id="4" name="图片 3"/>
+          <p:cNvPicPr>
+            <a:picLocks noChangeAspect="1"/>
+          </p:cNvPicPr>
+          <p:nvPr/>
+        </p:nvPicPr>
+        <p:blipFill>
+          <a:blip r:embed="rId4">
+            <a:extLst>
+              <a:ext uri="{28A0092B-C50C-407E-A947-70E740481C1C}">
+                <a14:useLocalDpi xmlns:a14="http://schemas.microsoft.com/office/drawing/2010/main" val="0"/>
+              </a:ext>
+            </a:extLst>
+          </a:blip>
+          <a:stretch>
+            <a:fillRect/>
+          </a:stretch>
+        </p:blipFill>
+        <p:spPr>
+          <a:xfrm>
+            <a:off x="2296391" y="5444677"/>
+            <a:ext cx="4959932" cy="905001"/>
+          </a:xfrm>
+          <a:prstGeom prst="rect">
+            <a:avLst/>
+          </a:prstGeom>
+        </p:spPr>
+      </p:pic>
+      <p:sp>
+        <p:nvSpPr>
+          <p:cNvPr id="5" name="文本框 4"/>
+          <p:cNvSpPr txBox="1"/>
+          <p:nvPr/>
+        </p:nvSpPr>
+        <p:spPr>
+          <a:xfrm>
+            <a:off x="605095" y="5432740"/>
+            <a:ext cx="1620957" cy="954107"/>
+          </a:xfrm>
+          <a:prstGeom prst="rect">
+            <a:avLst/>
+          </a:prstGeom>
+          <a:noFill/>
+        </p:spPr>
+        <p:txBody>
+          <a:bodyPr wrap="none" rtlCol="0">
+            <a:spAutoFit/>
+          </a:bodyPr>
+          <a:lstStyle/>
+          <a:p>
+            <a:r>
+              <a:rPr lang="zh-CN" altLang="en-US" sz="2800" dirty="0" smtClean="0">
+                <a:solidFill>
+                  <a:srgbClr val="FFFF00"/>
+                </a:solidFill>
+              </a:rPr>
+              <a:t>新线程加</a:t>
+            </a:r>
+            <a:endParaRPr lang="en-US" altLang="zh-CN" sz="2800" dirty="0" smtClean="0">
+              <a:solidFill>
+                <a:srgbClr val="FFFF00"/>
+              </a:solidFill>
+            </a:endParaRPr>
+          </a:p>
+          <a:p>
+            <a:r>
+              <a:rPr lang="zh-CN" altLang="en-US" sz="2800" dirty="0" smtClean="0">
+                <a:solidFill>
+                  <a:srgbClr val="FFFF00"/>
+                </a:solidFill>
+              </a:rPr>
+              <a:t>入这两句</a:t>
+            </a:r>
+            <a:endParaRPr lang="zh-CN" altLang="en-US" sz="2800" dirty="0">
+              <a:solidFill>
+                <a:srgbClr val="FFFF00"/>
+              </a:solidFill>
+            </a:endParaRPr>
+          </a:p>
+        </p:txBody>
+      </p:sp>
+    </p:spTree>
+    <p:extLst>
+      <p:ext uri="{BB962C8B-B14F-4D97-AF65-F5344CB8AC3E}">
+        <p14:creationId xmlns:p14="http://schemas.microsoft.com/office/powerpoint/2010/main" val="3974156350"/>
+      </p:ext>
+    </p:extLst>
+  </p:cSld>
+  <p:clrMapOvr>
+    <a:masterClrMapping/>
+  </p:clrMapOvr>
+  <p:timing>
+    <p:tnLst>
+      <p:par>
+        <p:cTn id="1" dur="indefinite" restart="never" nodeType="tmRoot"/>
+      </p:par>
+    </p:tnLst>
+  </p:timing>
+</p:sld>
+</file>
+
+<file path=ppt/slides/slide22.xml><?xml version="1.0" encoding="utf-8"?>
+<p:sld xmlns:a="http://schemas.openxmlformats.org/drawingml/2006/main" xmlns:r="http://schemas.openxmlformats.org/officeDocument/2006/relationships" xmlns:p="http://schemas.openxmlformats.org/presentationml/2006/main">
+  <p:cSld>
+    <p:spTree>
+      <p:nvGrpSpPr>
+        <p:cNvPr id="1" name=""/>
+        <p:cNvGrpSpPr/>
+        <p:nvPr/>
+      </p:nvGrpSpPr>
+      <p:grpSpPr>
+        <a:xfrm>
+          <a:off x="0" y="0"/>
+          <a:ext cx="0" cy="0"/>
+          <a:chOff x="0" y="0"/>
+          <a:chExt cx="0" cy="0"/>
+        </a:xfrm>
+      </p:grpSpPr>
+      <p:sp>
+        <p:nvSpPr>
+          <p:cNvPr id="2" name="标题 1"/>
+          <p:cNvSpPr>
+            <a:spLocks noGrp="1"/>
+          </p:cNvSpPr>
+          <p:nvPr>
+            <p:ph type="title"/>
+          </p:nvPr>
+        </p:nvSpPr>
+        <p:spPr>
+          <a:xfrm>
+            <a:off x="800100" y="134292"/>
+            <a:ext cx="10515600" cy="1325563"/>
+          </a:xfrm>
+        </p:spPr>
+        <p:txBody>
+          <a:bodyPr/>
+          <a:lstStyle/>
+          <a:p>
+            <a:r>
+              <a:rPr lang="en-US" altLang="zh-CN" dirty="0" smtClean="0">
+                <a:solidFill>
+                  <a:schemeClr val="bg1"/>
+                </a:solidFill>
+                <a:latin typeface="微软雅黑" pitchFamily="34" charset="-122"/>
+                <a:ea typeface="微软雅黑" pitchFamily="34" charset="-122"/>
+              </a:rPr>
+              <a:t>Handler Message</a:t>
+            </a:r>
+            <a:endParaRPr lang="zh-CN" altLang="en-US" dirty="0"/>
+          </a:p>
+        </p:txBody>
+      </p:sp>
+      <p:pic>
+        <p:nvPicPr>
+          <p:cNvPr id="4" name="图片 3"/>
+          <p:cNvPicPr>
+            <a:picLocks noChangeAspect="1"/>
+          </p:cNvPicPr>
+          <p:nvPr/>
+        </p:nvPicPr>
+        <p:blipFill>
+          <a:blip r:embed="rId3">
+            <a:extLst>
+              <a:ext uri="{28A0092B-C50C-407E-A947-70E740481C1C}">
+                <a14:useLocalDpi xmlns:a14="http://schemas.microsoft.com/office/drawing/2010/main" val="0"/>
+              </a:ext>
+            </a:extLst>
+          </a:blip>
+          <a:stretch>
+            <a:fillRect/>
+          </a:stretch>
+        </p:blipFill>
+        <p:spPr>
+          <a:xfrm>
+            <a:off x="800100" y="1907665"/>
+            <a:ext cx="5219700" cy="4372155"/>
+          </a:xfrm>
+          <a:prstGeom prst="rect">
+            <a:avLst/>
+          </a:prstGeom>
+        </p:spPr>
+      </p:pic>
+      <p:pic>
+        <p:nvPicPr>
+          <p:cNvPr id="5" name="图片 4"/>
+          <p:cNvPicPr>
+            <a:picLocks noChangeAspect="1"/>
+          </p:cNvPicPr>
+          <p:nvPr/>
+        </p:nvPicPr>
+        <p:blipFill>
+          <a:blip r:embed="rId4">
+            <a:extLst>
+              <a:ext uri="{28A0092B-C50C-407E-A947-70E740481C1C}">
+                <a14:useLocalDpi xmlns:a14="http://schemas.microsoft.com/office/drawing/2010/main" val="0"/>
+              </a:ext>
+            </a:extLst>
+          </a:blip>
+          <a:stretch>
+            <a:fillRect/>
+          </a:stretch>
+        </p:blipFill>
+        <p:spPr>
+          <a:xfrm>
+            <a:off x="6199939" y="1907665"/>
+            <a:ext cx="5115761" cy="1286055"/>
+          </a:xfrm>
+          <a:prstGeom prst="rect">
+            <a:avLst/>
+          </a:prstGeom>
+        </p:spPr>
+      </p:pic>
+      <p:sp>
+        <p:nvSpPr>
+          <p:cNvPr id="6" name="文本框 5"/>
+          <p:cNvSpPr txBox="1"/>
+          <p:nvPr/>
+        </p:nvSpPr>
+        <p:spPr>
+          <a:xfrm>
+            <a:off x="838200" y="1366336"/>
+            <a:ext cx="1415772" cy="461665"/>
+          </a:xfrm>
+          <a:prstGeom prst="rect">
+            <a:avLst/>
+          </a:prstGeom>
+          <a:noFill/>
+        </p:spPr>
+        <p:txBody>
+          <a:bodyPr wrap="none" rtlCol="0">
+            <a:spAutoFit/>
+          </a:bodyPr>
+          <a:lstStyle/>
+          <a:p>
+            <a:r>
+              <a:rPr lang="zh-CN" altLang="en-US" sz="2400" dirty="0" smtClean="0">
+                <a:solidFill>
+                  <a:srgbClr val="FFFF00"/>
+                </a:solidFill>
+              </a:rPr>
+              <a:t>发送信息</a:t>
+            </a:r>
+            <a:endParaRPr lang="zh-CN" altLang="en-US" sz="2400" dirty="0">
+              <a:solidFill>
+                <a:srgbClr val="FFFF00"/>
+              </a:solidFill>
+            </a:endParaRPr>
+          </a:p>
+        </p:txBody>
+      </p:sp>
+      <p:sp>
+        <p:nvSpPr>
+          <p:cNvPr id="7" name="文本框 6"/>
+          <p:cNvSpPr txBox="1"/>
+          <p:nvPr/>
+        </p:nvSpPr>
+        <p:spPr>
+          <a:xfrm>
+            <a:off x="6258787" y="1366335"/>
+            <a:ext cx="1415772" cy="461665"/>
+          </a:xfrm>
+          <a:prstGeom prst="rect">
+            <a:avLst/>
+          </a:prstGeom>
+          <a:noFill/>
+        </p:spPr>
+        <p:txBody>
+          <a:bodyPr wrap="none" rtlCol="0">
+            <a:spAutoFit/>
+          </a:bodyPr>
+          <a:lstStyle/>
+          <a:p>
+            <a:r>
+              <a:rPr lang="zh-CN" altLang="en-US" sz="2400" dirty="0">
+                <a:solidFill>
+                  <a:srgbClr val="FFFF00"/>
+                </a:solidFill>
+              </a:rPr>
+              <a:t>接受</a:t>
+            </a:r>
+            <a:r>
+              <a:rPr lang="zh-CN" altLang="en-US" sz="2400" dirty="0" smtClean="0">
+                <a:solidFill>
+                  <a:srgbClr val="FFFF00"/>
+                </a:solidFill>
+              </a:rPr>
+              <a:t>信息</a:t>
+            </a:r>
+            <a:endParaRPr lang="zh-CN" altLang="en-US" sz="2400" dirty="0">
+              <a:solidFill>
+                <a:srgbClr val="FFFF00"/>
+              </a:solidFill>
+            </a:endParaRPr>
+          </a:p>
+        </p:txBody>
+      </p:sp>
+      <p:pic>
+        <p:nvPicPr>
+          <p:cNvPr id="8" name="图片 7"/>
+          <p:cNvPicPr>
+            <a:picLocks noChangeAspect="1"/>
+          </p:cNvPicPr>
+          <p:nvPr/>
+        </p:nvPicPr>
+        <p:blipFill>
+          <a:blip r:embed="rId5">
+            <a:extLst>
+              <a:ext uri="{28A0092B-C50C-407E-A947-70E740481C1C}">
+                <a14:useLocalDpi xmlns:a14="http://schemas.microsoft.com/office/drawing/2010/main" val="0"/>
+              </a:ext>
+            </a:extLst>
+          </a:blip>
+          <a:stretch>
+            <a:fillRect/>
+          </a:stretch>
+        </p:blipFill>
+        <p:spPr>
+          <a:xfrm>
+            <a:off x="6210312" y="3203835"/>
+            <a:ext cx="5095013" cy="3075985"/>
+          </a:xfrm>
+          <a:prstGeom prst="rect">
+            <a:avLst/>
+          </a:prstGeom>
+        </p:spPr>
+      </p:pic>
+      <p:sp>
+        <p:nvSpPr>
+          <p:cNvPr id="9" name="文本框 8"/>
+          <p:cNvSpPr txBox="1"/>
+          <p:nvPr/>
+        </p:nvSpPr>
+        <p:spPr>
+          <a:xfrm>
+            <a:off x="9581776" y="3262745"/>
+            <a:ext cx="1723549" cy="830997"/>
+          </a:xfrm>
+          <a:prstGeom prst="rect">
+            <a:avLst/>
+          </a:prstGeom>
+          <a:noFill/>
+        </p:spPr>
+        <p:txBody>
+          <a:bodyPr wrap="none" rtlCol="0">
+            <a:spAutoFit/>
+          </a:bodyPr>
+          <a:lstStyle/>
+          <a:p>
+            <a:r>
+              <a:rPr lang="zh-CN" altLang="en-US" sz="2400" dirty="0" smtClean="0">
+                <a:solidFill>
+                  <a:srgbClr val="FF0000"/>
+                </a:solidFill>
+              </a:rPr>
+              <a:t>发送其它</a:t>
+            </a:r>
+            <a:endParaRPr lang="en-US" altLang="zh-CN" sz="2400" dirty="0" smtClean="0">
+              <a:solidFill>
+                <a:srgbClr val="FF0000"/>
+              </a:solidFill>
+            </a:endParaRPr>
+          </a:p>
+          <a:p>
+            <a:r>
+              <a:rPr lang="zh-CN" altLang="en-US" sz="2400" dirty="0" smtClean="0">
+                <a:solidFill>
+                  <a:srgbClr val="FF0000"/>
+                </a:solidFill>
+              </a:rPr>
+              <a:t>类型的信息</a:t>
+            </a:r>
+            <a:endParaRPr lang="zh-CN" altLang="en-US" sz="2400" dirty="0">
+              <a:solidFill>
+                <a:srgbClr val="FF0000"/>
+              </a:solidFill>
+            </a:endParaRPr>
+          </a:p>
+        </p:txBody>
+      </p:sp>
+    </p:spTree>
+    <p:extLst>
+      <p:ext uri="{BB962C8B-B14F-4D97-AF65-F5344CB8AC3E}">
+        <p14:creationId xmlns:p14="http://schemas.microsoft.com/office/powerpoint/2010/main" val="2480515847"/>
+      </p:ext>
+    </p:extLst>
+  </p:cSld>
+  <p:clrMapOvr>
+    <a:masterClrMapping/>
+  </p:clrMapOvr>
+</p:sld>
+</file>
+
+<file path=ppt/slides/slide23.xml><?xml version="1.0" encoding="utf-8"?>
+<p:sld xmlns:a="http://schemas.openxmlformats.org/drawingml/2006/main" xmlns:r="http://schemas.openxmlformats.org/officeDocument/2006/relationships" xmlns:p="http://schemas.openxmlformats.org/presentationml/2006/main">
+  <p:cSld>
+    <p:spTree>
+      <p:nvGrpSpPr>
+        <p:cNvPr id="1" name=""/>
+        <p:cNvGrpSpPr/>
+        <p:nvPr/>
+      </p:nvGrpSpPr>
+      <p:grpSpPr>
+        <a:xfrm>
+          <a:off x="0" y="0"/>
+          <a:ext cx="0" cy="0"/>
+          <a:chOff x="0" y="0"/>
+          <a:chExt cx="0" cy="0"/>
+        </a:xfrm>
+      </p:grpSpPr>
       <p:sp>
         <p:nvSpPr>
           <p:cNvPr id="7" name="椭圆 6"/>
@@ -24164,7 +25843,7 @@
 </p:sld>
 </file>
 
-<file path=ppt/slides/slide21.xml><?xml version="1.0" encoding="utf-8"?>
+<file path=ppt/slides/slide24.xml><?xml version="1.0" encoding="utf-8"?>
 <p:sld xmlns:a="http://schemas.openxmlformats.org/drawingml/2006/main" xmlns:r="http://schemas.openxmlformats.org/officeDocument/2006/relationships" xmlns:p="http://schemas.openxmlformats.org/presentationml/2006/main">
   <p:cSld>
     <p:spTree>
@@ -25830,7 +27509,106 @@
 </p:sld>
 </file>
 
-<file path=ppt/slides/slide22.xml><?xml version="1.0" encoding="utf-8"?>
+<file path=ppt/slides/slide25.xml><?xml version="1.0" encoding="utf-8"?>
+<p:sld xmlns:a="http://schemas.openxmlformats.org/drawingml/2006/main" xmlns:r="http://schemas.openxmlformats.org/officeDocument/2006/relationships" xmlns:p="http://schemas.openxmlformats.org/presentationml/2006/main">
+  <p:cSld>
+    <p:spTree>
+      <p:nvGrpSpPr>
+        <p:cNvPr id="1" name=""/>
+        <p:cNvGrpSpPr/>
+        <p:nvPr/>
+      </p:nvGrpSpPr>
+      <p:grpSpPr>
+        <a:xfrm>
+          <a:off x="0" y="0"/>
+          <a:ext cx="0" cy="0"/>
+          <a:chOff x="0" y="0"/>
+          <a:chExt cx="0" cy="0"/>
+        </a:xfrm>
+      </p:grpSpPr>
+      <p:sp>
+        <p:nvSpPr>
+          <p:cNvPr id="2" name="标题 1"/>
+          <p:cNvSpPr>
+            <a:spLocks noGrp="1"/>
+          </p:cNvSpPr>
+          <p:nvPr>
+            <p:ph type="title"/>
+          </p:nvPr>
+        </p:nvSpPr>
+        <p:spPr/>
+        <p:txBody>
+          <a:bodyPr/>
+          <a:lstStyle/>
+          <a:p>
+            <a:r>
+              <a:rPr lang="zh-CN" altLang="en-US" dirty="0">
+                <a:solidFill>
+                  <a:schemeClr val="bg1"/>
+                </a:solidFill>
+                <a:latin typeface="Calibri" pitchFamily="34" charset="0"/>
+                <a:ea typeface="方正大黑简体" pitchFamily="2" charset="-122"/>
+              </a:rPr>
+              <a:t>异步</a:t>
+            </a:r>
+            <a:r>
+              <a:rPr lang="zh-CN" altLang="en-US" dirty="0" smtClean="0">
+                <a:solidFill>
+                  <a:schemeClr val="bg1"/>
+                </a:solidFill>
+                <a:latin typeface="Calibri" pitchFamily="34" charset="0"/>
+                <a:ea typeface="方正大黑简体" pitchFamily="2" charset="-122"/>
+              </a:rPr>
+              <a:t>任务</a:t>
+            </a:r>
+            <a:endParaRPr lang="zh-CN" altLang="en-US" dirty="0"/>
+          </a:p>
+        </p:txBody>
+      </p:sp>
+      <p:pic>
+        <p:nvPicPr>
+          <p:cNvPr id="5" name="图片 4"/>
+          <p:cNvPicPr>
+            <a:picLocks noChangeAspect="1"/>
+          </p:cNvPicPr>
+          <p:nvPr/>
+        </p:nvPicPr>
+        <p:blipFill>
+          <a:blip r:embed="rId2">
+            <a:extLst>
+              <a:ext uri="{28A0092B-C50C-407E-A947-70E740481C1C}">
+                <a14:useLocalDpi xmlns:a14="http://schemas.microsoft.com/office/drawing/2010/main" val="0"/>
+              </a:ext>
+            </a:extLst>
+          </a:blip>
+          <a:stretch>
+            <a:fillRect/>
+          </a:stretch>
+        </p:blipFill>
+        <p:spPr>
+          <a:xfrm>
+            <a:off x="1040696" y="1444335"/>
+            <a:ext cx="9641158" cy="4989780"/>
+          </a:xfrm>
+          <a:prstGeom prst="rect">
+            <a:avLst/>
+          </a:prstGeom>
+        </p:spPr>
+      </p:pic>
+    </p:spTree>
+    <p:extLst>
+      <p:ext uri="{BB962C8B-B14F-4D97-AF65-F5344CB8AC3E}">
+        <p14:creationId xmlns:p14="http://schemas.microsoft.com/office/powerpoint/2010/main" val="3134599956"/>
+      </p:ext>
+    </p:extLst>
+  </p:cSld>
+  <p:clrMapOvr>
+    <a:masterClrMapping/>
+  </p:clrMapOvr>
+</p:sld>
+</file>
+
+<file path=ppt/slides/slide26.xml><?xml version="1.0" encoding="utf-8"?>
 <p:sld xmlns:a="http://schemas.openxmlformats.org/drawingml/2006/main" xmlns:r="http://schemas.openxmlformats.org/officeDocument/2006/relationships" xmlns:p="http://schemas.openxmlformats.org/presentationml/2006/main">
   <p:cSld>
     <p:spTree>
@@ -32601,7 +34379,7 @@
           <a:effectLst/>
           <a:extLst>
             <a:ext uri="{91240B29-F687-4f45-9708-019B960494DF}">
-              <a14:hiddenLine xmlns:a14="http://schemas.microsoft.com/office/drawing/2010/main" xmlns="" w="9525">
+              <a14:hiddenLine xmlns="" xmlns:a14="http://schemas.microsoft.com/office/drawing/2010/main" w="9525">
                 <a:solidFill>
                   <a:schemeClr val="tx1"/>
                 </a:solidFill>
@@ -32611,7 +34389,7 @@
               </a14:hiddenLine>
             </a:ext>
             <a:ext uri="{AF507438-7753-43e0-B8FC-AC1667EBCBE1}">
-              <a14:hiddenEffects xmlns:a14="http://schemas.microsoft.com/office/drawing/2010/main" xmlns="">
+              <a14:hiddenEffects xmlns="" xmlns:a14="http://schemas.microsoft.com/office/drawing/2010/main">
                 <a:effectLst>
                   <a:outerShdw dist="35921" dir="2700000" algn="ctr" rotWithShape="0">
                     <a:schemeClr val="bg2"/>
@@ -32726,7 +34504,7 @@
           <a:effectLst/>
           <a:extLst>
             <a:ext uri="{91240B29-F687-4f45-9708-019B960494DF}">
-              <a14:hiddenLine xmlns:a14="http://schemas.microsoft.com/office/drawing/2010/main" xmlns="" w="9525">
+              <a14:hiddenLine xmlns="" xmlns:a14="http://schemas.microsoft.com/office/drawing/2010/main" w="9525">
                 <a:solidFill>
                   <a:schemeClr val="tx1"/>
                 </a:solidFill>
@@ -32736,7 +34514,7 @@
               </a14:hiddenLine>
             </a:ext>
             <a:ext uri="{AF507438-7753-43e0-B8FC-AC1667EBCBE1}">
-              <a14:hiddenEffects xmlns:a14="http://schemas.microsoft.com/office/drawing/2010/main" xmlns="">
+              <a14:hiddenEffects xmlns="" xmlns:a14="http://schemas.microsoft.com/office/drawing/2010/main">
                 <a:effectLst>
                   <a:outerShdw dist="35921" dir="2700000" algn="ctr" rotWithShape="0">
                     <a:schemeClr val="bg2"/>
@@ -32851,7 +34629,7 @@
           <a:effectLst/>
           <a:extLst>
             <a:ext uri="{91240B29-F687-4f45-9708-019B960494DF}">
-              <a14:hiddenLine xmlns:a14="http://schemas.microsoft.com/office/drawing/2010/main" xmlns="" w="9525">
+              <a14:hiddenLine xmlns="" xmlns:a14="http://schemas.microsoft.com/office/drawing/2010/main" w="9525">
                 <a:solidFill>
                   <a:schemeClr val="tx1"/>
                 </a:solidFill>
@@ -32861,7 +34639,7 @@
               </a14:hiddenLine>
             </a:ext>
             <a:ext uri="{AF507438-7753-43e0-B8FC-AC1667EBCBE1}">
-              <a14:hiddenEffects xmlns:a14="http://schemas.microsoft.com/office/drawing/2010/main" xmlns="">
+              <a14:hiddenEffects xmlns="" xmlns:a14="http://schemas.microsoft.com/office/drawing/2010/main">
                 <a:effectLst>
                   <a:outerShdw dist="35921" dir="2700000" algn="ctr" rotWithShape="0">
                     <a:schemeClr val="bg2"/>
@@ -34429,554 +36207,84 @@
       </p:grpSpPr>
       <p:sp>
         <p:nvSpPr>
-          <p:cNvPr id="23" name="矩形 22"/>
-          <p:cNvSpPr/>
+          <p:cNvPr id="2" name="标题 1"/>
+          <p:cNvSpPr>
+            <a:spLocks noGrp="1"/>
+          </p:cNvSpPr>
+          <p:nvPr>
+            <p:ph type="title"/>
+          </p:nvPr>
+        </p:nvSpPr>
+        <p:spPr/>
+        <p:txBody>
+          <a:bodyPr/>
+          <a:lstStyle/>
+          <a:p>
+            <a:r>
+              <a:rPr lang="en-US" altLang="zh-CN" dirty="0">
+                <a:solidFill>
+                  <a:schemeClr val="bg1"/>
+                </a:solidFill>
+                <a:ea typeface="方正大黑简体" panose="02010601030101010101"/>
+              </a:rPr>
+              <a:t>3.2.2 </a:t>
+            </a:r>
+            <a:r>
+              <a:rPr lang="zh-CN" altLang="en-US" dirty="0">
+                <a:solidFill>
+                  <a:schemeClr val="bg1"/>
+                </a:solidFill>
+                <a:ea typeface="方正大黑简体" panose="02010601030101010101"/>
+              </a:rPr>
+              <a:t>事件和事件</a:t>
+            </a:r>
+            <a:r>
+              <a:rPr lang="zh-CN" altLang="en-US" dirty="0" smtClean="0">
+                <a:solidFill>
+                  <a:schemeClr val="bg1"/>
+                </a:solidFill>
+                <a:ea typeface="方正大黑简体" panose="02010601030101010101"/>
+              </a:rPr>
+              <a:t>监听器</a:t>
+            </a:r>
+            <a:endParaRPr lang="zh-CN" altLang="en-US" dirty="0"/>
+          </a:p>
+        </p:txBody>
+      </p:sp>
+      <p:pic>
+        <p:nvPicPr>
+          <p:cNvPr id="4" name="图片 3"/>
+          <p:cNvPicPr>
+            <a:picLocks noChangeAspect="1"/>
+          </p:cNvPicPr>
           <p:nvPr/>
-        </p:nvSpPr>
+        </p:nvPicPr>
+        <p:blipFill>
+          <a:blip r:embed="rId2"/>
+          <a:stretch>
+            <a:fillRect/>
+          </a:stretch>
+        </p:blipFill>
         <p:spPr>
           <a:xfrm>
-            <a:off x="81752" y="488215"/>
-            <a:ext cx="5442516" cy="707886"/>
+            <a:off x="1350818" y="1690688"/>
+            <a:ext cx="9185564" cy="4616594"/>
           </a:xfrm>
           <a:prstGeom prst="rect">
             <a:avLst/>
           </a:prstGeom>
-          <a:ln>
-            <a:noFill/>
-          </a:ln>
         </p:spPr>
-        <p:style>
-          <a:lnRef idx="1">
-            <a:schemeClr val="accent1"/>
-          </a:lnRef>
-          <a:fillRef idx="0">
-            <a:schemeClr val="accent1"/>
-          </a:fillRef>
-          <a:effectRef idx="0">
-            <a:schemeClr val="accent1"/>
-          </a:effectRef>
-          <a:fontRef idx="minor">
-            <a:schemeClr val="tx1"/>
-          </a:fontRef>
-        </p:style>
-        <p:txBody>
-          <a:bodyPr wrap="none">
-            <a:spAutoFit/>
-          </a:bodyPr>
-          <a:lstStyle/>
-          <a:p>
-            <a:pPr algn="ctr" fontAlgn="auto">
-              <a:spcBef>
-                <a:spcPts val="0"/>
-              </a:spcBef>
-              <a:spcAft>
-                <a:spcPts val="0"/>
-              </a:spcAft>
-              <a:defRPr/>
-            </a:pPr>
-            <a:r>
-              <a:rPr lang="en-US" altLang="zh-CN" sz="4000" dirty="0" smtClean="0">
-                <a:solidFill>
-                  <a:schemeClr val="bg1"/>
-                </a:solidFill>
-                <a:ea typeface="方正大黑简体" panose="02010601030101010101"/>
-              </a:rPr>
-              <a:t>3.2.2 </a:t>
-            </a:r>
-            <a:r>
-              <a:rPr lang="zh-CN" altLang="en-US" sz="4000" dirty="0" smtClean="0">
-                <a:solidFill>
-                  <a:schemeClr val="bg1"/>
-                </a:solidFill>
-                <a:ea typeface="方正大黑简体" panose="02010601030101010101"/>
-              </a:rPr>
-              <a:t>事件和时间监听器</a:t>
-            </a:r>
-            <a:endParaRPr lang="zh-CN" altLang="en-US" sz="4000" dirty="0">
-              <a:solidFill>
-                <a:schemeClr val="bg1"/>
-              </a:solidFill>
-              <a:ea typeface="方正大黑简体" panose="02010601030101010101"/>
-            </a:endParaRPr>
-          </a:p>
-        </p:txBody>
-      </p:sp>
-      <p:cxnSp>
-        <p:nvCxnSpPr>
-          <p:cNvPr id="25" name="直接连接符 24"/>
-          <p:cNvCxnSpPr/>
-          <p:nvPr/>
-        </p:nvCxnSpPr>
-        <p:spPr>
-          <a:xfrm>
-            <a:off x="0" y="446088"/>
-            <a:ext cx="3321050" cy="0"/>
-          </a:xfrm>
-          <a:prstGeom prst="line">
-            <a:avLst/>
-          </a:prstGeom>
-          <a:ln>
-            <a:solidFill>
-              <a:schemeClr val="bg1"/>
-            </a:solidFill>
-          </a:ln>
-        </p:spPr>
-        <p:style>
-          <a:lnRef idx="1">
-            <a:schemeClr val="accent1"/>
-          </a:lnRef>
-          <a:fillRef idx="0">
-            <a:schemeClr val="accent1"/>
-          </a:fillRef>
-          <a:effectRef idx="0">
-            <a:schemeClr val="accent1"/>
-          </a:effectRef>
-          <a:fontRef idx="minor">
-            <a:schemeClr val="tx1"/>
-          </a:fontRef>
-        </p:style>
-      </p:cxnSp>
-      <p:cxnSp>
-        <p:nvCxnSpPr>
-          <p:cNvPr id="26" name="直接连接符 25"/>
-          <p:cNvCxnSpPr/>
-          <p:nvPr/>
-        </p:nvCxnSpPr>
-        <p:spPr>
-          <a:xfrm>
-            <a:off x="0" y="1271588"/>
-            <a:ext cx="11591925" cy="0"/>
-          </a:xfrm>
-          <a:prstGeom prst="line">
-            <a:avLst/>
-          </a:prstGeom>
-          <a:ln>
-            <a:solidFill>
-              <a:schemeClr val="bg1"/>
-            </a:solidFill>
-          </a:ln>
-        </p:spPr>
-        <p:style>
-          <a:lnRef idx="1">
-            <a:schemeClr val="accent1"/>
-          </a:lnRef>
-          <a:fillRef idx="0">
-            <a:schemeClr val="accent1"/>
-          </a:fillRef>
-          <a:effectRef idx="0">
-            <a:schemeClr val="accent1"/>
-          </a:effectRef>
-          <a:fontRef idx="minor">
-            <a:schemeClr val="tx1"/>
-          </a:fontRef>
-        </p:style>
-      </p:cxnSp>
-      <p:sp>
-        <p:nvSpPr>
-          <p:cNvPr id="18" name="文本框 56"/>
-          <p:cNvSpPr txBox="1">
-            <a:spLocks noChangeArrowheads="1"/>
-          </p:cNvSpPr>
-          <p:nvPr/>
-        </p:nvSpPr>
-        <p:spPr bwMode="auto">
-          <a:xfrm>
-            <a:off x="354084" y="2017887"/>
-            <a:ext cx="3518912" cy="400110"/>
-          </a:xfrm>
-          <a:prstGeom prst="rect">
-            <a:avLst/>
-          </a:prstGeom>
-          <a:noFill/>
-          <a:ln w="9525">
-            <a:noFill/>
-            <a:miter lim="800000"/>
-            <a:headEnd/>
-            <a:tailEnd/>
-          </a:ln>
-        </p:spPr>
-        <p:txBody>
-          <a:bodyPr wrap="none">
-            <a:spAutoFit/>
-          </a:bodyPr>
-          <a:lstStyle/>
-          <a:p>
-            <a:r>
-              <a:rPr lang="zh-CN" altLang="en-US" sz="2000" dirty="0" smtClean="0">
-                <a:solidFill>
-                  <a:srgbClr val="FE5A3E"/>
-                </a:solidFill>
-                <a:latin typeface="微软雅黑" pitchFamily="34" charset="-122"/>
-                <a:ea typeface="微软雅黑" pitchFamily="34" charset="-122"/>
-              </a:rPr>
-              <a:t>实现事件监听器的几种形式：</a:t>
-            </a:r>
-            <a:endParaRPr lang="zh-CN" altLang="en-US" sz="2000" dirty="0">
-              <a:solidFill>
-                <a:srgbClr val="FE5A3E"/>
-              </a:solidFill>
-              <a:latin typeface="微软雅黑" pitchFamily="34" charset="-122"/>
-              <a:ea typeface="微软雅黑" pitchFamily="34" charset="-122"/>
-            </a:endParaRPr>
-          </a:p>
-        </p:txBody>
-      </p:sp>
-      <p:grpSp>
-        <p:nvGrpSpPr>
-          <p:cNvPr id="19" name="组合 18"/>
-          <p:cNvGrpSpPr/>
-          <p:nvPr/>
-        </p:nvGrpSpPr>
-        <p:grpSpPr>
-          <a:xfrm>
-            <a:off x="713726" y="2701080"/>
-            <a:ext cx="10627374" cy="3281114"/>
-            <a:chOff x="7204560" y="3196387"/>
-            <a:chExt cx="4421050" cy="1090190"/>
-          </a:xfrm>
-        </p:grpSpPr>
-        <p:sp>
-          <p:nvSpPr>
-            <p:cNvPr id="20" name="矩形 19"/>
-            <p:cNvSpPr/>
-            <p:nvPr/>
-          </p:nvSpPr>
-          <p:spPr bwMode="auto">
-            <a:xfrm>
-              <a:off x="7204560" y="3196387"/>
-              <a:ext cx="4421050" cy="1025070"/>
-            </a:xfrm>
-            <a:prstGeom prst="rect">
-              <a:avLst/>
-            </a:prstGeom>
-            <a:solidFill>
-              <a:schemeClr val="bg1">
-                <a:alpha val="40000"/>
-              </a:schemeClr>
-            </a:solidFill>
-            <a:ln>
-              <a:noFill/>
-            </a:ln>
-          </p:spPr>
-          <p:style>
-            <a:lnRef idx="2">
-              <a:schemeClr val="accent1">
-                <a:shade val="50000"/>
-              </a:schemeClr>
-            </a:lnRef>
-            <a:fillRef idx="1">
-              <a:schemeClr val="accent1"/>
-            </a:fillRef>
-            <a:effectRef idx="0">
-              <a:schemeClr val="accent1"/>
-            </a:effectRef>
-            <a:fontRef idx="minor">
-              <a:schemeClr val="lt1"/>
-            </a:fontRef>
-          </p:style>
-          <p:txBody>
-            <a:bodyPr anchor="ctr"/>
-            <a:lstStyle/>
-            <a:p>
-              <a:pPr algn="ctr" fontAlgn="auto">
-                <a:spcBef>
-                  <a:spcPts val="0"/>
-                </a:spcBef>
-                <a:spcAft>
-                  <a:spcPts val="0"/>
-                </a:spcAft>
-                <a:defRPr/>
-              </a:pPr>
-              <a:endParaRPr lang="zh-CN" altLang="en-US"/>
-            </a:p>
-          </p:txBody>
-        </p:sp>
-        <p:sp>
-          <p:nvSpPr>
-            <p:cNvPr id="21" name="文本框 20"/>
-            <p:cNvSpPr txBox="1"/>
-            <p:nvPr/>
-          </p:nvSpPr>
-          <p:spPr bwMode="auto">
-            <a:xfrm>
-              <a:off x="7212182" y="3289656"/>
-              <a:ext cx="4413428" cy="996921"/>
-            </a:xfrm>
-            <a:prstGeom prst="rect">
-              <a:avLst/>
-            </a:prstGeom>
-            <a:noFill/>
-          </p:spPr>
-          <p:txBody>
-            <a:bodyPr wrap="square">
-              <a:spAutoFit/>
-            </a:bodyPr>
-            <a:lstStyle/>
-            <a:p>
-              <a:pPr marL="285750" indent="-285750" fontAlgn="auto">
-                <a:spcBef>
-                  <a:spcPts val="0"/>
-                </a:spcBef>
-                <a:spcAft>
-                  <a:spcPts val="0"/>
-                </a:spcAft>
-                <a:buClr>
-                  <a:schemeClr val="bg1"/>
-                </a:buClr>
-                <a:buFont typeface="Wingdings" panose="05000000000000000000" pitchFamily="2" charset="2"/>
-                <a:buChar char="Ø"/>
-                <a:defRPr/>
-              </a:pPr>
-              <a:r>
-                <a:rPr lang="zh-CN" altLang="en-US" dirty="0" smtClean="0">
-                  <a:solidFill>
-                    <a:schemeClr val="bg1"/>
-                  </a:solidFill>
-                  <a:latin typeface="微软雅黑" panose="020B0503020204020204" pitchFamily="34" charset="-122"/>
-                  <a:ea typeface="微软雅黑" panose="020B0503020204020204" pitchFamily="34" charset="-122"/>
-                </a:rPr>
-                <a:t>内部类形式：将事件监听器定义成当前类的内部类；使用内部类可以在当前类中复用该监听器类；因为监听器类是外部类的内部类，所以可以自由访问外部类的所有界面组件。</a:t>
-              </a:r>
-              <a:endParaRPr lang="en-US" altLang="zh-CN" dirty="0" smtClean="0">
-                <a:solidFill>
-                  <a:schemeClr val="bg1"/>
-                </a:solidFill>
-                <a:latin typeface="微软雅黑" panose="020B0503020204020204" pitchFamily="34" charset="-122"/>
-                <a:ea typeface="微软雅黑" panose="020B0503020204020204" pitchFamily="34" charset="-122"/>
-              </a:endParaRPr>
-            </a:p>
-            <a:p>
-              <a:pPr fontAlgn="auto">
-                <a:spcBef>
-                  <a:spcPts val="0"/>
-                </a:spcBef>
-                <a:spcAft>
-                  <a:spcPts val="0"/>
-                </a:spcAft>
-                <a:buClr>
-                  <a:schemeClr val="bg1"/>
-                </a:buClr>
-                <a:defRPr/>
-              </a:pPr>
-              <a:endParaRPr lang="en-US" altLang="zh-CN" dirty="0" smtClean="0">
-                <a:solidFill>
-                  <a:schemeClr val="bg1"/>
-                </a:solidFill>
-                <a:latin typeface="微软雅黑" panose="020B0503020204020204" pitchFamily="34" charset="-122"/>
-                <a:ea typeface="微软雅黑" panose="020B0503020204020204" pitchFamily="34" charset="-122"/>
-              </a:endParaRPr>
-            </a:p>
-            <a:p>
-              <a:pPr marL="285750" indent="-285750" fontAlgn="auto">
-                <a:spcBef>
-                  <a:spcPts val="0"/>
-                </a:spcBef>
-                <a:spcAft>
-                  <a:spcPts val="0"/>
-                </a:spcAft>
-                <a:buClr>
-                  <a:schemeClr val="bg1"/>
-                </a:buClr>
-                <a:buFont typeface="Wingdings" panose="05000000000000000000" pitchFamily="2" charset="2"/>
-                <a:buChar char="Ø"/>
-                <a:defRPr/>
-              </a:pPr>
-              <a:r>
-                <a:rPr lang="zh-CN" altLang="en-US" dirty="0" smtClean="0">
-                  <a:solidFill>
-                    <a:schemeClr val="bg1"/>
-                  </a:solidFill>
-                  <a:latin typeface="微软雅黑" panose="020B0503020204020204" pitchFamily="34" charset="-122"/>
-                  <a:ea typeface="微软雅黑" panose="020B0503020204020204" pitchFamily="34" charset="-122"/>
-                </a:rPr>
-                <a:t>外部类形式：将事件监听器定义成一个外部类（如果某个事件监听器被多个</a:t>
-              </a:r>
-              <a:r>
-                <a:rPr lang="en-US" altLang="zh-CN" dirty="0" smtClean="0">
-                  <a:solidFill>
-                    <a:schemeClr val="bg1"/>
-                  </a:solidFill>
-                  <a:latin typeface="微软雅黑" panose="020B0503020204020204" pitchFamily="34" charset="-122"/>
-                  <a:ea typeface="微软雅黑" panose="020B0503020204020204" pitchFamily="34" charset="-122"/>
-                </a:rPr>
-                <a:t>GUI</a:t>
-              </a:r>
-              <a:r>
-                <a:rPr lang="zh-CN" altLang="en-US" dirty="0" smtClean="0">
-                  <a:solidFill>
-                    <a:schemeClr val="bg1"/>
-                  </a:solidFill>
-                  <a:latin typeface="微软雅黑" panose="020B0503020204020204" pitchFamily="34" charset="-122"/>
-                  <a:ea typeface="微软雅黑" panose="020B0503020204020204" pitchFamily="34" charset="-122"/>
-                </a:rPr>
-                <a:t>界面所共享，而且主要是完成某种业务逻辑的实现）。</a:t>
-              </a:r>
-              <a:endParaRPr lang="en-US" altLang="zh-CN" dirty="0" smtClean="0">
-                <a:solidFill>
-                  <a:schemeClr val="bg1"/>
-                </a:solidFill>
-                <a:latin typeface="微软雅黑" panose="020B0503020204020204" pitchFamily="34" charset="-122"/>
-                <a:ea typeface="微软雅黑" panose="020B0503020204020204" pitchFamily="34" charset="-122"/>
-              </a:endParaRPr>
-            </a:p>
-            <a:p>
-              <a:pPr fontAlgn="auto">
-                <a:spcBef>
-                  <a:spcPts val="0"/>
-                </a:spcBef>
-                <a:spcAft>
-                  <a:spcPts val="0"/>
-                </a:spcAft>
-                <a:buClr>
-                  <a:schemeClr val="bg1"/>
-                </a:buClr>
-                <a:defRPr/>
-              </a:pPr>
-              <a:endParaRPr lang="en-US" altLang="zh-CN" dirty="0" smtClean="0">
-                <a:solidFill>
-                  <a:schemeClr val="bg1"/>
-                </a:solidFill>
-                <a:latin typeface="微软雅黑" panose="020B0503020204020204" pitchFamily="34" charset="-122"/>
-                <a:ea typeface="微软雅黑" panose="020B0503020204020204" pitchFamily="34" charset="-122"/>
-              </a:endParaRPr>
-            </a:p>
-            <a:p>
-              <a:pPr marL="285750" indent="-285750" fontAlgn="auto">
-                <a:spcBef>
-                  <a:spcPts val="0"/>
-                </a:spcBef>
-                <a:spcAft>
-                  <a:spcPts val="0"/>
-                </a:spcAft>
-                <a:buClr>
-                  <a:schemeClr val="bg1"/>
-                </a:buClr>
-                <a:buFont typeface="Wingdings" panose="05000000000000000000" pitchFamily="2" charset="2"/>
-                <a:buChar char="Ø"/>
-                <a:defRPr/>
-              </a:pPr>
-              <a:r>
-                <a:rPr lang="en-US" altLang="zh-CN" dirty="0" smtClean="0">
-                  <a:solidFill>
-                    <a:schemeClr val="bg1"/>
-                  </a:solidFill>
-                  <a:latin typeface="微软雅黑" panose="020B0503020204020204" pitchFamily="34" charset="-122"/>
-                  <a:ea typeface="微软雅黑" panose="020B0503020204020204" pitchFamily="34" charset="-122"/>
-                </a:rPr>
-                <a:t>Activity</a:t>
-              </a:r>
-              <a:r>
-                <a:rPr lang="zh-CN" altLang="en-US" dirty="0" smtClean="0">
-                  <a:solidFill>
-                    <a:schemeClr val="bg1"/>
-                  </a:solidFill>
-                  <a:latin typeface="微软雅黑" panose="020B0503020204020204" pitchFamily="34" charset="-122"/>
-                  <a:ea typeface="微软雅黑" panose="020B0503020204020204" pitchFamily="34" charset="-122"/>
-                </a:rPr>
-                <a:t>本身作为事件监听器类：让</a:t>
-              </a:r>
-              <a:r>
-                <a:rPr lang="en-US" altLang="zh-CN" dirty="0" smtClean="0">
-                  <a:solidFill>
-                    <a:schemeClr val="bg1"/>
-                  </a:solidFill>
-                  <a:latin typeface="微软雅黑" panose="020B0503020204020204" pitchFamily="34" charset="-122"/>
-                  <a:ea typeface="微软雅黑" panose="020B0503020204020204" pitchFamily="34" charset="-122"/>
-                </a:rPr>
-                <a:t>Activity</a:t>
-              </a:r>
-              <a:r>
-                <a:rPr lang="zh-CN" altLang="en-US" dirty="0" smtClean="0">
-                  <a:solidFill>
-                    <a:schemeClr val="bg1"/>
-                  </a:solidFill>
-                  <a:latin typeface="微软雅黑" panose="020B0503020204020204" pitchFamily="34" charset="-122"/>
-                  <a:ea typeface="微软雅黑" panose="020B0503020204020204" pitchFamily="34" charset="-122"/>
-                </a:rPr>
-                <a:t>本身实现监听器接口，并实现事件处理方法。</a:t>
-              </a:r>
-              <a:endParaRPr lang="en-US" altLang="zh-CN" dirty="0" smtClean="0">
-                <a:solidFill>
-                  <a:schemeClr val="bg1"/>
-                </a:solidFill>
-                <a:latin typeface="微软雅黑" panose="020B0503020204020204" pitchFamily="34" charset="-122"/>
-                <a:ea typeface="微软雅黑" panose="020B0503020204020204" pitchFamily="34" charset="-122"/>
-              </a:endParaRPr>
-            </a:p>
-            <a:p>
-              <a:pPr fontAlgn="auto">
-                <a:spcBef>
-                  <a:spcPts val="0"/>
-                </a:spcBef>
-                <a:spcAft>
-                  <a:spcPts val="0"/>
-                </a:spcAft>
-                <a:buClr>
-                  <a:schemeClr val="bg1"/>
-                </a:buClr>
-                <a:defRPr/>
-              </a:pPr>
-              <a:endParaRPr lang="en-US" altLang="zh-CN" dirty="0" smtClean="0">
-                <a:solidFill>
-                  <a:schemeClr val="bg1"/>
-                </a:solidFill>
-                <a:latin typeface="微软雅黑" panose="020B0503020204020204" pitchFamily="34" charset="-122"/>
-                <a:ea typeface="微软雅黑" panose="020B0503020204020204" pitchFamily="34" charset="-122"/>
-              </a:endParaRPr>
-            </a:p>
-            <a:p>
-              <a:pPr marL="285750" indent="-285750" fontAlgn="auto">
-                <a:spcBef>
-                  <a:spcPts val="0"/>
-                </a:spcBef>
-                <a:spcAft>
-                  <a:spcPts val="0"/>
-                </a:spcAft>
-                <a:buClr>
-                  <a:schemeClr val="bg1"/>
-                </a:buClr>
-                <a:buFont typeface="Wingdings" panose="05000000000000000000" pitchFamily="2" charset="2"/>
-                <a:buChar char="Ø"/>
-                <a:defRPr/>
-              </a:pPr>
-              <a:r>
-                <a:rPr lang="zh-CN" altLang="en-US" dirty="0" smtClean="0">
-                  <a:solidFill>
-                    <a:schemeClr val="bg1"/>
-                  </a:solidFill>
-                  <a:latin typeface="微软雅黑" panose="020B0503020204020204" pitchFamily="34" charset="-122"/>
-                  <a:ea typeface="微软雅黑" panose="020B0503020204020204" pitchFamily="34" charset="-122"/>
-                </a:rPr>
-                <a:t>匿名内部类形式：使用匿名内部类创建事件监听器。</a:t>
-              </a:r>
-              <a:endParaRPr lang="en-US" altLang="zh-CN" dirty="0" smtClean="0">
-                <a:solidFill>
-                  <a:schemeClr val="bg1"/>
-                </a:solidFill>
-                <a:latin typeface="微软雅黑" panose="020B0503020204020204" pitchFamily="34" charset="-122"/>
-                <a:ea typeface="微软雅黑" panose="020B0503020204020204" pitchFamily="34" charset="-122"/>
-              </a:endParaRPr>
-            </a:p>
-          </p:txBody>
-        </p:sp>
-      </p:grpSp>
+      </p:pic>
     </p:spTree>
     <p:extLst>
       <p:ext uri="{BB962C8B-B14F-4D97-AF65-F5344CB8AC3E}">
-        <p14:creationId xmlns:p14="http://schemas.microsoft.com/office/powerpoint/2010/main" val="3672201674"/>
+        <p14:creationId xmlns:p14="http://schemas.microsoft.com/office/powerpoint/2010/main" val="4192244872"/>
       </p:ext>
     </p:extLst>
   </p:cSld>
   <p:clrMapOvr>
     <a:masterClrMapping/>
   </p:clrMapOvr>
-  <p:timing>
-    <p:tnLst>
-      <p:par>
-        <p:cTn id="1" dur="indefinite" restart="never" nodeType="tmRoot"/>
-      </p:par>
-    </p:tnLst>
-  </p:timing>
 </p:sld>
 </file>
 
